--- a/sem_07/presentation/presentation.pptx
+++ b/sem_07/presentation/presentation.pptx
@@ -2,29 +2,28 @@
 <file path=ppt/presentation.xml><?xml version="1.0" encoding="utf-8"?>
 <p:presentation xmlns:a="http://schemas.openxmlformats.org/drawingml/2006/main" xmlns:r="http://schemas.openxmlformats.org/officeDocument/2006/relationships" xmlns:p="http://schemas.openxmlformats.org/presentationml/2006/main" saveSubsetFonts="1">
   <p:sldMasterIdLst>
-    <p:sldMasterId id="2147483672" r:id="rId1"/>
+    <p:sldMasterId id="2147483684" r:id="rId1"/>
   </p:sldMasterIdLst>
   <p:sldIdLst>
     <p:sldId id="256" r:id="rId2"/>
     <p:sldId id="257" r:id="rId3"/>
     <p:sldId id="268" r:id="rId4"/>
-    <p:sldId id="269" r:id="rId5"/>
-    <p:sldId id="258" r:id="rId6"/>
-    <p:sldId id="261" r:id="rId7"/>
-    <p:sldId id="263" r:id="rId8"/>
-    <p:sldId id="264" r:id="rId9"/>
-    <p:sldId id="265" r:id="rId10"/>
-    <p:sldId id="266" r:id="rId11"/>
-    <p:sldId id="267" r:id="rId12"/>
-    <p:sldId id="262" r:id="rId13"/>
+    <p:sldId id="270" r:id="rId5"/>
+    <p:sldId id="271" r:id="rId6"/>
+    <p:sldId id="272" r:id="rId7"/>
+    <p:sldId id="273" r:id="rId8"/>
+    <p:sldId id="274" r:id="rId9"/>
+    <p:sldId id="275" r:id="rId10"/>
+    <p:sldId id="267" r:id="rId11"/>
+    <p:sldId id="269" r:id="rId12"/>
   </p:sldIdLst>
-  <p:sldSz cx="9144000" cy="6858000" type="screen4x3"/>
+  <p:sldSz cx="12192000" cy="6858000"/>
   <p:notesSz cx="6858000" cy="9144000"/>
   <p:defaultTextStyle>
     <a:defPPr>
-      <a:defRPr lang="ru-RU"/>
+      <a:defRPr lang="en-US"/>
     </a:defPPr>
-    <a:lvl1pPr marL="0" algn="l" defTabSz="914400" rtl="0" eaLnBrk="1" latinLnBrk="0" hangingPunct="1">
+    <a:lvl1pPr marL="0" algn="l" defTabSz="457200" rtl="0" eaLnBrk="1" latinLnBrk="0" hangingPunct="1">
       <a:defRPr sz="1800" kern="1200">
         <a:solidFill>
           <a:schemeClr val="tx1"/>
@@ -34,7 +33,7 @@
         <a:cs typeface="+mn-cs"/>
       </a:defRPr>
     </a:lvl1pPr>
-    <a:lvl2pPr marL="457200" algn="l" defTabSz="914400" rtl="0" eaLnBrk="1" latinLnBrk="0" hangingPunct="1">
+    <a:lvl2pPr marL="457200" algn="l" defTabSz="457200" rtl="0" eaLnBrk="1" latinLnBrk="0" hangingPunct="1">
       <a:defRPr sz="1800" kern="1200">
         <a:solidFill>
           <a:schemeClr val="tx1"/>
@@ -44,7 +43,7 @@
         <a:cs typeface="+mn-cs"/>
       </a:defRPr>
     </a:lvl2pPr>
-    <a:lvl3pPr marL="914400" algn="l" defTabSz="914400" rtl="0" eaLnBrk="1" latinLnBrk="0" hangingPunct="1">
+    <a:lvl3pPr marL="914400" algn="l" defTabSz="457200" rtl="0" eaLnBrk="1" latinLnBrk="0" hangingPunct="1">
       <a:defRPr sz="1800" kern="1200">
         <a:solidFill>
           <a:schemeClr val="tx1"/>
@@ -54,7 +53,7 @@
         <a:cs typeface="+mn-cs"/>
       </a:defRPr>
     </a:lvl3pPr>
-    <a:lvl4pPr marL="1371600" algn="l" defTabSz="914400" rtl="0" eaLnBrk="1" latinLnBrk="0" hangingPunct="1">
+    <a:lvl4pPr marL="1371600" algn="l" defTabSz="457200" rtl="0" eaLnBrk="1" latinLnBrk="0" hangingPunct="1">
       <a:defRPr sz="1800" kern="1200">
         <a:solidFill>
           <a:schemeClr val="tx1"/>
@@ -64,7 +63,7 @@
         <a:cs typeface="+mn-cs"/>
       </a:defRPr>
     </a:lvl4pPr>
-    <a:lvl5pPr marL="1828800" algn="l" defTabSz="914400" rtl="0" eaLnBrk="1" latinLnBrk="0" hangingPunct="1">
+    <a:lvl5pPr marL="1828800" algn="l" defTabSz="457200" rtl="0" eaLnBrk="1" latinLnBrk="0" hangingPunct="1">
       <a:defRPr sz="1800" kern="1200">
         <a:solidFill>
           <a:schemeClr val="tx1"/>
@@ -74,7 +73,7 @@
         <a:cs typeface="+mn-cs"/>
       </a:defRPr>
     </a:lvl5pPr>
-    <a:lvl6pPr marL="2286000" algn="l" defTabSz="914400" rtl="0" eaLnBrk="1" latinLnBrk="0" hangingPunct="1">
+    <a:lvl6pPr marL="2286000" algn="l" defTabSz="457200" rtl="0" eaLnBrk="1" latinLnBrk="0" hangingPunct="1">
       <a:defRPr sz="1800" kern="1200">
         <a:solidFill>
           <a:schemeClr val="tx1"/>
@@ -84,7 +83,7 @@
         <a:cs typeface="+mn-cs"/>
       </a:defRPr>
     </a:lvl6pPr>
-    <a:lvl7pPr marL="2743200" algn="l" defTabSz="914400" rtl="0" eaLnBrk="1" latinLnBrk="0" hangingPunct="1">
+    <a:lvl7pPr marL="2743200" algn="l" defTabSz="457200" rtl="0" eaLnBrk="1" latinLnBrk="0" hangingPunct="1">
       <a:defRPr sz="1800" kern="1200">
         <a:solidFill>
           <a:schemeClr val="tx1"/>
@@ -94,7 +93,7 @@
         <a:cs typeface="+mn-cs"/>
       </a:defRPr>
     </a:lvl7pPr>
-    <a:lvl8pPr marL="3200400" algn="l" defTabSz="914400" rtl="0" eaLnBrk="1" latinLnBrk="0" hangingPunct="1">
+    <a:lvl8pPr marL="3200400" algn="l" defTabSz="457200" rtl="0" eaLnBrk="1" latinLnBrk="0" hangingPunct="1">
       <a:defRPr sz="1800" kern="1200">
         <a:solidFill>
           <a:schemeClr val="tx1"/>
@@ -104,7 +103,7 @@
         <a:cs typeface="+mn-cs"/>
       </a:defRPr>
     </a:lvl8pPr>
-    <a:lvl9pPr marL="3657600" algn="l" defTabSz="914400" rtl="0" eaLnBrk="1" latinLnBrk="0" hangingPunct="1">
+    <a:lvl9pPr marL="3657600" algn="l" defTabSz="457200" rtl="0" eaLnBrk="1" latinLnBrk="0" hangingPunct="1">
       <a:defRPr sz="1800" kern="1200">
         <a:solidFill>
           <a:schemeClr val="tx1"/>
@@ -125,7 +124,7 @@
 
 <file path=ppt/slideLayouts/slideLayout1.xml><?xml version="1.0" encoding="utf-8"?>
 <p:sldLayout xmlns:a="http://schemas.openxmlformats.org/drawingml/2006/main" xmlns:r="http://schemas.openxmlformats.org/officeDocument/2006/relationships" xmlns:p="http://schemas.openxmlformats.org/presentationml/2006/main" type="title" preserve="1">
-  <p:cSld name="Титульный слайд">
+  <p:cSld name="Титульний слайд">
     <p:spTree>
       <p:nvGrpSpPr>
         <p:cNvPr id="1" name=""/>
@@ -152,8 +151,8 @@
         </p:nvSpPr>
         <p:spPr>
           <a:xfrm>
-            <a:off x="685800" y="1122363"/>
-            <a:ext cx="7772400" cy="2387600"/>
+            <a:off x="1524000" y="1122363"/>
+            <a:ext cx="9144000" cy="2387600"/>
           </a:xfrm>
         </p:spPr>
         <p:txBody>
@@ -165,8 +164,8 @@
           </a:lstStyle>
           <a:p>
             <a:r>
-              <a:rPr lang="ru-RU"/>
-              <a:t>Образец заголовка</a:t>
+              <a:rPr lang="uk-UA"/>
+              <a:t>Клацніть, щоб редагувати стиль зразка заголовка</a:t>
             </a:r>
             <a:endParaRPr lang="en-US" dirty="0"/>
           </a:p>
@@ -184,8 +183,8 @@
         </p:nvSpPr>
         <p:spPr>
           <a:xfrm>
-            <a:off x="1143000" y="3602038"/>
-            <a:ext cx="6858000" cy="1655762"/>
+            <a:off x="1524000" y="3602038"/>
+            <a:ext cx="9144000" cy="1655762"/>
           </a:xfrm>
         </p:spPr>
         <p:txBody>
@@ -230,8 +229,8 @@
           </a:lstStyle>
           <a:p>
             <a:r>
-              <a:rPr lang="ru-RU"/>
-              <a:t>Образец подзаголовка</a:t>
+              <a:rPr lang="uk-UA"/>
+              <a:t>Клацніть, щоб редагувати стиль зразка підзаголовка</a:t>
             </a:r>
             <a:endParaRPr lang="en-US" dirty="0"/>
           </a:p>
@@ -254,7 +253,7 @@
           <a:p>
             <a:fld id="{F206B613-146D-4756-9700-9969F3195DCC}" type="datetimeFigureOut">
               <a:rPr lang="ru-RU" smtClean="0"/>
-              <a:t>16.12.2022</a:t>
+              <a:t>12.12.2023</a:t>
             </a:fld>
             <a:endParaRPr lang="ru-RU"/>
           </a:p>
@@ -296,7 +295,7 @@
           <a:p>
             <a:fld id="{E7F01E5B-39C7-4115-BCA4-946381B0ED80}" type="slidenum">
               <a:rPr lang="ru-RU" smtClean="0"/>
-              <a:t>‹#›</a:t>
+              <a:t>‹№›</a:t>
             </a:fld>
             <a:endParaRPr lang="ru-RU"/>
           </a:p>
@@ -305,7 +304,7 @@
     </p:spTree>
     <p:extLst>
       <p:ext uri="{BB962C8B-B14F-4D97-AF65-F5344CB8AC3E}">
-        <p14:creationId xmlns:p14="http://schemas.microsoft.com/office/powerpoint/2010/main" val="3564722789"/>
+        <p14:creationId xmlns:p14="http://schemas.microsoft.com/office/powerpoint/2010/main" val="196028322"/>
       </p:ext>
     </p:extLst>
   </p:cSld>
@@ -317,7 +316,7 @@
 
 <file path=ppt/slideLayouts/slideLayout10.xml><?xml version="1.0" encoding="utf-8"?>
 <p:sldLayout xmlns:a="http://schemas.openxmlformats.org/drawingml/2006/main" xmlns:r="http://schemas.openxmlformats.org/officeDocument/2006/relationships" xmlns:p="http://schemas.openxmlformats.org/presentationml/2006/main" type="vertTx" preserve="1">
-  <p:cSld name="Заголовок и вертикальный текст">
+  <p:cSld name="Заголовок і вертикальний текст">
     <p:spTree>
       <p:nvGrpSpPr>
         <p:cNvPr id="1" name=""/>
@@ -348,8 +347,8 @@
           <a:lstStyle/>
           <a:p>
             <a:r>
-              <a:rPr lang="ru-RU"/>
-              <a:t>Образец заголовка</a:t>
+              <a:rPr lang="uk-UA"/>
+              <a:t>Клацніть, щоб редагувати стиль зразка заголовка</a:t>
             </a:r>
             <a:endParaRPr lang="en-US" dirty="0"/>
           </a:p>
@@ -372,36 +371,36 @@
           <a:p>
             <a:pPr lvl="0"/>
             <a:r>
-              <a:rPr lang="ru-RU"/>
-              <a:t>Образец текста</a:t>
+              <a:rPr lang="uk-UA"/>
+              <a:t>Відредагуйте стиль зразка тексту</a:t>
             </a:r>
           </a:p>
           <a:p>
             <a:pPr lvl="1"/>
             <a:r>
-              <a:rPr lang="ru-RU"/>
-              <a:t>Второй уровень</a:t>
+              <a:rPr lang="uk-UA"/>
+              <a:t>Другий рівень</a:t>
             </a:r>
           </a:p>
           <a:p>
             <a:pPr lvl="2"/>
             <a:r>
-              <a:rPr lang="ru-RU"/>
-              <a:t>Третий уровень</a:t>
+              <a:rPr lang="uk-UA"/>
+              <a:t>Третій рівень</a:t>
             </a:r>
           </a:p>
           <a:p>
             <a:pPr lvl="3"/>
             <a:r>
-              <a:rPr lang="ru-RU"/>
-              <a:t>Четвертый уровень</a:t>
+              <a:rPr lang="uk-UA"/>
+              <a:t>Четвертий рівень</a:t>
             </a:r>
           </a:p>
           <a:p>
             <a:pPr lvl="4"/>
             <a:r>
-              <a:rPr lang="ru-RU"/>
-              <a:t>Пятый уровень</a:t>
+              <a:rPr lang="uk-UA"/>
+              <a:t>П’ятий рівень</a:t>
             </a:r>
             <a:endParaRPr lang="en-US" dirty="0"/>
           </a:p>
@@ -424,7 +423,7 @@
           <a:p>
             <a:fld id="{F206B613-146D-4756-9700-9969F3195DCC}" type="datetimeFigureOut">
               <a:rPr lang="ru-RU" smtClean="0"/>
-              <a:t>16.12.2022</a:t>
+              <a:t>12.12.2023</a:t>
             </a:fld>
             <a:endParaRPr lang="ru-RU"/>
           </a:p>
@@ -466,7 +465,7 @@
           <a:p>
             <a:fld id="{E7F01E5B-39C7-4115-BCA4-946381B0ED80}" type="slidenum">
               <a:rPr lang="ru-RU" smtClean="0"/>
-              <a:t>‹#›</a:t>
+              <a:t>‹№›</a:t>
             </a:fld>
             <a:endParaRPr lang="ru-RU"/>
           </a:p>
@@ -475,7 +474,7 @@
     </p:spTree>
     <p:extLst>
       <p:ext uri="{BB962C8B-B14F-4D97-AF65-F5344CB8AC3E}">
-        <p14:creationId xmlns:p14="http://schemas.microsoft.com/office/powerpoint/2010/main" val="1837752993"/>
+        <p14:creationId xmlns:p14="http://schemas.microsoft.com/office/powerpoint/2010/main" val="2882321562"/>
       </p:ext>
     </p:extLst>
   </p:cSld>
@@ -487,7 +486,7 @@
 
 <file path=ppt/slideLayouts/slideLayout11.xml><?xml version="1.0" encoding="utf-8"?>
 <p:sldLayout xmlns:a="http://schemas.openxmlformats.org/drawingml/2006/main" xmlns:r="http://schemas.openxmlformats.org/officeDocument/2006/relationships" xmlns:p="http://schemas.openxmlformats.org/presentationml/2006/main" type="vertTitleAndTx" preserve="1">
-  <p:cSld name="Вертикальный заголовок и текст">
+  <p:cSld name="Вертикальний заголовок і текст">
     <p:spTree>
       <p:nvGrpSpPr>
         <p:cNvPr id="1" name=""/>
@@ -514,8 +513,8 @@
         </p:nvSpPr>
         <p:spPr>
           <a:xfrm>
-            <a:off x="6543675" y="365125"/>
-            <a:ext cx="1971675" cy="5811838"/>
+            <a:off x="8724900" y="365125"/>
+            <a:ext cx="2628900" cy="5811838"/>
           </a:xfrm>
         </p:spPr>
         <p:txBody>
@@ -523,8 +522,8 @@
           <a:lstStyle/>
           <a:p>
             <a:r>
-              <a:rPr lang="ru-RU"/>
-              <a:t>Образец заголовка</a:t>
+              <a:rPr lang="uk-UA"/>
+              <a:t>Клацніть, щоб редагувати стиль зразка заголовка</a:t>
             </a:r>
             <a:endParaRPr lang="en-US" dirty="0"/>
           </a:p>
@@ -542,8 +541,8 @@
         </p:nvSpPr>
         <p:spPr>
           <a:xfrm>
-            <a:off x="628650" y="365125"/>
-            <a:ext cx="5800725" cy="5811838"/>
+            <a:off x="838200" y="365125"/>
+            <a:ext cx="7734300" cy="5811838"/>
           </a:xfrm>
         </p:spPr>
         <p:txBody>
@@ -552,36 +551,36 @@
           <a:p>
             <a:pPr lvl="0"/>
             <a:r>
-              <a:rPr lang="ru-RU"/>
-              <a:t>Образец текста</a:t>
+              <a:rPr lang="uk-UA"/>
+              <a:t>Відредагуйте стиль зразка тексту</a:t>
             </a:r>
           </a:p>
           <a:p>
             <a:pPr lvl="1"/>
             <a:r>
-              <a:rPr lang="ru-RU"/>
-              <a:t>Второй уровень</a:t>
+              <a:rPr lang="uk-UA"/>
+              <a:t>Другий рівень</a:t>
             </a:r>
           </a:p>
           <a:p>
             <a:pPr lvl="2"/>
             <a:r>
-              <a:rPr lang="ru-RU"/>
-              <a:t>Третий уровень</a:t>
+              <a:rPr lang="uk-UA"/>
+              <a:t>Третій рівень</a:t>
             </a:r>
           </a:p>
           <a:p>
             <a:pPr lvl="3"/>
             <a:r>
-              <a:rPr lang="ru-RU"/>
-              <a:t>Четвертый уровень</a:t>
+              <a:rPr lang="uk-UA"/>
+              <a:t>Четвертий рівень</a:t>
             </a:r>
           </a:p>
           <a:p>
             <a:pPr lvl="4"/>
             <a:r>
-              <a:rPr lang="ru-RU"/>
-              <a:t>Пятый уровень</a:t>
+              <a:rPr lang="uk-UA"/>
+              <a:t>П’ятий рівень</a:t>
             </a:r>
             <a:endParaRPr lang="en-US" dirty="0"/>
           </a:p>
@@ -604,7 +603,7 @@
           <a:p>
             <a:fld id="{F206B613-146D-4756-9700-9969F3195DCC}" type="datetimeFigureOut">
               <a:rPr lang="ru-RU" smtClean="0"/>
-              <a:t>16.12.2022</a:t>
+              <a:t>12.12.2023</a:t>
             </a:fld>
             <a:endParaRPr lang="ru-RU"/>
           </a:p>
@@ -646,7 +645,7 @@
           <a:p>
             <a:fld id="{E7F01E5B-39C7-4115-BCA4-946381B0ED80}" type="slidenum">
               <a:rPr lang="ru-RU" smtClean="0"/>
-              <a:t>‹#›</a:t>
+              <a:t>‹№›</a:t>
             </a:fld>
             <a:endParaRPr lang="ru-RU"/>
           </a:p>
@@ -655,7 +654,7 @@
     </p:spTree>
     <p:extLst>
       <p:ext uri="{BB962C8B-B14F-4D97-AF65-F5344CB8AC3E}">
-        <p14:creationId xmlns:p14="http://schemas.microsoft.com/office/powerpoint/2010/main" val="3616730535"/>
+        <p14:creationId xmlns:p14="http://schemas.microsoft.com/office/powerpoint/2010/main" val="115299332"/>
       </p:ext>
     </p:extLst>
   </p:cSld>
@@ -667,7 +666,7 @@
 
 <file path=ppt/slideLayouts/slideLayout2.xml><?xml version="1.0" encoding="utf-8"?>
 <p:sldLayout xmlns:a="http://schemas.openxmlformats.org/drawingml/2006/main" xmlns:r="http://schemas.openxmlformats.org/officeDocument/2006/relationships" xmlns:p="http://schemas.openxmlformats.org/presentationml/2006/main" type="obj" preserve="1">
-  <p:cSld name="Заголовок и объект">
+  <p:cSld name="Назва та вміст">
     <p:spTree>
       <p:nvGrpSpPr>
         <p:cNvPr id="1" name=""/>
@@ -698,8 +697,8 @@
           <a:lstStyle/>
           <a:p>
             <a:r>
-              <a:rPr lang="ru-RU"/>
-              <a:t>Образец заголовка</a:t>
+              <a:rPr lang="uk-UA"/>
+              <a:t>Клацніть, щоб редагувати стиль зразка заголовка</a:t>
             </a:r>
             <a:endParaRPr lang="en-US" dirty="0"/>
           </a:p>
@@ -722,36 +721,36 @@
           <a:p>
             <a:pPr lvl="0"/>
             <a:r>
-              <a:rPr lang="ru-RU"/>
-              <a:t>Образец текста</a:t>
+              <a:rPr lang="uk-UA"/>
+              <a:t>Відредагуйте стиль зразка тексту</a:t>
             </a:r>
           </a:p>
           <a:p>
             <a:pPr lvl="1"/>
             <a:r>
-              <a:rPr lang="ru-RU"/>
-              <a:t>Второй уровень</a:t>
+              <a:rPr lang="uk-UA"/>
+              <a:t>Другий рівень</a:t>
             </a:r>
           </a:p>
           <a:p>
             <a:pPr lvl="2"/>
             <a:r>
-              <a:rPr lang="ru-RU"/>
-              <a:t>Третий уровень</a:t>
+              <a:rPr lang="uk-UA"/>
+              <a:t>Третій рівень</a:t>
             </a:r>
           </a:p>
           <a:p>
             <a:pPr lvl="3"/>
             <a:r>
-              <a:rPr lang="ru-RU"/>
-              <a:t>Четвертый уровень</a:t>
+              <a:rPr lang="uk-UA"/>
+              <a:t>Четвертий рівень</a:t>
             </a:r>
           </a:p>
           <a:p>
             <a:pPr lvl="4"/>
             <a:r>
-              <a:rPr lang="ru-RU"/>
-              <a:t>Пятый уровень</a:t>
+              <a:rPr lang="uk-UA"/>
+              <a:t>П’ятий рівень</a:t>
             </a:r>
             <a:endParaRPr lang="en-US" dirty="0"/>
           </a:p>
@@ -774,7 +773,7 @@
           <a:p>
             <a:fld id="{F206B613-146D-4756-9700-9969F3195DCC}" type="datetimeFigureOut">
               <a:rPr lang="ru-RU" smtClean="0"/>
-              <a:t>16.12.2022</a:t>
+              <a:t>12.12.2023</a:t>
             </a:fld>
             <a:endParaRPr lang="ru-RU"/>
           </a:p>
@@ -816,7 +815,7 @@
           <a:p>
             <a:fld id="{E7F01E5B-39C7-4115-BCA4-946381B0ED80}" type="slidenum">
               <a:rPr lang="ru-RU" smtClean="0"/>
-              <a:t>‹#›</a:t>
+              <a:t>‹№›</a:t>
             </a:fld>
             <a:endParaRPr lang="ru-RU"/>
           </a:p>
@@ -825,7 +824,7 @@
     </p:spTree>
     <p:extLst>
       <p:ext uri="{BB962C8B-B14F-4D97-AF65-F5344CB8AC3E}">
-        <p14:creationId xmlns:p14="http://schemas.microsoft.com/office/powerpoint/2010/main" val="818597554"/>
+        <p14:creationId xmlns:p14="http://schemas.microsoft.com/office/powerpoint/2010/main" val="3728995070"/>
       </p:ext>
     </p:extLst>
   </p:cSld>
@@ -837,7 +836,7 @@
 
 <file path=ppt/slideLayouts/slideLayout3.xml><?xml version="1.0" encoding="utf-8"?>
 <p:sldLayout xmlns:a="http://schemas.openxmlformats.org/drawingml/2006/main" xmlns:r="http://schemas.openxmlformats.org/officeDocument/2006/relationships" xmlns:p="http://schemas.openxmlformats.org/presentationml/2006/main" type="secHead" preserve="1">
-  <p:cSld name="Заголовок раздела">
+  <p:cSld name="Назва розділу">
     <p:spTree>
       <p:nvGrpSpPr>
         <p:cNvPr id="1" name=""/>
@@ -864,8 +863,8 @@
         </p:nvSpPr>
         <p:spPr>
           <a:xfrm>
-            <a:off x="623888" y="1709739"/>
-            <a:ext cx="7886700" cy="2852737"/>
+            <a:off x="831850" y="1709738"/>
+            <a:ext cx="10515600" cy="2852737"/>
           </a:xfrm>
         </p:spPr>
         <p:txBody>
@@ -877,8 +876,8 @@
           </a:lstStyle>
           <a:p>
             <a:r>
-              <a:rPr lang="ru-RU"/>
-              <a:t>Образец заголовка</a:t>
+              <a:rPr lang="uk-UA"/>
+              <a:t>Клацніть, щоб редагувати стиль зразка заголовка</a:t>
             </a:r>
             <a:endParaRPr lang="en-US" dirty="0"/>
           </a:p>
@@ -896,8 +895,8 @@
         </p:nvSpPr>
         <p:spPr>
           <a:xfrm>
-            <a:off x="623888" y="4589464"/>
-            <a:ext cx="7886700" cy="1500187"/>
+            <a:off x="831850" y="4589463"/>
+            <a:ext cx="10515600" cy="1500187"/>
           </a:xfrm>
         </p:spPr>
         <p:txBody>
@@ -907,7 +906,9 @@
               <a:buNone/>
               <a:defRPr sz="2400">
                 <a:solidFill>
-                  <a:schemeClr val="tx1"/>
+                  <a:schemeClr val="tx1">
+                    <a:tint val="75000"/>
+                  </a:schemeClr>
                 </a:solidFill>
               </a:defRPr>
             </a:lvl1pPr>
@@ -995,8 +996,8 @@
           <a:p>
             <a:pPr lvl="0"/>
             <a:r>
-              <a:rPr lang="ru-RU"/>
-              <a:t>Образец текста</a:t>
+              <a:rPr lang="uk-UA"/>
+              <a:t>Відредагуйте стиль зразка тексту</a:t>
             </a:r>
           </a:p>
         </p:txBody>
@@ -1018,7 +1019,7 @@
           <a:p>
             <a:fld id="{F206B613-146D-4756-9700-9969F3195DCC}" type="datetimeFigureOut">
               <a:rPr lang="ru-RU" smtClean="0"/>
-              <a:t>16.12.2022</a:t>
+              <a:t>12.12.2023</a:t>
             </a:fld>
             <a:endParaRPr lang="ru-RU"/>
           </a:p>
@@ -1060,7 +1061,7 @@
           <a:p>
             <a:fld id="{E7F01E5B-39C7-4115-BCA4-946381B0ED80}" type="slidenum">
               <a:rPr lang="ru-RU" smtClean="0"/>
-              <a:t>‹#›</a:t>
+              <a:t>‹№›</a:t>
             </a:fld>
             <a:endParaRPr lang="ru-RU"/>
           </a:p>
@@ -1069,7 +1070,7 @@
     </p:spTree>
     <p:extLst>
       <p:ext uri="{BB962C8B-B14F-4D97-AF65-F5344CB8AC3E}">
-        <p14:creationId xmlns:p14="http://schemas.microsoft.com/office/powerpoint/2010/main" val="356090771"/>
+        <p14:creationId xmlns:p14="http://schemas.microsoft.com/office/powerpoint/2010/main" val="2944730534"/>
       </p:ext>
     </p:extLst>
   </p:cSld>
@@ -1081,7 +1082,7 @@
 
 <file path=ppt/slideLayouts/slideLayout4.xml><?xml version="1.0" encoding="utf-8"?>
 <p:sldLayout xmlns:a="http://schemas.openxmlformats.org/drawingml/2006/main" xmlns:r="http://schemas.openxmlformats.org/officeDocument/2006/relationships" xmlns:p="http://schemas.openxmlformats.org/presentationml/2006/main" type="twoObj" preserve="1">
-  <p:cSld name="Два объекта">
+  <p:cSld name="Два об’єкти">
     <p:spTree>
       <p:nvGrpSpPr>
         <p:cNvPr id="1" name=""/>
@@ -1112,8 +1113,8 @@
           <a:lstStyle/>
           <a:p>
             <a:r>
-              <a:rPr lang="ru-RU"/>
-              <a:t>Образец заголовка</a:t>
+              <a:rPr lang="uk-UA"/>
+              <a:t>Клацніть, щоб редагувати стиль зразка заголовка</a:t>
             </a:r>
             <a:endParaRPr lang="en-US" dirty="0"/>
           </a:p>
@@ -1131,8 +1132,8 @@
         </p:nvSpPr>
         <p:spPr>
           <a:xfrm>
-            <a:off x="628650" y="1825625"/>
-            <a:ext cx="3886200" cy="4351338"/>
+            <a:off x="838200" y="1825625"/>
+            <a:ext cx="5181600" cy="4351338"/>
           </a:xfrm>
         </p:spPr>
         <p:txBody>
@@ -1141,36 +1142,36 @@
           <a:p>
             <a:pPr lvl="0"/>
             <a:r>
-              <a:rPr lang="ru-RU"/>
-              <a:t>Образец текста</a:t>
+              <a:rPr lang="uk-UA"/>
+              <a:t>Відредагуйте стиль зразка тексту</a:t>
             </a:r>
           </a:p>
           <a:p>
             <a:pPr lvl="1"/>
             <a:r>
-              <a:rPr lang="ru-RU"/>
-              <a:t>Второй уровень</a:t>
+              <a:rPr lang="uk-UA"/>
+              <a:t>Другий рівень</a:t>
             </a:r>
           </a:p>
           <a:p>
             <a:pPr lvl="2"/>
             <a:r>
-              <a:rPr lang="ru-RU"/>
-              <a:t>Третий уровень</a:t>
+              <a:rPr lang="uk-UA"/>
+              <a:t>Третій рівень</a:t>
             </a:r>
           </a:p>
           <a:p>
             <a:pPr lvl="3"/>
             <a:r>
-              <a:rPr lang="ru-RU"/>
-              <a:t>Четвертый уровень</a:t>
+              <a:rPr lang="uk-UA"/>
+              <a:t>Четвертий рівень</a:t>
             </a:r>
           </a:p>
           <a:p>
             <a:pPr lvl="4"/>
             <a:r>
-              <a:rPr lang="ru-RU"/>
-              <a:t>Пятый уровень</a:t>
+              <a:rPr lang="uk-UA"/>
+              <a:t>П’ятий рівень</a:t>
             </a:r>
             <a:endParaRPr lang="en-US" dirty="0"/>
           </a:p>
@@ -1188,8 +1189,8 @@
         </p:nvSpPr>
         <p:spPr>
           <a:xfrm>
-            <a:off x="4629150" y="1825625"/>
-            <a:ext cx="3886200" cy="4351338"/>
+            <a:off x="6172200" y="1825625"/>
+            <a:ext cx="5181600" cy="4351338"/>
           </a:xfrm>
         </p:spPr>
         <p:txBody>
@@ -1198,36 +1199,36 @@
           <a:p>
             <a:pPr lvl="0"/>
             <a:r>
-              <a:rPr lang="ru-RU"/>
-              <a:t>Образец текста</a:t>
+              <a:rPr lang="uk-UA"/>
+              <a:t>Відредагуйте стиль зразка тексту</a:t>
             </a:r>
           </a:p>
           <a:p>
             <a:pPr lvl="1"/>
             <a:r>
-              <a:rPr lang="ru-RU"/>
-              <a:t>Второй уровень</a:t>
+              <a:rPr lang="uk-UA"/>
+              <a:t>Другий рівень</a:t>
             </a:r>
           </a:p>
           <a:p>
             <a:pPr lvl="2"/>
             <a:r>
-              <a:rPr lang="ru-RU"/>
-              <a:t>Третий уровень</a:t>
+              <a:rPr lang="uk-UA"/>
+              <a:t>Третій рівень</a:t>
             </a:r>
           </a:p>
           <a:p>
             <a:pPr lvl="3"/>
             <a:r>
-              <a:rPr lang="ru-RU"/>
-              <a:t>Четвертый уровень</a:t>
+              <a:rPr lang="uk-UA"/>
+              <a:t>Четвертий рівень</a:t>
             </a:r>
           </a:p>
           <a:p>
             <a:pPr lvl="4"/>
             <a:r>
-              <a:rPr lang="ru-RU"/>
-              <a:t>Пятый уровень</a:t>
+              <a:rPr lang="uk-UA"/>
+              <a:t>П’ятий рівень</a:t>
             </a:r>
             <a:endParaRPr lang="en-US" dirty="0"/>
           </a:p>
@@ -1250,7 +1251,7 @@
           <a:p>
             <a:fld id="{F206B613-146D-4756-9700-9969F3195DCC}" type="datetimeFigureOut">
               <a:rPr lang="ru-RU" smtClean="0"/>
-              <a:t>16.12.2022</a:t>
+              <a:t>12.12.2023</a:t>
             </a:fld>
             <a:endParaRPr lang="ru-RU"/>
           </a:p>
@@ -1292,7 +1293,7 @@
           <a:p>
             <a:fld id="{E7F01E5B-39C7-4115-BCA4-946381B0ED80}" type="slidenum">
               <a:rPr lang="ru-RU" smtClean="0"/>
-              <a:t>‹#›</a:t>
+              <a:t>‹№›</a:t>
             </a:fld>
             <a:endParaRPr lang="ru-RU"/>
           </a:p>
@@ -1301,7 +1302,7 @@
     </p:spTree>
     <p:extLst>
       <p:ext uri="{BB962C8B-B14F-4D97-AF65-F5344CB8AC3E}">
-        <p14:creationId xmlns:p14="http://schemas.microsoft.com/office/powerpoint/2010/main" val="2675183438"/>
+        <p14:creationId xmlns:p14="http://schemas.microsoft.com/office/powerpoint/2010/main" val="2777294469"/>
       </p:ext>
     </p:extLst>
   </p:cSld>
@@ -1313,7 +1314,7 @@
 
 <file path=ppt/slideLayouts/slideLayout5.xml><?xml version="1.0" encoding="utf-8"?>
 <p:sldLayout xmlns:a="http://schemas.openxmlformats.org/drawingml/2006/main" xmlns:r="http://schemas.openxmlformats.org/officeDocument/2006/relationships" xmlns:p="http://schemas.openxmlformats.org/presentationml/2006/main" type="twoTxTwoObj" preserve="1">
-  <p:cSld name="Сравнение">
+  <p:cSld name="Порівняння">
     <p:spTree>
       <p:nvGrpSpPr>
         <p:cNvPr id="1" name=""/>
@@ -1340,8 +1341,8 @@
         </p:nvSpPr>
         <p:spPr>
           <a:xfrm>
-            <a:off x="629841" y="365126"/>
-            <a:ext cx="7886700" cy="1325563"/>
+            <a:off x="839788" y="365125"/>
+            <a:ext cx="10515600" cy="1325563"/>
           </a:xfrm>
         </p:spPr>
         <p:txBody>
@@ -1349,8 +1350,8 @@
           <a:lstStyle/>
           <a:p>
             <a:r>
-              <a:rPr lang="ru-RU"/>
-              <a:t>Образец заголовка</a:t>
+              <a:rPr lang="uk-UA"/>
+              <a:t>Клацніть, щоб редагувати стиль зразка заголовка</a:t>
             </a:r>
             <a:endParaRPr lang="en-US" dirty="0"/>
           </a:p>
@@ -1368,8 +1369,8 @@
         </p:nvSpPr>
         <p:spPr>
           <a:xfrm>
-            <a:off x="629842" y="1681163"/>
-            <a:ext cx="3868340" cy="823912"/>
+            <a:off x="839788" y="1681163"/>
+            <a:ext cx="5157787" cy="823912"/>
           </a:xfrm>
         </p:spPr>
         <p:txBody>
@@ -1415,8 +1416,8 @@
           <a:p>
             <a:pPr lvl="0"/>
             <a:r>
-              <a:rPr lang="ru-RU"/>
-              <a:t>Образец текста</a:t>
+              <a:rPr lang="uk-UA"/>
+              <a:t>Відредагуйте стиль зразка тексту</a:t>
             </a:r>
           </a:p>
         </p:txBody>
@@ -1433,8 +1434,8 @@
         </p:nvSpPr>
         <p:spPr>
           <a:xfrm>
-            <a:off x="629842" y="2505075"/>
-            <a:ext cx="3868340" cy="3684588"/>
+            <a:off x="839788" y="2505075"/>
+            <a:ext cx="5157787" cy="3684588"/>
           </a:xfrm>
         </p:spPr>
         <p:txBody>
@@ -1443,36 +1444,36 @@
           <a:p>
             <a:pPr lvl="0"/>
             <a:r>
-              <a:rPr lang="ru-RU"/>
-              <a:t>Образец текста</a:t>
+              <a:rPr lang="uk-UA"/>
+              <a:t>Відредагуйте стиль зразка тексту</a:t>
             </a:r>
           </a:p>
           <a:p>
             <a:pPr lvl="1"/>
             <a:r>
-              <a:rPr lang="ru-RU"/>
-              <a:t>Второй уровень</a:t>
+              <a:rPr lang="uk-UA"/>
+              <a:t>Другий рівень</a:t>
             </a:r>
           </a:p>
           <a:p>
             <a:pPr lvl="2"/>
             <a:r>
-              <a:rPr lang="ru-RU"/>
-              <a:t>Третий уровень</a:t>
+              <a:rPr lang="uk-UA"/>
+              <a:t>Третій рівень</a:t>
             </a:r>
           </a:p>
           <a:p>
             <a:pPr lvl="3"/>
             <a:r>
-              <a:rPr lang="ru-RU"/>
-              <a:t>Четвертый уровень</a:t>
+              <a:rPr lang="uk-UA"/>
+              <a:t>Четвертий рівень</a:t>
             </a:r>
           </a:p>
           <a:p>
             <a:pPr lvl="4"/>
             <a:r>
-              <a:rPr lang="ru-RU"/>
-              <a:t>Пятый уровень</a:t>
+              <a:rPr lang="uk-UA"/>
+              <a:t>П’ятий рівень</a:t>
             </a:r>
             <a:endParaRPr lang="en-US" dirty="0"/>
           </a:p>
@@ -1490,8 +1491,8 @@
         </p:nvSpPr>
         <p:spPr>
           <a:xfrm>
-            <a:off x="4629150" y="1681163"/>
-            <a:ext cx="3887391" cy="823912"/>
+            <a:off x="6172200" y="1681163"/>
+            <a:ext cx="5183188" cy="823912"/>
           </a:xfrm>
         </p:spPr>
         <p:txBody>
@@ -1537,8 +1538,8 @@
           <a:p>
             <a:pPr lvl="0"/>
             <a:r>
-              <a:rPr lang="ru-RU"/>
-              <a:t>Образец текста</a:t>
+              <a:rPr lang="uk-UA"/>
+              <a:t>Відредагуйте стиль зразка тексту</a:t>
             </a:r>
           </a:p>
         </p:txBody>
@@ -1555,8 +1556,8 @@
         </p:nvSpPr>
         <p:spPr>
           <a:xfrm>
-            <a:off x="4629150" y="2505075"/>
-            <a:ext cx="3887391" cy="3684588"/>
+            <a:off x="6172200" y="2505075"/>
+            <a:ext cx="5183188" cy="3684588"/>
           </a:xfrm>
         </p:spPr>
         <p:txBody>
@@ -1565,36 +1566,36 @@
           <a:p>
             <a:pPr lvl="0"/>
             <a:r>
-              <a:rPr lang="ru-RU"/>
-              <a:t>Образец текста</a:t>
+              <a:rPr lang="uk-UA"/>
+              <a:t>Відредагуйте стиль зразка тексту</a:t>
             </a:r>
           </a:p>
           <a:p>
             <a:pPr lvl="1"/>
             <a:r>
-              <a:rPr lang="ru-RU"/>
-              <a:t>Второй уровень</a:t>
+              <a:rPr lang="uk-UA"/>
+              <a:t>Другий рівень</a:t>
             </a:r>
           </a:p>
           <a:p>
             <a:pPr lvl="2"/>
             <a:r>
-              <a:rPr lang="ru-RU"/>
-              <a:t>Третий уровень</a:t>
+              <a:rPr lang="uk-UA"/>
+              <a:t>Третій рівень</a:t>
             </a:r>
           </a:p>
           <a:p>
             <a:pPr lvl="3"/>
             <a:r>
-              <a:rPr lang="ru-RU"/>
-              <a:t>Четвертый уровень</a:t>
+              <a:rPr lang="uk-UA"/>
+              <a:t>Четвертий рівень</a:t>
             </a:r>
           </a:p>
           <a:p>
             <a:pPr lvl="4"/>
             <a:r>
-              <a:rPr lang="ru-RU"/>
-              <a:t>Пятый уровень</a:t>
+              <a:rPr lang="uk-UA"/>
+              <a:t>П’ятий рівень</a:t>
             </a:r>
             <a:endParaRPr lang="en-US" dirty="0"/>
           </a:p>
@@ -1617,7 +1618,7 @@
           <a:p>
             <a:fld id="{F206B613-146D-4756-9700-9969F3195DCC}" type="datetimeFigureOut">
               <a:rPr lang="ru-RU" smtClean="0"/>
-              <a:t>16.12.2022</a:t>
+              <a:t>12.12.2023</a:t>
             </a:fld>
             <a:endParaRPr lang="ru-RU"/>
           </a:p>
@@ -1659,7 +1660,7 @@
           <a:p>
             <a:fld id="{E7F01E5B-39C7-4115-BCA4-946381B0ED80}" type="slidenum">
               <a:rPr lang="ru-RU" smtClean="0"/>
-              <a:t>‹#›</a:t>
+              <a:t>‹№›</a:t>
             </a:fld>
             <a:endParaRPr lang="ru-RU"/>
           </a:p>
@@ -1668,7 +1669,7 @@
     </p:spTree>
     <p:extLst>
       <p:ext uri="{BB962C8B-B14F-4D97-AF65-F5344CB8AC3E}">
-        <p14:creationId xmlns:p14="http://schemas.microsoft.com/office/powerpoint/2010/main" val="3907634595"/>
+        <p14:creationId xmlns:p14="http://schemas.microsoft.com/office/powerpoint/2010/main" val="4098332292"/>
       </p:ext>
     </p:extLst>
   </p:cSld>
@@ -1680,7 +1681,7 @@
 
 <file path=ppt/slideLayouts/slideLayout6.xml><?xml version="1.0" encoding="utf-8"?>
 <p:sldLayout xmlns:a="http://schemas.openxmlformats.org/drawingml/2006/main" xmlns:r="http://schemas.openxmlformats.org/officeDocument/2006/relationships" xmlns:p="http://schemas.openxmlformats.org/presentationml/2006/main" type="titleOnly" preserve="1">
-  <p:cSld name="Только заголовок">
+  <p:cSld name="Лише заголовок">
     <p:spTree>
       <p:nvGrpSpPr>
         <p:cNvPr id="1" name=""/>
@@ -1711,8 +1712,8 @@
           <a:lstStyle/>
           <a:p>
             <a:r>
-              <a:rPr lang="ru-RU"/>
-              <a:t>Образец заголовка</a:t>
+              <a:rPr lang="uk-UA"/>
+              <a:t>Клацніть, щоб редагувати стиль зразка заголовка</a:t>
             </a:r>
             <a:endParaRPr lang="en-US" dirty="0"/>
           </a:p>
@@ -1735,7 +1736,7 @@
           <a:p>
             <a:fld id="{F206B613-146D-4756-9700-9969F3195DCC}" type="datetimeFigureOut">
               <a:rPr lang="ru-RU" smtClean="0"/>
-              <a:t>16.12.2022</a:t>
+              <a:t>12.12.2023</a:t>
             </a:fld>
             <a:endParaRPr lang="ru-RU"/>
           </a:p>
@@ -1777,7 +1778,7 @@
           <a:p>
             <a:fld id="{E7F01E5B-39C7-4115-BCA4-946381B0ED80}" type="slidenum">
               <a:rPr lang="ru-RU" smtClean="0"/>
-              <a:t>‹#›</a:t>
+              <a:t>‹№›</a:t>
             </a:fld>
             <a:endParaRPr lang="ru-RU"/>
           </a:p>
@@ -1786,7 +1787,7 @@
     </p:spTree>
     <p:extLst>
       <p:ext uri="{BB962C8B-B14F-4D97-AF65-F5344CB8AC3E}">
-        <p14:creationId xmlns:p14="http://schemas.microsoft.com/office/powerpoint/2010/main" val="4186250048"/>
+        <p14:creationId xmlns:p14="http://schemas.microsoft.com/office/powerpoint/2010/main" val="2917097324"/>
       </p:ext>
     </p:extLst>
   </p:cSld>
@@ -1798,7 +1799,7 @@
 
 <file path=ppt/slideLayouts/slideLayout7.xml><?xml version="1.0" encoding="utf-8"?>
 <p:sldLayout xmlns:a="http://schemas.openxmlformats.org/drawingml/2006/main" xmlns:r="http://schemas.openxmlformats.org/officeDocument/2006/relationships" xmlns:p="http://schemas.openxmlformats.org/presentationml/2006/main" type="blank" preserve="1">
-  <p:cSld name="Пустой слайд">
+  <p:cSld name="Пустий слайд">
     <p:spTree>
       <p:nvGrpSpPr>
         <p:cNvPr id="1" name=""/>
@@ -1830,7 +1831,7 @@
           <a:p>
             <a:fld id="{F206B613-146D-4756-9700-9969F3195DCC}" type="datetimeFigureOut">
               <a:rPr lang="ru-RU" smtClean="0"/>
-              <a:t>16.12.2022</a:t>
+              <a:t>12.12.2023</a:t>
             </a:fld>
             <a:endParaRPr lang="ru-RU"/>
           </a:p>
@@ -1872,7 +1873,7 @@
           <a:p>
             <a:fld id="{E7F01E5B-39C7-4115-BCA4-946381B0ED80}" type="slidenum">
               <a:rPr lang="ru-RU" smtClean="0"/>
-              <a:t>‹#›</a:t>
+              <a:t>‹№›</a:t>
             </a:fld>
             <a:endParaRPr lang="ru-RU"/>
           </a:p>
@@ -1881,7 +1882,7 @@
     </p:spTree>
     <p:extLst>
       <p:ext uri="{BB962C8B-B14F-4D97-AF65-F5344CB8AC3E}">
-        <p14:creationId xmlns:p14="http://schemas.microsoft.com/office/powerpoint/2010/main" val="2745066622"/>
+        <p14:creationId xmlns:p14="http://schemas.microsoft.com/office/powerpoint/2010/main" val="1585468019"/>
       </p:ext>
     </p:extLst>
   </p:cSld>
@@ -1893,7 +1894,7 @@
 
 <file path=ppt/slideLayouts/slideLayout8.xml><?xml version="1.0" encoding="utf-8"?>
 <p:sldLayout xmlns:a="http://schemas.openxmlformats.org/drawingml/2006/main" xmlns:r="http://schemas.openxmlformats.org/officeDocument/2006/relationships" xmlns:p="http://schemas.openxmlformats.org/presentationml/2006/main" type="objTx" preserve="1">
-  <p:cSld name="Объект с подписью">
+  <p:cSld name="Вміст і підпис">
     <p:spTree>
       <p:nvGrpSpPr>
         <p:cNvPr id="1" name=""/>
@@ -1920,8 +1921,8 @@
         </p:nvSpPr>
         <p:spPr>
           <a:xfrm>
-            <a:off x="629841" y="457200"/>
-            <a:ext cx="2949178" cy="1600200"/>
+            <a:off x="839788" y="457200"/>
+            <a:ext cx="3932237" cy="1600200"/>
           </a:xfrm>
         </p:spPr>
         <p:txBody>
@@ -1933,8 +1934,8 @@
           </a:lstStyle>
           <a:p>
             <a:r>
-              <a:rPr lang="ru-RU"/>
-              <a:t>Образец заголовка</a:t>
+              <a:rPr lang="uk-UA"/>
+              <a:t>Клацніть, щоб редагувати стиль зразка заголовка</a:t>
             </a:r>
             <a:endParaRPr lang="en-US" dirty="0"/>
           </a:p>
@@ -1952,8 +1953,8 @@
         </p:nvSpPr>
         <p:spPr>
           <a:xfrm>
-            <a:off x="3887391" y="987426"/>
-            <a:ext cx="4629150" cy="4873625"/>
+            <a:off x="5183188" y="987425"/>
+            <a:ext cx="6172200" cy="4873625"/>
           </a:xfrm>
         </p:spPr>
         <p:txBody>
@@ -1990,36 +1991,36 @@
           <a:p>
             <a:pPr lvl="0"/>
             <a:r>
-              <a:rPr lang="ru-RU"/>
-              <a:t>Образец текста</a:t>
+              <a:rPr lang="uk-UA"/>
+              <a:t>Відредагуйте стиль зразка тексту</a:t>
             </a:r>
           </a:p>
           <a:p>
             <a:pPr lvl="1"/>
             <a:r>
-              <a:rPr lang="ru-RU"/>
-              <a:t>Второй уровень</a:t>
+              <a:rPr lang="uk-UA"/>
+              <a:t>Другий рівень</a:t>
             </a:r>
           </a:p>
           <a:p>
             <a:pPr lvl="2"/>
             <a:r>
-              <a:rPr lang="ru-RU"/>
-              <a:t>Третий уровень</a:t>
+              <a:rPr lang="uk-UA"/>
+              <a:t>Третій рівень</a:t>
             </a:r>
           </a:p>
           <a:p>
             <a:pPr lvl="3"/>
             <a:r>
-              <a:rPr lang="ru-RU"/>
-              <a:t>Четвертый уровень</a:t>
+              <a:rPr lang="uk-UA"/>
+              <a:t>Четвертий рівень</a:t>
             </a:r>
           </a:p>
           <a:p>
             <a:pPr lvl="4"/>
             <a:r>
-              <a:rPr lang="ru-RU"/>
-              <a:t>Пятый уровень</a:t>
+              <a:rPr lang="uk-UA"/>
+              <a:t>П’ятий рівень</a:t>
             </a:r>
             <a:endParaRPr lang="en-US" dirty="0"/>
           </a:p>
@@ -2037,8 +2038,8 @@
         </p:nvSpPr>
         <p:spPr>
           <a:xfrm>
-            <a:off x="629841" y="2057400"/>
-            <a:ext cx="2949178" cy="3811588"/>
+            <a:off x="839788" y="2057400"/>
+            <a:ext cx="3932237" cy="3811588"/>
           </a:xfrm>
         </p:spPr>
         <p:txBody>
@@ -2084,8 +2085,8 @@
           <a:p>
             <a:pPr lvl="0"/>
             <a:r>
-              <a:rPr lang="ru-RU"/>
-              <a:t>Образец текста</a:t>
+              <a:rPr lang="uk-UA"/>
+              <a:t>Відредагуйте стиль зразка тексту</a:t>
             </a:r>
           </a:p>
         </p:txBody>
@@ -2107,7 +2108,7 @@
           <a:p>
             <a:fld id="{F206B613-146D-4756-9700-9969F3195DCC}" type="datetimeFigureOut">
               <a:rPr lang="ru-RU" smtClean="0"/>
-              <a:t>16.12.2022</a:t>
+              <a:t>12.12.2023</a:t>
             </a:fld>
             <a:endParaRPr lang="ru-RU"/>
           </a:p>
@@ -2149,7 +2150,7 @@
           <a:p>
             <a:fld id="{E7F01E5B-39C7-4115-BCA4-946381B0ED80}" type="slidenum">
               <a:rPr lang="ru-RU" smtClean="0"/>
-              <a:t>‹#›</a:t>
+              <a:t>‹№›</a:t>
             </a:fld>
             <a:endParaRPr lang="ru-RU"/>
           </a:p>
@@ -2158,7 +2159,7 @@
     </p:spTree>
     <p:extLst>
       <p:ext uri="{BB962C8B-B14F-4D97-AF65-F5344CB8AC3E}">
-        <p14:creationId xmlns:p14="http://schemas.microsoft.com/office/powerpoint/2010/main" val="445282540"/>
+        <p14:creationId xmlns:p14="http://schemas.microsoft.com/office/powerpoint/2010/main" val="880368479"/>
       </p:ext>
     </p:extLst>
   </p:cSld>
@@ -2170,7 +2171,7 @@
 
 <file path=ppt/slideLayouts/slideLayout9.xml><?xml version="1.0" encoding="utf-8"?>
 <p:sldLayout xmlns:a="http://schemas.openxmlformats.org/drawingml/2006/main" xmlns:r="http://schemas.openxmlformats.org/officeDocument/2006/relationships" xmlns:p="http://schemas.openxmlformats.org/presentationml/2006/main" type="picTx" preserve="1">
-  <p:cSld name="Рисунок с подписью">
+  <p:cSld name="Рисунок і підпис">
     <p:spTree>
       <p:nvGrpSpPr>
         <p:cNvPr id="1" name=""/>
@@ -2197,8 +2198,8 @@
         </p:nvSpPr>
         <p:spPr>
           <a:xfrm>
-            <a:off x="629841" y="457200"/>
-            <a:ext cx="2949178" cy="1600200"/>
+            <a:off x="839788" y="457200"/>
+            <a:ext cx="3932237" cy="1600200"/>
           </a:xfrm>
         </p:spPr>
         <p:txBody>
@@ -2210,8 +2211,8 @@
           </a:lstStyle>
           <a:p>
             <a:r>
-              <a:rPr lang="ru-RU"/>
-              <a:t>Образец заголовка</a:t>
+              <a:rPr lang="uk-UA"/>
+              <a:t>Клацніть, щоб редагувати стиль зразка заголовка</a:t>
             </a:r>
             <a:endParaRPr lang="en-US" dirty="0"/>
           </a:p>
@@ -2229,8 +2230,8 @@
         </p:nvSpPr>
         <p:spPr>
           <a:xfrm>
-            <a:off x="3887391" y="987426"/>
-            <a:ext cx="4629150" cy="4873625"/>
+            <a:off x="5183188" y="987425"/>
+            <a:ext cx="6172200" cy="4873625"/>
           </a:xfrm>
         </p:spPr>
         <p:txBody>
@@ -2275,8 +2276,8 @@
           </a:lstStyle>
           <a:p>
             <a:r>
-              <a:rPr lang="ru-RU"/>
-              <a:t>Вставка рисунка</a:t>
+              <a:rPr lang="uk-UA"/>
+              <a:t>Клацніть піктограму, щоб додати зображення</a:t>
             </a:r>
             <a:endParaRPr lang="en-US" dirty="0"/>
           </a:p>
@@ -2294,8 +2295,8 @@
         </p:nvSpPr>
         <p:spPr>
           <a:xfrm>
-            <a:off x="629841" y="2057400"/>
-            <a:ext cx="2949178" cy="3811588"/>
+            <a:off x="839788" y="2057400"/>
+            <a:ext cx="3932237" cy="3811588"/>
           </a:xfrm>
         </p:spPr>
         <p:txBody>
@@ -2341,8 +2342,8 @@
           <a:p>
             <a:pPr lvl="0"/>
             <a:r>
-              <a:rPr lang="ru-RU"/>
-              <a:t>Образец текста</a:t>
+              <a:rPr lang="uk-UA"/>
+              <a:t>Відредагуйте стиль зразка тексту</a:t>
             </a:r>
           </a:p>
         </p:txBody>
@@ -2364,7 +2365,7 @@
           <a:p>
             <a:fld id="{F206B613-146D-4756-9700-9969F3195DCC}" type="datetimeFigureOut">
               <a:rPr lang="ru-RU" smtClean="0"/>
-              <a:t>16.12.2022</a:t>
+              <a:t>12.12.2023</a:t>
             </a:fld>
             <a:endParaRPr lang="ru-RU"/>
           </a:p>
@@ -2406,7 +2407,7 @@
           <a:p>
             <a:fld id="{E7F01E5B-39C7-4115-BCA4-946381B0ED80}" type="slidenum">
               <a:rPr lang="ru-RU" smtClean="0"/>
-              <a:t>‹#›</a:t>
+              <a:t>‹№›</a:t>
             </a:fld>
             <a:endParaRPr lang="ru-RU"/>
           </a:p>
@@ -2415,7 +2416,7 @@
     </p:spTree>
     <p:extLst>
       <p:ext uri="{BB962C8B-B14F-4D97-AF65-F5344CB8AC3E}">
-        <p14:creationId xmlns:p14="http://schemas.microsoft.com/office/powerpoint/2010/main" val="1804661022"/>
+        <p14:creationId xmlns:p14="http://schemas.microsoft.com/office/powerpoint/2010/main" val="3858175724"/>
       </p:ext>
     </p:extLst>
   </p:cSld>
@@ -2459,8 +2460,8 @@
         </p:nvSpPr>
         <p:spPr>
           <a:xfrm>
-            <a:off x="628650" y="365126"/>
-            <a:ext cx="7886700" cy="1325563"/>
+            <a:off x="838200" y="365125"/>
+            <a:ext cx="10515600" cy="1325563"/>
           </a:xfrm>
           <a:prstGeom prst="rect">
             <a:avLst/>
@@ -2473,8 +2474,8 @@
           <a:lstStyle/>
           <a:p>
             <a:r>
-              <a:rPr lang="ru-RU"/>
-              <a:t>Образец заголовка</a:t>
+              <a:rPr lang="uk-UA"/>
+              <a:t>Клацніть, щоб редагувати стиль зразка заголовка</a:t>
             </a:r>
             <a:endParaRPr lang="en-US" dirty="0"/>
           </a:p>
@@ -2492,8 +2493,8 @@
         </p:nvSpPr>
         <p:spPr>
           <a:xfrm>
-            <a:off x="628650" y="1825625"/>
-            <a:ext cx="7886700" cy="4351338"/>
+            <a:off x="838200" y="1825625"/>
+            <a:ext cx="10515600" cy="4351338"/>
           </a:xfrm>
           <a:prstGeom prst="rect">
             <a:avLst/>
@@ -2507,36 +2508,36 @@
           <a:p>
             <a:pPr lvl="0"/>
             <a:r>
-              <a:rPr lang="ru-RU"/>
-              <a:t>Образец текста</a:t>
+              <a:rPr lang="uk-UA"/>
+              <a:t>Відредагуйте стиль зразка тексту</a:t>
             </a:r>
           </a:p>
           <a:p>
             <a:pPr lvl="1"/>
             <a:r>
-              <a:rPr lang="ru-RU"/>
-              <a:t>Второй уровень</a:t>
+              <a:rPr lang="uk-UA"/>
+              <a:t>Другий рівень</a:t>
             </a:r>
           </a:p>
           <a:p>
             <a:pPr lvl="2"/>
             <a:r>
-              <a:rPr lang="ru-RU"/>
-              <a:t>Третий уровень</a:t>
+              <a:rPr lang="uk-UA"/>
+              <a:t>Третій рівень</a:t>
             </a:r>
           </a:p>
           <a:p>
             <a:pPr lvl="3"/>
             <a:r>
-              <a:rPr lang="ru-RU"/>
-              <a:t>Четвертый уровень</a:t>
+              <a:rPr lang="uk-UA"/>
+              <a:t>Четвертий рівень</a:t>
             </a:r>
           </a:p>
           <a:p>
             <a:pPr lvl="4"/>
             <a:r>
-              <a:rPr lang="ru-RU"/>
-              <a:t>Пятый уровень</a:t>
+              <a:rPr lang="uk-UA"/>
+              <a:t>П’ятий рівень</a:t>
             </a:r>
             <a:endParaRPr lang="en-US" dirty="0"/>
           </a:p>
@@ -2554,8 +2555,8 @@
         </p:nvSpPr>
         <p:spPr>
           <a:xfrm>
-            <a:off x="628650" y="6356351"/>
-            <a:ext cx="2057400" cy="365125"/>
+            <a:off x="838200" y="6356350"/>
+            <a:ext cx="2743200" cy="365125"/>
           </a:xfrm>
           <a:prstGeom prst="rect">
             <a:avLst/>
@@ -2577,7 +2578,7 @@
           <a:p>
             <a:fld id="{F206B613-146D-4756-9700-9969F3195DCC}" type="datetimeFigureOut">
               <a:rPr lang="ru-RU" smtClean="0"/>
-              <a:t>16.12.2022</a:t>
+              <a:t>12.12.2023</a:t>
             </a:fld>
             <a:endParaRPr lang="ru-RU"/>
           </a:p>
@@ -2595,8 +2596,8 @@
         </p:nvSpPr>
         <p:spPr>
           <a:xfrm>
-            <a:off x="3028950" y="6356351"/>
-            <a:ext cx="3086100" cy="365125"/>
+            <a:off x="4038600" y="6356350"/>
+            <a:ext cx="4114800" cy="365125"/>
           </a:xfrm>
           <a:prstGeom prst="rect">
             <a:avLst/>
@@ -2632,8 +2633,8 @@
         </p:nvSpPr>
         <p:spPr>
           <a:xfrm>
-            <a:off x="6457950" y="6356351"/>
-            <a:ext cx="2057400" cy="365125"/>
+            <a:off x="8610600" y="6356350"/>
+            <a:ext cx="2743200" cy="365125"/>
           </a:xfrm>
           <a:prstGeom prst="rect">
             <a:avLst/>
@@ -2655,7 +2656,7 @@
           <a:p>
             <a:fld id="{E7F01E5B-39C7-4115-BCA4-946381B0ED80}" type="slidenum">
               <a:rPr lang="ru-RU" smtClean="0"/>
-              <a:t>‹#›</a:t>
+              <a:t>‹№›</a:t>
             </a:fld>
             <a:endParaRPr lang="ru-RU"/>
           </a:p>
@@ -2664,23 +2665,23 @@
     </p:spTree>
     <p:extLst>
       <p:ext uri="{BB962C8B-B14F-4D97-AF65-F5344CB8AC3E}">
-        <p14:creationId xmlns:p14="http://schemas.microsoft.com/office/powerpoint/2010/main" val="1584664432"/>
+        <p14:creationId xmlns:p14="http://schemas.microsoft.com/office/powerpoint/2010/main" val="1337072879"/>
       </p:ext>
     </p:extLst>
   </p:cSld>
   <p:clrMap bg1="lt1" tx1="dk1" bg2="lt2" tx2="dk2" accent1="accent1" accent2="accent2" accent3="accent3" accent4="accent4" accent5="accent5" accent6="accent6" hlink="hlink" folHlink="folHlink"/>
   <p:sldLayoutIdLst>
-    <p:sldLayoutId id="2147483673" r:id="rId1"/>
-    <p:sldLayoutId id="2147483674" r:id="rId2"/>
-    <p:sldLayoutId id="2147483675" r:id="rId3"/>
-    <p:sldLayoutId id="2147483676" r:id="rId4"/>
-    <p:sldLayoutId id="2147483677" r:id="rId5"/>
-    <p:sldLayoutId id="2147483678" r:id="rId6"/>
-    <p:sldLayoutId id="2147483679" r:id="rId7"/>
-    <p:sldLayoutId id="2147483680" r:id="rId8"/>
-    <p:sldLayoutId id="2147483681" r:id="rId9"/>
-    <p:sldLayoutId id="2147483682" r:id="rId10"/>
-    <p:sldLayoutId id="2147483683" r:id="rId11"/>
+    <p:sldLayoutId id="2147483685" r:id="rId1"/>
+    <p:sldLayoutId id="2147483686" r:id="rId2"/>
+    <p:sldLayoutId id="2147483687" r:id="rId3"/>
+    <p:sldLayoutId id="2147483688" r:id="rId4"/>
+    <p:sldLayoutId id="2147483689" r:id="rId5"/>
+    <p:sldLayoutId id="2147483690" r:id="rId6"/>
+    <p:sldLayoutId id="2147483691" r:id="rId7"/>
+    <p:sldLayoutId id="2147483692" r:id="rId8"/>
+    <p:sldLayoutId id="2147483693" r:id="rId9"/>
+    <p:sldLayoutId id="2147483694" r:id="rId10"/>
+    <p:sldLayoutId id="2147483695" r:id="rId11"/>
   </p:sldLayoutIdLst>
   <p:txStyles>
     <p:titleStyle>
@@ -2994,8 +2995,8 @@
         </p:nvSpPr>
         <p:spPr>
           <a:xfrm>
-            <a:off x="685800" y="1717166"/>
-            <a:ext cx="7772400" cy="2387600"/>
+            <a:off x="1583184" y="1717166"/>
+            <a:ext cx="9025632" cy="2387600"/>
           </a:xfrm>
         </p:spPr>
         <p:txBody>
@@ -3008,24 +3009,7 @@
               <a:rPr lang="ru-RU" dirty="0">
                 <a:latin typeface="Bahnschrift" panose="020B0502040204020203" pitchFamily="34" charset="0"/>
               </a:rPr>
-              <a:t>Классификация известных алгоритмов</a:t>
-            </a:r>
-            <a:br>
-              <a:rPr lang="ru-RU" dirty="0">
-                <a:latin typeface="Bahnschrift" panose="020B0502040204020203" pitchFamily="34" charset="0"/>
-              </a:rPr>
-            </a:br>
-            <a:r>
-              <a:rPr lang="ru-RU" dirty="0" err="1">
-                <a:latin typeface="Bahnschrift" panose="020B0502040204020203" pitchFamily="34" charset="0"/>
-              </a:rPr>
-              <a:t>блокчейн</a:t>
-            </a:r>
-            <a:r>
-              <a:rPr lang="ru-RU" dirty="0">
-                <a:latin typeface="Bahnschrift" panose="020B0502040204020203" pitchFamily="34" charset="0"/>
-              </a:rPr>
-              <a:t>-консенсуса</a:t>
+              <a:t>Классификация известных методов увеличения разрешения видеопотока</a:t>
             </a:r>
           </a:p>
         </p:txBody>
@@ -3042,7 +3026,7 @@
         </p:nvSpPr>
         <p:spPr>
           <a:xfrm>
-            <a:off x="1143000" y="4667358"/>
+            <a:off x="2667000" y="4667358"/>
             <a:ext cx="6858000" cy="2190642"/>
           </a:xfrm>
         </p:spPr>
@@ -3056,7 +3040,7 @@
               <a:rPr lang="ru-RU" sz="2000" dirty="0">
                 <a:latin typeface="Bahnschrift" panose="020B0502040204020203" pitchFamily="34" charset="0"/>
               </a:rPr>
-              <a:t>Студент: Марченко Владислав ИУ7-53Б</a:t>
+              <a:t>Студент: Марченко Владислав ИУ7-73Б</a:t>
             </a:r>
           </a:p>
           <a:p>
@@ -3064,7 +3048,7 @@
               <a:rPr lang="ru-RU" sz="2000" dirty="0">
                 <a:latin typeface="Bahnschrift" panose="020B0502040204020203" pitchFamily="34" charset="0"/>
               </a:rPr>
-              <a:t>Научный руководитель: Исаев Андрей Львович</a:t>
+              <a:t>Научный руководитель: Тассов Кирилл Леонидович</a:t>
             </a:r>
             <a:endParaRPr lang="en-US" sz="2000" dirty="0">
               <a:latin typeface="Bahnschrift" panose="020B0502040204020203" pitchFamily="34" charset="0"/>
@@ -3080,7 +3064,7 @@
               <a:rPr lang="ru-RU" sz="2000" dirty="0">
                 <a:latin typeface="Bahnschrift" panose="020B0502040204020203" pitchFamily="34" charset="0"/>
               </a:rPr>
-              <a:t>Москва – 2022 г.</a:t>
+              <a:t>Москва – 2023 г.</a:t>
             </a:r>
           </a:p>
         </p:txBody>
@@ -3101,7 +3085,7 @@
         </p:nvSpPr>
         <p:spPr>
           <a:xfrm>
-            <a:off x="1143000" y="562490"/>
+            <a:off x="2667000" y="562490"/>
             <a:ext cx="6858000" cy="707016"/>
           </a:xfrm>
           <a:prstGeom prst="rect">
@@ -3326,142 +3310,719 @@
             <p:ph type="title"/>
           </p:nvPr>
         </p:nvSpPr>
-        <p:spPr/>
+        <p:spPr>
+          <a:xfrm>
+            <a:off x="0" y="365125"/>
+            <a:ext cx="12192000" cy="1325563"/>
+          </a:xfrm>
+        </p:spPr>
         <p:txBody>
           <a:bodyPr/>
           <a:lstStyle/>
           <a:p>
+            <a:pPr algn="ctr"/>
             <a:r>
               <a:rPr lang="ru-RU" dirty="0">
                 <a:latin typeface="Bahnschrift" panose="020B0502040204020203" pitchFamily="34" charset="0"/>
               </a:rPr>
-              <a:t>Алгоритм </a:t>
-            </a:r>
-            <a:r>
-              <a:rPr lang="en-US" dirty="0">
-                <a:latin typeface="Bahnschrift" panose="020B0502040204020203" pitchFamily="34" charset="0"/>
-              </a:rPr>
-              <a:t>Proof of Importance</a:t>
-            </a:r>
-            <a:endParaRPr lang="ru-RU" dirty="0">
-              <a:latin typeface="Bahnschrift" panose="020B0502040204020203" pitchFamily="34" charset="0"/>
-            </a:endParaRPr>
-          </a:p>
-        </p:txBody>
-      </p:sp>
-      <p:sp>
-        <p:nvSpPr>
-          <p:cNvPr id="3" name="Объект 2"/>
-          <p:cNvSpPr>
-            <a:spLocks noGrp="1"/>
-          </p:cNvSpPr>
+              <a:t>Сравнение методов увеличения разрешения видеопотока</a:t>
+            </a:r>
+          </a:p>
+        </p:txBody>
+      </p:sp>
+      <p:graphicFrame>
+        <p:nvGraphicFramePr>
+          <p:cNvPr id="4" name="Объект 3"/>
+          <p:cNvGraphicFramePr>
+            <a:graphicFrameLocks noGrp="1"/>
+          </p:cNvGraphicFramePr>
           <p:nvPr>
             <p:ph idx="1"/>
-          </p:nvPr>
-        </p:nvSpPr>
-        <p:spPr>
-          <a:xfrm>
-            <a:off x="628650" y="1825625"/>
-            <a:ext cx="7886700" cy="4868138"/>
-          </a:xfrm>
-        </p:spPr>
-        <p:txBody>
-          <a:bodyPr>
-            <a:noAutofit/>
-          </a:bodyPr>
-          <a:lstStyle/>
-          <a:p>
-            <a:pPr marL="457200" indent="-457200">
-              <a:buFont typeface="+mj-lt"/>
-              <a:buAutoNum type="arabicPeriod"/>
-            </a:pPr>
-            <a:r>
-              <a:rPr lang="ru-RU" sz="2000" dirty="0">
-                <a:latin typeface="Bahnschrift" panose="020B0502040204020203" pitchFamily="34" charset="0"/>
-              </a:rPr>
-              <a:t>Узлы должны блокировать определенное</a:t>
-            </a:r>
-            <a:br>
-              <a:rPr lang="ru-RU" sz="2000" dirty="0">
-                <a:latin typeface="Bahnschrift" panose="020B0502040204020203" pitchFamily="34" charset="0"/>
-              </a:rPr>
-            </a:br>
-            <a:r>
-              <a:rPr lang="ru-RU" sz="2000" dirty="0">
-                <a:latin typeface="Bahnschrift" panose="020B0502040204020203" pitchFamily="34" charset="0"/>
-              </a:rPr>
-              <a:t>количество монет.</a:t>
-            </a:r>
-          </a:p>
-          <a:p>
-            <a:pPr marL="457200" indent="-457200">
-              <a:buFont typeface="+mj-lt"/>
-              <a:buAutoNum type="arabicPeriod"/>
-            </a:pPr>
-            <a:r>
-              <a:rPr lang="ru-RU" sz="2000" dirty="0">
-                <a:latin typeface="Bahnschrift" panose="020B0502040204020203" pitchFamily="34" charset="0"/>
-              </a:rPr>
-              <a:t>Вместо простой поддержки работы узла у </a:t>
-            </a:r>
-            <a:r>
-              <a:rPr lang="ru-RU" sz="2000" dirty="0" err="1">
-                <a:latin typeface="Bahnschrift" panose="020B0502040204020203" pitchFamily="34" charset="0"/>
-              </a:rPr>
-              <a:t>PoI</a:t>
-            </a:r>
-            <a:r>
-              <a:rPr lang="ru-RU" sz="2000" dirty="0">
-                <a:latin typeface="Bahnschrift" panose="020B0502040204020203" pitchFamily="34" charset="0"/>
-              </a:rPr>
-              <a:t> есть некоторые дополнительные требования для поощрения за использование сети и расчета «важности» кошелька.</a:t>
-            </a:r>
-          </a:p>
-          <a:p>
-            <a:pPr marL="457200" indent="-457200">
-              <a:buFont typeface="+mj-lt"/>
-              <a:buAutoNum type="arabicPeriod"/>
-            </a:pPr>
-            <a:r>
-              <a:rPr lang="ru-RU" sz="2000" dirty="0">
-                <a:latin typeface="Bahnschrift" panose="020B0502040204020203" pitchFamily="34" charset="0"/>
-              </a:rPr>
-              <a:t>Кошельки должны иметь на балансе не менее 10000 </a:t>
-            </a:r>
-            <a:r>
-              <a:rPr lang="en-US" sz="2000" dirty="0">
-                <a:latin typeface="Bahnschrift" panose="020B0502040204020203" pitchFamily="34" charset="0"/>
-              </a:rPr>
-              <a:t>NEM</a:t>
-            </a:r>
-            <a:r>
-              <a:rPr lang="ru-RU" sz="2000" dirty="0">
-                <a:latin typeface="Bahnschrift" panose="020B0502040204020203" pitchFamily="34" charset="0"/>
-              </a:rPr>
-              <a:t> монет в течение определенного периода.</a:t>
-            </a:r>
-            <a:endParaRPr lang="en-US" sz="2000" dirty="0">
-              <a:latin typeface="Bahnschrift" panose="020B0502040204020203" pitchFamily="34" charset="0"/>
-            </a:endParaRPr>
-          </a:p>
-          <a:p>
-            <a:pPr marL="457200" indent="-457200">
-              <a:buFont typeface="+mj-lt"/>
-              <a:buAutoNum type="arabicPeriod"/>
-            </a:pPr>
-            <a:r>
-              <a:rPr lang="ru-RU" sz="2000" dirty="0">
-                <a:latin typeface="Bahnschrift" panose="020B0502040204020203" pitchFamily="34" charset="0"/>
-              </a:rPr>
-              <a:t>Взвешивание «важности» учетных записей для защиты от атак.</a:t>
-            </a:r>
-          </a:p>
-        </p:txBody>
-      </p:sp>
+            <p:extLst>
+              <p:ext uri="{D42A27DB-BD31-4B8C-83A1-F6EECF244321}">
+                <p14:modId xmlns:p14="http://schemas.microsoft.com/office/powerpoint/2010/main" val="1870914829"/>
+              </p:ext>
+            </p:extLst>
+          </p:nvPr>
+        </p:nvGraphicFramePr>
+        <p:xfrm>
+          <a:off x="678957" y="1861135"/>
+          <a:ext cx="10941913" cy="4631739"/>
+        </p:xfrm>
+        <a:graphic>
+          <a:graphicData uri="http://schemas.openxmlformats.org/drawingml/2006/table">
+            <a:tbl>
+              <a:tblPr firstRow="1" bandRow="1">
+                <a:tableStyleId>{5940675A-B579-460E-94D1-54222C63F5DA}</a:tableStyleId>
+              </a:tblPr>
+              <a:tblGrid>
+                <a:gridCol w="3928554">
+                  <a:extLst>
+                    <a:ext uri="{9D8B030D-6E8A-4147-A177-3AD203B41FA5}">
+                      <a16:colId xmlns:a16="http://schemas.microsoft.com/office/drawing/2014/main" val="1872183755"/>
+                    </a:ext>
+                  </a:extLst>
+                </a:gridCol>
+                <a:gridCol w="3080551">
+                  <a:extLst>
+                    <a:ext uri="{9D8B030D-6E8A-4147-A177-3AD203B41FA5}">
+                      <a16:colId xmlns:a16="http://schemas.microsoft.com/office/drawing/2014/main" val="750706632"/>
+                    </a:ext>
+                  </a:extLst>
+                </a:gridCol>
+                <a:gridCol w="1447060">
+                  <a:extLst>
+                    <a:ext uri="{9D8B030D-6E8A-4147-A177-3AD203B41FA5}">
+                      <a16:colId xmlns:a16="http://schemas.microsoft.com/office/drawing/2014/main" val="3129054460"/>
+                    </a:ext>
+                  </a:extLst>
+                </a:gridCol>
+                <a:gridCol w="1296140">
+                  <a:extLst>
+                    <a:ext uri="{9D8B030D-6E8A-4147-A177-3AD203B41FA5}">
+                      <a16:colId xmlns:a16="http://schemas.microsoft.com/office/drawing/2014/main" val="3324109650"/>
+                    </a:ext>
+                  </a:extLst>
+                </a:gridCol>
+                <a:gridCol w="1189608">
+                  <a:extLst>
+                    <a:ext uri="{9D8B030D-6E8A-4147-A177-3AD203B41FA5}">
+                      <a16:colId xmlns:a16="http://schemas.microsoft.com/office/drawing/2014/main" val="1334575078"/>
+                    </a:ext>
+                  </a:extLst>
+                </a:gridCol>
+              </a:tblGrid>
+              <a:tr h="456915">
+                <a:tc>
+                  <a:txBody>
+                    <a:bodyPr/>
+                    <a:lstStyle/>
+                    <a:p>
+                      <a:pPr algn="ctr"/>
+                      <a:r>
+                        <a:rPr lang="ru-RU" b="1" i="0" dirty="0">
+                          <a:latin typeface="Bahnschrift" panose="020B0502040204020203" pitchFamily="34" charset="0"/>
+                        </a:rPr>
+                        <a:t>Метод</a:t>
+                      </a:r>
+                    </a:p>
+                  </a:txBody>
+                  <a:tcPr/>
+                </a:tc>
+                <a:tc>
+                  <a:txBody>
+                    <a:bodyPr/>
+                    <a:lstStyle/>
+                    <a:p>
+                      <a:pPr algn="ctr"/>
+                      <a:r>
+                        <a:rPr lang="ru-RU" sz="1800" b="1" i="0" kern="1200" dirty="0">
+                          <a:solidFill>
+                            <a:schemeClr val="tx1"/>
+                          </a:solidFill>
+                          <a:effectLst/>
+                          <a:latin typeface="Bahnschrift" panose="020B0502040204020203" pitchFamily="34" charset="0"/>
+                          <a:ea typeface="+mn-ea"/>
+                          <a:cs typeface="+mn-cs"/>
+                        </a:rPr>
+                        <a:t>Подход</a:t>
+                      </a:r>
+                      <a:endParaRPr lang="ru-RU" b="1" i="0" dirty="0">
+                        <a:latin typeface="Bahnschrift" panose="020B0502040204020203" pitchFamily="34" charset="0"/>
+                      </a:endParaRPr>
+                    </a:p>
+                  </a:txBody>
+                  <a:tcPr/>
+                </a:tc>
+                <a:tc>
+                  <a:txBody>
+                    <a:bodyPr/>
+                    <a:lstStyle/>
+                    <a:p>
+                      <a:pPr algn="ctr"/>
+                      <a:r>
+                        <a:rPr lang="en-US" sz="1800" b="1" i="0" kern="1200" dirty="0">
+                          <a:solidFill>
+                            <a:schemeClr val="tx1"/>
+                          </a:solidFill>
+                          <a:effectLst/>
+                          <a:latin typeface="Bahnschrift" panose="020B0502040204020203" pitchFamily="34" charset="0"/>
+                          <a:ea typeface="+mn-ea"/>
+                          <a:cs typeface="+mn-cs"/>
+                        </a:rPr>
+                        <a:t>PSNR</a:t>
+                      </a:r>
+                      <a:endParaRPr lang="ru-RU" b="1" i="0" dirty="0">
+                        <a:latin typeface="Bahnschrift" panose="020B0502040204020203" pitchFamily="34" charset="0"/>
+                      </a:endParaRPr>
+                    </a:p>
+                  </a:txBody>
+                  <a:tcPr/>
+                </a:tc>
+                <a:tc>
+                  <a:txBody>
+                    <a:bodyPr/>
+                    <a:lstStyle/>
+                    <a:p>
+                      <a:pPr algn="ctr"/>
+                      <a:r>
+                        <a:rPr lang="en-US" sz="1800" b="1" i="0" kern="1200" dirty="0">
+                          <a:solidFill>
+                            <a:schemeClr val="tx1"/>
+                          </a:solidFill>
+                          <a:effectLst/>
+                          <a:latin typeface="Bahnschrift" panose="020B0502040204020203" pitchFamily="34" charset="0"/>
+                          <a:ea typeface="+mn-ea"/>
+                          <a:cs typeface="+mn-cs"/>
+                        </a:rPr>
+                        <a:t>SSIM</a:t>
+                      </a:r>
+                      <a:endParaRPr lang="ru-RU" b="1" i="0" dirty="0">
+                        <a:latin typeface="Bahnschrift" panose="020B0502040204020203" pitchFamily="34" charset="0"/>
+                      </a:endParaRPr>
+                    </a:p>
+                  </a:txBody>
+                  <a:tcPr/>
+                </a:tc>
+                <a:tc>
+                  <a:txBody>
+                    <a:bodyPr/>
+                    <a:lstStyle/>
+                    <a:p>
+                      <a:pPr algn="ctr"/>
+                      <a:r>
+                        <a:rPr lang="en-US" sz="1800" b="1" i="0" kern="1200" dirty="0">
+                          <a:solidFill>
+                            <a:schemeClr val="tx1"/>
+                          </a:solidFill>
+                          <a:effectLst/>
+                          <a:latin typeface="Bahnschrift" panose="020B0502040204020203" pitchFamily="34" charset="0"/>
+                          <a:ea typeface="+mn-ea"/>
+                          <a:cs typeface="+mn-cs"/>
+                        </a:rPr>
+                        <a:t>max(r)</a:t>
+                      </a:r>
+                      <a:endParaRPr lang="ru-RU" b="1" i="0" dirty="0">
+                        <a:latin typeface="Bahnschrift" panose="020B0502040204020203" pitchFamily="34" charset="0"/>
+                      </a:endParaRPr>
+                    </a:p>
+                  </a:txBody>
+                  <a:tcPr/>
+                </a:tc>
+                <a:extLst>
+                  <a:ext uri="{0D108BD9-81ED-4DB2-BD59-A6C34878D82A}">
+                    <a16:rowId xmlns:a16="http://schemas.microsoft.com/office/drawing/2014/main" val="2147199927"/>
+                  </a:ext>
+                </a:extLst>
+              </a:tr>
+              <a:tr h="456915">
+                <a:tc>
+                  <a:txBody>
+                    <a:bodyPr/>
+                    <a:lstStyle/>
+                    <a:p>
+                      <a:r>
+                        <a:rPr lang="ru-RU" sz="1800" kern="1200">
+                          <a:solidFill>
+                            <a:schemeClr val="tx1"/>
+                          </a:solidFill>
+                          <a:effectLst/>
+                          <a:latin typeface="Bahnschrift" panose="020B0502040204020203" pitchFamily="34" charset="0"/>
+                          <a:ea typeface="+mn-ea"/>
+                          <a:cs typeface="+mn-cs"/>
+                        </a:rPr>
+                        <a:t>Бикубическая интерполяция</a:t>
+                      </a:r>
+                      <a:endParaRPr lang="ru-RU" dirty="0">
+                        <a:latin typeface="Bahnschrift" panose="020B0502040204020203" pitchFamily="34" charset="0"/>
+                      </a:endParaRPr>
+                    </a:p>
+                  </a:txBody>
+                  <a:tcPr/>
+                </a:tc>
+                <a:tc>
+                  <a:txBody>
+                    <a:bodyPr/>
+                    <a:lstStyle/>
+                    <a:p>
+                      <a:pPr algn="ctr"/>
+                      <a:r>
+                        <a:rPr lang="ru-RU" sz="1800" kern="1200" dirty="0">
+                          <a:solidFill>
+                            <a:schemeClr val="tx1"/>
+                          </a:solidFill>
+                          <a:effectLst/>
+                          <a:latin typeface="Bahnschrift" panose="020B0502040204020203" pitchFamily="34" charset="0"/>
+                          <a:ea typeface="+mn-ea"/>
+                          <a:cs typeface="+mn-cs"/>
+                        </a:rPr>
+                        <a:t>интерполяционный</a:t>
+                      </a:r>
+                      <a:endParaRPr lang="ru-RU" dirty="0">
+                        <a:latin typeface="Bahnschrift" panose="020B0502040204020203" pitchFamily="34" charset="0"/>
+                      </a:endParaRPr>
+                    </a:p>
+                  </a:txBody>
+                  <a:tcPr anchor="ctr"/>
+                </a:tc>
+                <a:tc>
+                  <a:txBody>
+                    <a:bodyPr/>
+                    <a:lstStyle/>
+                    <a:p>
+                      <a:pPr algn="ctr"/>
+                      <a:r>
+                        <a:rPr lang="ru-RU" sz="1800" kern="1200" dirty="0">
+                          <a:solidFill>
+                            <a:schemeClr val="tx1"/>
+                          </a:solidFill>
+                          <a:effectLst/>
+                          <a:latin typeface="Bahnschrift" panose="020B0502040204020203" pitchFamily="34" charset="0"/>
+                          <a:ea typeface="+mn-ea"/>
+                          <a:cs typeface="+mn-cs"/>
+                        </a:rPr>
+                        <a:t>26.4037</a:t>
+                      </a:r>
+                      <a:endParaRPr lang="ru-RU" dirty="0">
+                        <a:latin typeface="Bahnschrift" panose="020B0502040204020203" pitchFamily="34" charset="0"/>
+                      </a:endParaRPr>
+                    </a:p>
+                  </a:txBody>
+                  <a:tcPr anchor="ctr"/>
+                </a:tc>
+                <a:tc>
+                  <a:txBody>
+                    <a:bodyPr/>
+                    <a:lstStyle/>
+                    <a:p>
+                      <a:pPr algn="ctr"/>
+                      <a:r>
+                        <a:rPr lang="en-US" sz="1800" kern="1200" dirty="0">
+                          <a:solidFill>
+                            <a:schemeClr val="tx1"/>
+                          </a:solidFill>
+                          <a:effectLst/>
+                          <a:latin typeface="Bahnschrift" panose="020B0502040204020203" pitchFamily="34" charset="0"/>
+                          <a:ea typeface="+mn-ea"/>
+                          <a:cs typeface="+mn-cs"/>
+                        </a:rPr>
+                        <a:t>0.7227</a:t>
+                      </a:r>
+                      <a:r>
+                        <a:rPr lang="ru-RU" sz="1800" kern="1200" dirty="0">
+                          <a:solidFill>
+                            <a:schemeClr val="tx1"/>
+                          </a:solidFill>
+                          <a:effectLst/>
+                          <a:latin typeface="Bahnschrift" panose="020B0502040204020203" pitchFamily="34" charset="0"/>
+                          <a:ea typeface="+mn-ea"/>
+                          <a:cs typeface="+mn-cs"/>
+                        </a:rPr>
+                        <a:t> </a:t>
+                      </a:r>
+                      <a:endParaRPr lang="ru-RU" dirty="0">
+                        <a:latin typeface="Bahnschrift" panose="020B0502040204020203" pitchFamily="34" charset="0"/>
+                      </a:endParaRPr>
+                    </a:p>
+                  </a:txBody>
+                  <a:tcPr anchor="ctr"/>
+                </a:tc>
+                <a:tc>
+                  <a:txBody>
+                    <a:bodyPr/>
+                    <a:lstStyle/>
+                    <a:p>
+                      <a:pPr algn="ctr"/>
+                      <a:r>
+                        <a:rPr lang="en-US" sz="1800" kern="1200" dirty="0">
+                          <a:solidFill>
+                            <a:schemeClr val="tx1"/>
+                          </a:solidFill>
+                          <a:effectLst/>
+                          <a:latin typeface="Bahnschrift" panose="020B0502040204020203" pitchFamily="34" charset="0"/>
+                          <a:ea typeface="+mn-ea"/>
+                          <a:cs typeface="+mn-cs"/>
+                        </a:rPr>
+                        <a:t>2</a:t>
+                      </a:r>
+                      <a:endParaRPr lang="ru-RU" dirty="0">
+                        <a:latin typeface="Bahnschrift" panose="020B0502040204020203" pitchFamily="34" charset="0"/>
+                      </a:endParaRPr>
+                    </a:p>
+                  </a:txBody>
+                  <a:tcPr anchor="ctr"/>
+                </a:tc>
+                <a:extLst>
+                  <a:ext uri="{0D108BD9-81ED-4DB2-BD59-A6C34878D82A}">
+                    <a16:rowId xmlns:a16="http://schemas.microsoft.com/office/drawing/2014/main" val="1432419596"/>
+                  </a:ext>
+                </a:extLst>
+              </a:tr>
+              <a:tr h="1126639">
+                <a:tc>
+                  <a:txBody>
+                    <a:bodyPr/>
+                    <a:lstStyle/>
+                    <a:p>
+                      <a:r>
+                        <a:rPr lang="ru-RU" sz="1800" kern="1200" dirty="0">
+                          <a:solidFill>
+                            <a:schemeClr val="tx1"/>
+                          </a:solidFill>
+                          <a:effectLst/>
+                          <a:latin typeface="Bahnschrift" panose="020B0502040204020203" pitchFamily="34" charset="0"/>
+                          <a:ea typeface="+mn-ea"/>
+                          <a:cs typeface="+mn-cs"/>
+                        </a:rPr>
+                        <a:t>Нелокальная регуляризация и надежная оценка движения</a:t>
+                      </a:r>
+                      <a:endParaRPr lang="ru-RU" dirty="0">
+                        <a:latin typeface="Bahnschrift" panose="020B0502040204020203" pitchFamily="34" charset="0"/>
+                      </a:endParaRPr>
+                    </a:p>
+                  </a:txBody>
+                  <a:tcPr/>
+                </a:tc>
+                <a:tc>
+                  <a:txBody>
+                    <a:bodyPr/>
+                    <a:lstStyle/>
+                    <a:p>
+                      <a:pPr algn="ctr"/>
+                      <a:r>
+                        <a:rPr lang="ru-RU" sz="1800" kern="1200" dirty="0" err="1">
+                          <a:solidFill>
+                            <a:schemeClr val="tx1"/>
+                          </a:solidFill>
+                          <a:effectLst/>
+                          <a:latin typeface="Bahnschrift" panose="020B0502040204020203" pitchFamily="34" charset="0"/>
+                          <a:ea typeface="+mn-ea"/>
+                          <a:cs typeface="+mn-cs"/>
+                        </a:rPr>
+                        <a:t>регуляризационный</a:t>
+                      </a:r>
+                      <a:endParaRPr lang="ru-RU" dirty="0">
+                        <a:latin typeface="Bahnschrift" panose="020B0502040204020203" pitchFamily="34" charset="0"/>
+                      </a:endParaRPr>
+                    </a:p>
+                  </a:txBody>
+                  <a:tcPr anchor="ctr"/>
+                </a:tc>
+                <a:tc>
+                  <a:txBody>
+                    <a:bodyPr/>
+                    <a:lstStyle/>
+                    <a:p>
+                      <a:pPr algn="ctr"/>
+                      <a:r>
+                        <a:rPr lang="en-US" sz="1800" kern="1200" dirty="0">
+                          <a:solidFill>
+                            <a:schemeClr val="tx1"/>
+                          </a:solidFill>
+                          <a:effectLst/>
+                          <a:latin typeface="Bahnschrift" panose="020B0502040204020203" pitchFamily="34" charset="0"/>
+                          <a:ea typeface="+mn-ea"/>
+                          <a:cs typeface="+mn-cs"/>
+                        </a:rPr>
+                        <a:t>33.18</a:t>
+                      </a:r>
+                      <a:endParaRPr lang="ru-RU" dirty="0">
+                        <a:latin typeface="Bahnschrift" panose="020B0502040204020203" pitchFamily="34" charset="0"/>
+                      </a:endParaRPr>
+                    </a:p>
+                  </a:txBody>
+                  <a:tcPr anchor="ctr"/>
+                </a:tc>
+                <a:tc>
+                  <a:txBody>
+                    <a:bodyPr/>
+                    <a:lstStyle/>
+                    <a:p>
+                      <a:pPr algn="ctr"/>
+                      <a:r>
+                        <a:rPr lang="en-US" sz="1800" kern="1200" dirty="0">
+                          <a:solidFill>
+                            <a:schemeClr val="tx1"/>
+                          </a:solidFill>
+                          <a:effectLst/>
+                          <a:latin typeface="Bahnschrift" panose="020B0502040204020203" pitchFamily="34" charset="0"/>
+                          <a:ea typeface="+mn-ea"/>
+                          <a:cs typeface="+mn-cs"/>
+                        </a:rPr>
+                        <a:t>-</a:t>
+                      </a:r>
+                      <a:endParaRPr lang="ru-RU" dirty="0">
+                        <a:latin typeface="Bahnschrift" panose="020B0502040204020203" pitchFamily="34" charset="0"/>
+                      </a:endParaRPr>
+                    </a:p>
+                  </a:txBody>
+                  <a:tcPr anchor="ctr"/>
+                </a:tc>
+                <a:tc>
+                  <a:txBody>
+                    <a:bodyPr/>
+                    <a:lstStyle/>
+                    <a:p>
+                      <a:pPr algn="ctr"/>
+                      <a:r>
+                        <a:rPr lang="en-US" sz="1800" kern="1200" dirty="0">
+                          <a:solidFill>
+                            <a:schemeClr val="tx1"/>
+                          </a:solidFill>
+                          <a:effectLst/>
+                          <a:latin typeface="Bahnschrift" panose="020B0502040204020203" pitchFamily="34" charset="0"/>
+                          <a:ea typeface="+mn-ea"/>
+                          <a:cs typeface="+mn-cs"/>
+                        </a:rPr>
+                        <a:t>2</a:t>
+                      </a:r>
+                      <a:endParaRPr lang="ru-RU" dirty="0">
+                        <a:latin typeface="Bahnschrift" panose="020B0502040204020203" pitchFamily="34" charset="0"/>
+                      </a:endParaRPr>
+                    </a:p>
+                  </a:txBody>
+                  <a:tcPr anchor="ctr"/>
+                </a:tc>
+                <a:extLst>
+                  <a:ext uri="{0D108BD9-81ED-4DB2-BD59-A6C34878D82A}">
+                    <a16:rowId xmlns:a16="http://schemas.microsoft.com/office/drawing/2014/main" val="387069861"/>
+                  </a:ext>
+                </a:extLst>
+              </a:tr>
+              <a:tr h="1464631">
+                <a:tc>
+                  <a:txBody>
+                    <a:bodyPr/>
+                    <a:lstStyle/>
+                    <a:p>
+                      <a:r>
+                        <a:rPr lang="ru-RU" sz="1800" kern="1200" dirty="0">
+                          <a:solidFill>
+                            <a:schemeClr val="tx1"/>
+                          </a:solidFill>
+                          <a:effectLst/>
+                          <a:latin typeface="Bahnschrift" panose="020B0502040204020203" pitchFamily="34" charset="0"/>
+                          <a:ea typeface="+mn-ea"/>
+                          <a:cs typeface="+mn-cs"/>
+                        </a:rPr>
+                        <a:t>Динамические фильтры увеличения разрешения без явной компенсации движения</a:t>
+                      </a:r>
+                      <a:endParaRPr lang="ru-RU" dirty="0">
+                        <a:latin typeface="Bahnschrift" panose="020B0502040204020203" pitchFamily="34" charset="0"/>
+                      </a:endParaRPr>
+                    </a:p>
+                  </a:txBody>
+                  <a:tcPr/>
+                </a:tc>
+                <a:tc>
+                  <a:txBody>
+                    <a:bodyPr/>
+                    <a:lstStyle/>
+                    <a:p>
+                      <a:pPr algn="ctr"/>
+                      <a:r>
+                        <a:rPr lang="ru-RU" sz="1800" kern="1200" dirty="0">
+                          <a:solidFill>
+                            <a:schemeClr val="tx1"/>
+                          </a:solidFill>
+                          <a:effectLst/>
+                          <a:latin typeface="Bahnschrift" panose="020B0502040204020203" pitchFamily="34" charset="0"/>
+                          <a:ea typeface="+mn-ea"/>
+                          <a:cs typeface="+mn-cs"/>
+                        </a:rPr>
+                        <a:t>нейронные сети</a:t>
+                      </a:r>
+                      <a:endParaRPr lang="ru-RU" dirty="0">
+                        <a:latin typeface="Bahnschrift" panose="020B0502040204020203" pitchFamily="34" charset="0"/>
+                      </a:endParaRPr>
+                    </a:p>
+                  </a:txBody>
+                  <a:tcPr anchor="ctr"/>
+                </a:tc>
+                <a:tc>
+                  <a:txBody>
+                    <a:bodyPr/>
+                    <a:lstStyle/>
+                    <a:p>
+                      <a:pPr algn="ctr"/>
+                      <a:r>
+                        <a:rPr lang="en-US" sz="1800" kern="1200" dirty="0">
+                          <a:solidFill>
+                            <a:schemeClr val="tx1"/>
+                          </a:solidFill>
+                          <a:effectLst/>
+                          <a:latin typeface="Bahnschrift" panose="020B0502040204020203" pitchFamily="34" charset="0"/>
+                          <a:ea typeface="+mn-ea"/>
+                          <a:cs typeface="+mn-cs"/>
+                        </a:rPr>
+                        <a:t>31.65</a:t>
+                      </a:r>
+                      <a:endParaRPr lang="ru-RU" dirty="0">
+                        <a:latin typeface="Bahnschrift" panose="020B0502040204020203" pitchFamily="34" charset="0"/>
+                      </a:endParaRPr>
+                    </a:p>
+                  </a:txBody>
+                  <a:tcPr anchor="ctr"/>
+                </a:tc>
+                <a:tc>
+                  <a:txBody>
+                    <a:bodyPr/>
+                    <a:lstStyle/>
+                    <a:p>
+                      <a:pPr algn="ctr"/>
+                      <a:r>
+                        <a:rPr lang="en-US" sz="1800" kern="1200" dirty="0">
+                          <a:solidFill>
+                            <a:schemeClr val="tx1"/>
+                          </a:solidFill>
+                          <a:effectLst/>
+                          <a:latin typeface="Bahnschrift" panose="020B0502040204020203" pitchFamily="34" charset="0"/>
+                          <a:ea typeface="+mn-ea"/>
+                          <a:cs typeface="+mn-cs"/>
+                        </a:rPr>
+                        <a:t>0.897</a:t>
+                      </a:r>
+                      <a:endParaRPr lang="ru-RU" dirty="0">
+                        <a:latin typeface="Bahnschrift" panose="020B0502040204020203" pitchFamily="34" charset="0"/>
+                      </a:endParaRPr>
+                    </a:p>
+                  </a:txBody>
+                  <a:tcPr anchor="ctr"/>
+                </a:tc>
+                <a:tc>
+                  <a:txBody>
+                    <a:bodyPr/>
+                    <a:lstStyle/>
+                    <a:p>
+                      <a:pPr algn="ctr"/>
+                      <a:r>
+                        <a:rPr lang="en-US" sz="1800" kern="1200" dirty="0">
+                          <a:solidFill>
+                            <a:schemeClr val="tx1"/>
+                          </a:solidFill>
+                          <a:effectLst/>
+                          <a:latin typeface="Bahnschrift" panose="020B0502040204020203" pitchFamily="34" charset="0"/>
+                          <a:ea typeface="+mn-ea"/>
+                          <a:cs typeface="+mn-cs"/>
+                        </a:rPr>
+                        <a:t>4</a:t>
+                      </a:r>
+                      <a:endParaRPr lang="ru-RU" dirty="0">
+                        <a:latin typeface="Bahnschrift" panose="020B0502040204020203" pitchFamily="34" charset="0"/>
+                      </a:endParaRPr>
+                    </a:p>
+                  </a:txBody>
+                  <a:tcPr anchor="ctr"/>
+                </a:tc>
+                <a:extLst>
+                  <a:ext uri="{0D108BD9-81ED-4DB2-BD59-A6C34878D82A}">
+                    <a16:rowId xmlns:a16="http://schemas.microsoft.com/office/drawing/2014/main" val="3186194222"/>
+                  </a:ext>
+                </a:extLst>
+              </a:tr>
+              <a:tr h="1126639">
+                <a:tc>
+                  <a:txBody>
+                    <a:bodyPr/>
+                    <a:lstStyle/>
+                    <a:p>
+                      <a:r>
+                        <a:rPr lang="ru-RU" dirty="0">
+                          <a:latin typeface="Bahnschrift" panose="020B0502040204020203" pitchFamily="34" charset="0"/>
+                        </a:rPr>
+                        <a:t>Остаточная обратимая пространственно-временная нейронная сеть</a:t>
+                      </a:r>
+                    </a:p>
+                  </a:txBody>
+                  <a:tcPr/>
+                </a:tc>
+                <a:tc>
+                  <a:txBody>
+                    <a:bodyPr/>
+                    <a:lstStyle/>
+                    <a:p>
+                      <a:pPr algn="ctr"/>
+                      <a:r>
+                        <a:rPr lang="ru-RU" dirty="0">
+                          <a:latin typeface="Bahnschrift" panose="020B0502040204020203" pitchFamily="34" charset="0"/>
+                        </a:rPr>
+                        <a:t>нейронные сети</a:t>
+                      </a:r>
+                    </a:p>
+                  </a:txBody>
+                  <a:tcPr anchor="ctr"/>
+                </a:tc>
+                <a:tc>
+                  <a:txBody>
+                    <a:bodyPr/>
+                    <a:lstStyle/>
+                    <a:p>
+                      <a:pPr algn="ctr"/>
+                      <a:r>
+                        <a:rPr lang="en-US" dirty="0">
+                          <a:latin typeface="Bahnschrift" panose="020B0502040204020203" pitchFamily="34" charset="0"/>
+                        </a:rPr>
+                        <a:t>28.90</a:t>
+                      </a:r>
+                      <a:endParaRPr lang="ru-RU" dirty="0">
+                        <a:latin typeface="Bahnschrift" panose="020B0502040204020203" pitchFamily="34" charset="0"/>
+                      </a:endParaRPr>
+                    </a:p>
+                  </a:txBody>
+                  <a:tcPr anchor="ctr"/>
+                </a:tc>
+                <a:tc>
+                  <a:txBody>
+                    <a:bodyPr/>
+                    <a:lstStyle/>
+                    <a:p>
+                      <a:pPr algn="ctr"/>
+                      <a:r>
+                        <a:rPr lang="en-US" dirty="0">
+                          <a:latin typeface="Bahnschrift" panose="020B0502040204020203" pitchFamily="34" charset="0"/>
+                        </a:rPr>
+                        <a:t>0.8898</a:t>
+                      </a:r>
+                      <a:endParaRPr lang="ru-RU" dirty="0">
+                        <a:latin typeface="Bahnschrift" panose="020B0502040204020203" pitchFamily="34" charset="0"/>
+                      </a:endParaRPr>
+                    </a:p>
+                  </a:txBody>
+                  <a:tcPr anchor="ctr"/>
+                </a:tc>
+                <a:tc>
+                  <a:txBody>
+                    <a:bodyPr/>
+                    <a:lstStyle/>
+                    <a:p>
+                      <a:pPr algn="ctr"/>
+                      <a:r>
+                        <a:rPr lang="en-US" dirty="0">
+                          <a:latin typeface="Bahnschrift" panose="020B0502040204020203" pitchFamily="34" charset="0"/>
+                        </a:rPr>
+                        <a:t>4</a:t>
+                      </a:r>
+                      <a:endParaRPr lang="ru-RU" dirty="0">
+                        <a:latin typeface="Bahnschrift" panose="020B0502040204020203" pitchFamily="34" charset="0"/>
+                      </a:endParaRPr>
+                    </a:p>
+                  </a:txBody>
+                  <a:tcPr anchor="ctr"/>
+                </a:tc>
+                <a:extLst>
+                  <a:ext uri="{0D108BD9-81ED-4DB2-BD59-A6C34878D82A}">
+                    <a16:rowId xmlns:a16="http://schemas.microsoft.com/office/drawing/2014/main" val="568568599"/>
+                  </a:ext>
+                </a:extLst>
+              </a:tr>
+            </a:tbl>
+          </a:graphicData>
+        </a:graphic>
+      </p:graphicFrame>
     </p:spTree>
     <p:extLst>
       <p:ext uri="{BB962C8B-B14F-4D97-AF65-F5344CB8AC3E}">
-        <p14:creationId xmlns:p14="http://schemas.microsoft.com/office/powerpoint/2010/main" val="3713369568"/>
+        <p14:creationId xmlns:p14="http://schemas.microsoft.com/office/powerpoint/2010/main" val="4089976370"/>
       </p:ext>
     </p:extLst>
   </p:cSld>
@@ -3498,833 +4059,10 @@
             <p:ph type="title"/>
           </p:nvPr>
         </p:nvSpPr>
-        <p:spPr/>
-        <p:txBody>
-          <a:bodyPr/>
-          <a:lstStyle/>
-          <a:p>
-            <a:r>
-              <a:rPr lang="ru-RU" dirty="0">
-                <a:latin typeface="Bahnschrift" panose="020B0502040204020203" pitchFamily="34" charset="0"/>
-              </a:rPr>
-              <a:t>Сравнение алгоритмов </a:t>
-            </a:r>
-            <a:r>
-              <a:rPr lang="ru-RU" dirty="0" err="1">
-                <a:latin typeface="Bahnschrift" panose="020B0502040204020203" pitchFamily="34" charset="0"/>
-              </a:rPr>
-              <a:t>блокчейн</a:t>
-            </a:r>
-            <a:r>
-              <a:rPr lang="ru-RU" dirty="0">
-                <a:latin typeface="Bahnschrift" panose="020B0502040204020203" pitchFamily="34" charset="0"/>
-              </a:rPr>
-              <a:t>-консенсуса</a:t>
-            </a:r>
-          </a:p>
-        </p:txBody>
-      </p:sp>
-      <p:graphicFrame>
-        <p:nvGraphicFramePr>
-          <p:cNvPr id="4" name="Объект 3"/>
-          <p:cNvGraphicFramePr>
-            <a:graphicFrameLocks noGrp="1"/>
-          </p:cNvGraphicFramePr>
-          <p:nvPr>
-            <p:ph idx="1"/>
-            <p:extLst>
-              <p:ext uri="{D42A27DB-BD31-4B8C-83A1-F6EECF244321}">
-                <p14:modId xmlns:p14="http://schemas.microsoft.com/office/powerpoint/2010/main" val="4006713421"/>
-              </p:ext>
-            </p:extLst>
-          </p:nvPr>
-        </p:nvGraphicFramePr>
-        <p:xfrm>
-          <a:off x="628650" y="2305018"/>
-          <a:ext cx="7886700" cy="3114040"/>
-        </p:xfrm>
-        <a:graphic>
-          <a:graphicData uri="http://schemas.openxmlformats.org/drawingml/2006/table">
-            <a:tbl>
-              <a:tblPr firstRow="1" bandRow="1">
-                <a:tableStyleId>{5940675A-B579-460E-94D1-54222C63F5DA}</a:tableStyleId>
-              </a:tblPr>
-              <a:tblGrid>
-                <a:gridCol w="2061284">
-                  <a:extLst>
-                    <a:ext uri="{9D8B030D-6E8A-4147-A177-3AD203B41FA5}">
-                      <a16:colId xmlns:a16="http://schemas.microsoft.com/office/drawing/2014/main" val="1872183755"/>
-                    </a:ext>
-                  </a:extLst>
-                </a:gridCol>
-                <a:gridCol w="1136342">
-                  <a:extLst>
-                    <a:ext uri="{9D8B030D-6E8A-4147-A177-3AD203B41FA5}">
-                      <a16:colId xmlns:a16="http://schemas.microsoft.com/office/drawing/2014/main" val="750706632"/>
-                    </a:ext>
-                  </a:extLst>
-                </a:gridCol>
-                <a:gridCol w="1180730">
-                  <a:extLst>
-                    <a:ext uri="{9D8B030D-6E8A-4147-A177-3AD203B41FA5}">
-                      <a16:colId xmlns:a16="http://schemas.microsoft.com/office/drawing/2014/main" val="3129054460"/>
-                    </a:ext>
-                  </a:extLst>
-                </a:gridCol>
-                <a:gridCol w="1145219">
-                  <a:extLst>
-                    <a:ext uri="{9D8B030D-6E8A-4147-A177-3AD203B41FA5}">
-                      <a16:colId xmlns:a16="http://schemas.microsoft.com/office/drawing/2014/main" val="3324109650"/>
-                    </a:ext>
-                  </a:extLst>
-                </a:gridCol>
-                <a:gridCol w="1145220">
-                  <a:extLst>
-                    <a:ext uri="{9D8B030D-6E8A-4147-A177-3AD203B41FA5}">
-                      <a16:colId xmlns:a16="http://schemas.microsoft.com/office/drawing/2014/main" val="1334575078"/>
-                    </a:ext>
-                  </a:extLst>
-                </a:gridCol>
-                <a:gridCol w="1217905">
-                  <a:extLst>
-                    <a:ext uri="{9D8B030D-6E8A-4147-A177-3AD203B41FA5}">
-                      <a16:colId xmlns:a16="http://schemas.microsoft.com/office/drawing/2014/main" val="1685964712"/>
-                    </a:ext>
-                  </a:extLst>
-                </a:gridCol>
-              </a:tblGrid>
-              <a:tr h="370840">
-                <a:tc>
-                  <a:txBody>
-                    <a:bodyPr/>
-                    <a:lstStyle/>
-                    <a:p>
-                      <a:pPr algn="ctr"/>
-                      <a:r>
-                        <a:rPr lang="ru-RU" b="0" i="1" dirty="0">
-                          <a:latin typeface="Bahnschrift" panose="020B0502040204020203" pitchFamily="34" charset="0"/>
-                        </a:rPr>
-                        <a:t>Критерий</a:t>
-                      </a:r>
-                    </a:p>
-                  </a:txBody>
-                  <a:tcPr/>
-                </a:tc>
-                <a:tc>
-                  <a:txBody>
-                    <a:bodyPr/>
-                    <a:lstStyle/>
-                    <a:p>
-                      <a:pPr algn="ctr"/>
-                      <a:r>
-                        <a:rPr lang="en-US" sz="1800" b="0" i="1" kern="1200" dirty="0" err="1">
-                          <a:solidFill>
-                            <a:schemeClr val="tx1"/>
-                          </a:solidFill>
-                          <a:effectLst/>
-                          <a:latin typeface="Bahnschrift" panose="020B0502040204020203" pitchFamily="34" charset="0"/>
-                          <a:ea typeface="+mn-ea"/>
-                          <a:cs typeface="+mn-cs"/>
-                        </a:rPr>
-                        <a:t>PoW</a:t>
-                      </a:r>
-                      <a:endParaRPr lang="ru-RU" b="0" i="1" dirty="0">
-                        <a:latin typeface="Bahnschrift" panose="020B0502040204020203" pitchFamily="34" charset="0"/>
-                      </a:endParaRPr>
-                    </a:p>
-                  </a:txBody>
-                  <a:tcPr/>
-                </a:tc>
-                <a:tc>
-                  <a:txBody>
-                    <a:bodyPr/>
-                    <a:lstStyle/>
-                    <a:p>
-                      <a:pPr algn="ctr"/>
-                      <a:r>
-                        <a:rPr lang="en-US" sz="1800" b="0" i="1" kern="1200" dirty="0" err="1">
-                          <a:solidFill>
-                            <a:schemeClr val="tx1"/>
-                          </a:solidFill>
-                          <a:effectLst/>
-                          <a:latin typeface="Bahnschrift" panose="020B0502040204020203" pitchFamily="34" charset="0"/>
-                          <a:ea typeface="+mn-ea"/>
-                          <a:cs typeface="+mn-cs"/>
-                        </a:rPr>
-                        <a:t>PoS</a:t>
-                      </a:r>
-                      <a:endParaRPr lang="ru-RU" b="0" i="1" dirty="0">
-                        <a:latin typeface="Bahnschrift" panose="020B0502040204020203" pitchFamily="34" charset="0"/>
-                      </a:endParaRPr>
-                    </a:p>
-                  </a:txBody>
-                  <a:tcPr/>
-                </a:tc>
-                <a:tc>
-                  <a:txBody>
-                    <a:bodyPr/>
-                    <a:lstStyle/>
-                    <a:p>
-                      <a:pPr algn="ctr"/>
-                      <a:r>
-                        <a:rPr lang="en-US" sz="1800" b="0" i="1" kern="1200" dirty="0">
-                          <a:solidFill>
-                            <a:schemeClr val="tx1"/>
-                          </a:solidFill>
-                          <a:effectLst/>
-                          <a:latin typeface="Bahnschrift" panose="020B0502040204020203" pitchFamily="34" charset="0"/>
-                          <a:ea typeface="+mn-ea"/>
-                          <a:cs typeface="+mn-cs"/>
-                        </a:rPr>
-                        <a:t>HC</a:t>
-                      </a:r>
-                      <a:endParaRPr lang="ru-RU" b="0" i="1" dirty="0">
-                        <a:latin typeface="Bahnschrift" panose="020B0502040204020203" pitchFamily="34" charset="0"/>
-                      </a:endParaRPr>
-                    </a:p>
-                  </a:txBody>
-                  <a:tcPr/>
-                </a:tc>
-                <a:tc>
-                  <a:txBody>
-                    <a:bodyPr/>
-                    <a:lstStyle/>
-                    <a:p>
-                      <a:pPr algn="ctr"/>
-                      <a:r>
-                        <a:rPr lang="en-US" sz="1800" b="0" i="1" kern="1200" dirty="0" err="1">
-                          <a:solidFill>
-                            <a:schemeClr val="tx1"/>
-                          </a:solidFill>
-                          <a:effectLst/>
-                          <a:latin typeface="Bahnschrift" panose="020B0502040204020203" pitchFamily="34" charset="0"/>
-                          <a:ea typeface="+mn-ea"/>
-                          <a:cs typeface="+mn-cs"/>
-                        </a:rPr>
-                        <a:t>PoC</a:t>
-                      </a:r>
-                      <a:endParaRPr lang="ru-RU" b="0" i="1" dirty="0">
-                        <a:latin typeface="Bahnschrift" panose="020B0502040204020203" pitchFamily="34" charset="0"/>
-                      </a:endParaRPr>
-                    </a:p>
-                  </a:txBody>
-                  <a:tcPr/>
-                </a:tc>
-                <a:tc>
-                  <a:txBody>
-                    <a:bodyPr/>
-                    <a:lstStyle/>
-                    <a:p>
-                      <a:pPr algn="ctr"/>
-                      <a:r>
-                        <a:rPr lang="en-US" sz="1800" b="0" i="1" kern="1200" dirty="0" err="1">
-                          <a:solidFill>
-                            <a:schemeClr val="tx1"/>
-                          </a:solidFill>
-                          <a:effectLst/>
-                          <a:latin typeface="Bahnschrift" panose="020B0502040204020203" pitchFamily="34" charset="0"/>
-                          <a:ea typeface="+mn-ea"/>
-                          <a:cs typeface="+mn-cs"/>
-                        </a:rPr>
-                        <a:t>PoI</a:t>
-                      </a:r>
-                      <a:endParaRPr lang="ru-RU" b="0" i="1" dirty="0">
-                        <a:latin typeface="Bahnschrift" panose="020B0502040204020203" pitchFamily="34" charset="0"/>
-                      </a:endParaRPr>
-                    </a:p>
-                  </a:txBody>
-                  <a:tcPr/>
-                </a:tc>
-                <a:extLst>
-                  <a:ext uri="{0D108BD9-81ED-4DB2-BD59-A6C34878D82A}">
-                    <a16:rowId xmlns:a16="http://schemas.microsoft.com/office/drawing/2014/main" val="2147199927"/>
-                  </a:ext>
-                </a:extLst>
-              </a:tr>
-              <a:tr h="370840">
-                <a:tc>
-                  <a:txBody>
-                    <a:bodyPr/>
-                    <a:lstStyle/>
-                    <a:p>
-                      <a:r>
-                        <a:rPr lang="ru-RU" sz="1800" kern="1200" dirty="0">
-                          <a:solidFill>
-                            <a:schemeClr val="tx1"/>
-                          </a:solidFill>
-                          <a:effectLst/>
-                          <a:latin typeface="Bahnschrift" panose="020B0502040204020203" pitchFamily="34" charset="0"/>
-                          <a:ea typeface="+mn-ea"/>
-                          <a:cs typeface="+mn-cs"/>
-                        </a:rPr>
-                        <a:t>Среднее время создания</a:t>
-                      </a:r>
-                      <a:br>
-                        <a:rPr lang="ru-RU" dirty="0">
-                          <a:latin typeface="Bahnschrift" panose="020B0502040204020203" pitchFamily="34" charset="0"/>
-                        </a:rPr>
-                      </a:br>
-                      <a:r>
-                        <a:rPr lang="ru-RU" sz="1800" kern="1200" dirty="0">
-                          <a:solidFill>
-                            <a:schemeClr val="tx1"/>
-                          </a:solidFill>
-                          <a:effectLst/>
-                          <a:latin typeface="Bahnschrift" panose="020B0502040204020203" pitchFamily="34" charset="0"/>
-                          <a:ea typeface="+mn-ea"/>
-                          <a:cs typeface="+mn-cs"/>
-                        </a:rPr>
-                        <a:t>блока, с</a:t>
-                      </a:r>
-                      <a:endParaRPr lang="ru-RU" dirty="0">
-                        <a:latin typeface="Bahnschrift" panose="020B0502040204020203" pitchFamily="34" charset="0"/>
-                      </a:endParaRPr>
-                    </a:p>
-                  </a:txBody>
-                  <a:tcPr/>
-                </a:tc>
-                <a:tc>
-                  <a:txBody>
-                    <a:bodyPr/>
-                    <a:lstStyle/>
-                    <a:p>
-                      <a:pPr algn="ctr"/>
-                      <a:r>
-                        <a:rPr lang="ru-RU" sz="1800" kern="1200" dirty="0">
-                          <a:solidFill>
-                            <a:schemeClr val="tx1"/>
-                          </a:solidFill>
-                          <a:effectLst/>
-                          <a:latin typeface="Bahnschrift" panose="020B0502040204020203" pitchFamily="34" charset="0"/>
-                          <a:ea typeface="+mn-ea"/>
-                          <a:cs typeface="+mn-cs"/>
-                        </a:rPr>
-                        <a:t>12–600 </a:t>
-                      </a:r>
-                      <a:endParaRPr lang="ru-RU" dirty="0">
-                        <a:latin typeface="Bahnschrift" panose="020B0502040204020203" pitchFamily="34" charset="0"/>
-                      </a:endParaRPr>
-                    </a:p>
-                  </a:txBody>
-                  <a:tcPr anchor="ctr"/>
-                </a:tc>
-                <a:tc>
-                  <a:txBody>
-                    <a:bodyPr/>
-                    <a:lstStyle/>
-                    <a:p>
-                      <a:pPr algn="ctr"/>
-                      <a:r>
-                        <a:rPr lang="ru-RU" sz="1800" kern="1200" dirty="0">
-                          <a:solidFill>
-                            <a:schemeClr val="tx1"/>
-                          </a:solidFill>
-                          <a:effectLst/>
-                          <a:latin typeface="Bahnschrift" panose="020B0502040204020203" pitchFamily="34" charset="0"/>
-                          <a:ea typeface="+mn-ea"/>
-                          <a:cs typeface="+mn-cs"/>
-                        </a:rPr>
-                        <a:t>4.5–60</a:t>
-                      </a:r>
-                      <a:endParaRPr lang="ru-RU" dirty="0">
-                        <a:latin typeface="Bahnschrift" panose="020B0502040204020203" pitchFamily="34" charset="0"/>
-                      </a:endParaRPr>
-                    </a:p>
-                  </a:txBody>
-                  <a:tcPr anchor="ctr"/>
-                </a:tc>
-                <a:tc>
-                  <a:txBody>
-                    <a:bodyPr/>
-                    <a:lstStyle/>
-                    <a:p>
-                      <a:pPr algn="ctr"/>
-                      <a:r>
-                        <a:rPr lang="ru-RU" sz="1800" kern="1200" dirty="0">
-                          <a:solidFill>
-                            <a:schemeClr val="tx1"/>
-                          </a:solidFill>
-                          <a:effectLst/>
-                          <a:latin typeface="Bahnschrift" panose="020B0502040204020203" pitchFamily="34" charset="0"/>
-                          <a:ea typeface="+mn-ea"/>
-                          <a:cs typeface="+mn-cs"/>
-                        </a:rPr>
-                        <a:t>300 </a:t>
-                      </a:r>
-                      <a:endParaRPr lang="ru-RU" dirty="0">
-                        <a:latin typeface="Bahnschrift" panose="020B0502040204020203" pitchFamily="34" charset="0"/>
-                      </a:endParaRPr>
-                    </a:p>
-                  </a:txBody>
-                  <a:tcPr anchor="ctr"/>
-                </a:tc>
-                <a:tc>
-                  <a:txBody>
-                    <a:bodyPr/>
-                    <a:lstStyle/>
-                    <a:p>
-                      <a:pPr algn="ctr"/>
-                      <a:r>
-                        <a:rPr lang="ru-RU" sz="1800" kern="1200" dirty="0">
-                          <a:solidFill>
-                            <a:schemeClr val="tx1"/>
-                          </a:solidFill>
-                          <a:effectLst/>
-                          <a:latin typeface="Bahnschrift" panose="020B0502040204020203" pitchFamily="34" charset="0"/>
-                          <a:ea typeface="+mn-ea"/>
-                          <a:cs typeface="+mn-cs"/>
-                        </a:rPr>
-                        <a:t>240</a:t>
-                      </a:r>
-                      <a:endParaRPr lang="ru-RU" dirty="0">
-                        <a:latin typeface="Bahnschrift" panose="020B0502040204020203" pitchFamily="34" charset="0"/>
-                      </a:endParaRPr>
-                    </a:p>
-                  </a:txBody>
-                  <a:tcPr anchor="ctr"/>
-                </a:tc>
-                <a:tc>
-                  <a:txBody>
-                    <a:bodyPr/>
-                    <a:lstStyle/>
-                    <a:p>
-                      <a:pPr algn="ctr"/>
-                      <a:r>
-                        <a:rPr lang="ru-RU" sz="1800" kern="1200" dirty="0">
-                          <a:solidFill>
-                            <a:schemeClr val="tx1"/>
-                          </a:solidFill>
-                          <a:effectLst/>
-                          <a:latin typeface="Bahnschrift" panose="020B0502040204020203" pitchFamily="34" charset="0"/>
-                          <a:ea typeface="+mn-ea"/>
-                          <a:cs typeface="+mn-cs"/>
-                        </a:rPr>
-                        <a:t>60</a:t>
-                      </a:r>
-                      <a:endParaRPr lang="ru-RU" dirty="0">
-                        <a:latin typeface="Bahnschrift" panose="020B0502040204020203" pitchFamily="34" charset="0"/>
-                      </a:endParaRPr>
-                    </a:p>
-                  </a:txBody>
-                  <a:tcPr anchor="ctr"/>
-                </a:tc>
-                <a:extLst>
-                  <a:ext uri="{0D108BD9-81ED-4DB2-BD59-A6C34878D82A}">
-                    <a16:rowId xmlns:a16="http://schemas.microsoft.com/office/drawing/2014/main" val="1432419596"/>
-                  </a:ext>
-                </a:extLst>
-              </a:tr>
-              <a:tr h="370840">
-                <a:tc>
-                  <a:txBody>
-                    <a:bodyPr/>
-                    <a:lstStyle/>
-                    <a:p>
-                      <a:r>
-                        <a:rPr lang="ru-RU" sz="1800" kern="1200" dirty="0">
-                          <a:solidFill>
-                            <a:schemeClr val="tx1"/>
-                          </a:solidFill>
-                          <a:effectLst/>
-                          <a:latin typeface="Bahnschrift" panose="020B0502040204020203" pitchFamily="34" charset="0"/>
-                          <a:ea typeface="+mn-ea"/>
-                          <a:cs typeface="+mn-cs"/>
-                        </a:rPr>
-                        <a:t>Стойкость к</a:t>
-                      </a:r>
-                      <a:br>
-                        <a:rPr lang="ru-RU" dirty="0">
-                          <a:latin typeface="Bahnschrift" panose="020B0502040204020203" pitchFamily="34" charset="0"/>
-                        </a:rPr>
-                      </a:br>
-                      <a:r>
-                        <a:rPr lang="ru-RU" sz="1800" kern="1200" dirty="0">
-                          <a:solidFill>
-                            <a:schemeClr val="tx1"/>
-                          </a:solidFill>
-                          <a:effectLst/>
-                          <a:latin typeface="Bahnschrift" panose="020B0502040204020203" pitchFamily="34" charset="0"/>
-                          <a:ea typeface="+mn-ea"/>
-                          <a:cs typeface="+mn-cs"/>
-                        </a:rPr>
-                        <a:t>двойному расходованию, %</a:t>
-                      </a:r>
-                      <a:endParaRPr lang="ru-RU" dirty="0">
-                        <a:latin typeface="Bahnschrift" panose="020B0502040204020203" pitchFamily="34" charset="0"/>
-                      </a:endParaRPr>
-                    </a:p>
-                  </a:txBody>
-                  <a:tcPr/>
-                </a:tc>
-                <a:tc>
-                  <a:txBody>
-                    <a:bodyPr/>
-                    <a:lstStyle/>
-                    <a:p>
-                      <a:pPr algn="ctr"/>
-                      <a:r>
-                        <a:rPr lang="ru-RU" sz="1800" kern="1200" dirty="0">
-                          <a:solidFill>
-                            <a:schemeClr val="tx1"/>
-                          </a:solidFill>
-                          <a:effectLst/>
-                          <a:latin typeface="Bahnschrift" panose="020B0502040204020203" pitchFamily="34" charset="0"/>
-                          <a:ea typeface="+mn-ea"/>
-                          <a:cs typeface="+mn-cs"/>
-                        </a:rPr>
-                        <a:t>51</a:t>
-                      </a:r>
-                      <a:endParaRPr lang="ru-RU" dirty="0">
-                        <a:latin typeface="Bahnschrift" panose="020B0502040204020203" pitchFamily="34" charset="0"/>
-                      </a:endParaRPr>
-                    </a:p>
-                  </a:txBody>
-                  <a:tcPr anchor="ctr"/>
-                </a:tc>
-                <a:tc>
-                  <a:txBody>
-                    <a:bodyPr/>
-                    <a:lstStyle/>
-                    <a:p>
-                      <a:pPr algn="ctr"/>
-                      <a:r>
-                        <a:rPr lang="ru-RU" sz="1800" kern="1200" dirty="0">
-                          <a:solidFill>
-                            <a:schemeClr val="tx1"/>
-                          </a:solidFill>
-                          <a:effectLst/>
-                          <a:latin typeface="Bahnschrift" panose="020B0502040204020203" pitchFamily="34" charset="0"/>
-                          <a:ea typeface="+mn-ea"/>
-                          <a:cs typeface="+mn-cs"/>
-                        </a:rPr>
-                        <a:t>33 или 51</a:t>
-                      </a:r>
-                      <a:endParaRPr lang="ru-RU" dirty="0">
-                        <a:latin typeface="Bahnschrift" panose="020B0502040204020203" pitchFamily="34" charset="0"/>
-                      </a:endParaRPr>
-                    </a:p>
-                  </a:txBody>
-                  <a:tcPr anchor="ctr"/>
-                </a:tc>
-                <a:tc>
-                  <a:txBody>
-                    <a:bodyPr/>
-                    <a:lstStyle/>
-                    <a:p>
-                      <a:pPr algn="ctr"/>
-                      <a:r>
-                        <a:rPr lang="ru-RU" sz="1800" kern="1200" dirty="0">
-                          <a:solidFill>
-                            <a:schemeClr val="tx1"/>
-                          </a:solidFill>
-                          <a:effectLst/>
-                          <a:latin typeface="Bahnschrift" panose="020B0502040204020203" pitchFamily="34" charset="0"/>
-                          <a:ea typeface="+mn-ea"/>
-                          <a:cs typeface="+mn-cs"/>
-                        </a:rPr>
-                        <a:t>51</a:t>
-                      </a:r>
-                      <a:endParaRPr lang="ru-RU" dirty="0">
-                        <a:latin typeface="Bahnschrift" panose="020B0502040204020203" pitchFamily="34" charset="0"/>
-                      </a:endParaRPr>
-                    </a:p>
-                  </a:txBody>
-                  <a:tcPr anchor="ctr"/>
-                </a:tc>
-                <a:tc>
-                  <a:txBody>
-                    <a:bodyPr/>
-                    <a:lstStyle/>
-                    <a:p>
-                      <a:pPr algn="ctr"/>
-                      <a:r>
-                        <a:rPr lang="ru-RU" sz="1800" kern="1200" dirty="0">
-                          <a:solidFill>
-                            <a:schemeClr val="tx1"/>
-                          </a:solidFill>
-                          <a:effectLst/>
-                          <a:latin typeface="Bahnschrift" panose="020B0502040204020203" pitchFamily="34" charset="0"/>
-                          <a:ea typeface="+mn-ea"/>
-                          <a:cs typeface="+mn-cs"/>
-                        </a:rPr>
-                        <a:t>50</a:t>
-                      </a:r>
-                      <a:endParaRPr lang="ru-RU" dirty="0">
-                        <a:latin typeface="Bahnschrift" panose="020B0502040204020203" pitchFamily="34" charset="0"/>
-                      </a:endParaRPr>
-                    </a:p>
-                  </a:txBody>
-                  <a:tcPr anchor="ctr"/>
-                </a:tc>
-                <a:tc>
-                  <a:txBody>
-                    <a:bodyPr/>
-                    <a:lstStyle/>
-                    <a:p>
-                      <a:pPr algn="ctr"/>
-                      <a:r>
-                        <a:rPr lang="ru-RU" sz="1800" kern="1200" dirty="0">
-                          <a:solidFill>
-                            <a:schemeClr val="tx1"/>
-                          </a:solidFill>
-                          <a:effectLst/>
-                          <a:latin typeface="Bahnschrift" panose="020B0502040204020203" pitchFamily="34" charset="0"/>
-                          <a:ea typeface="+mn-ea"/>
-                          <a:cs typeface="+mn-cs"/>
-                        </a:rPr>
-                        <a:t>51</a:t>
-                      </a:r>
-                      <a:endParaRPr lang="ru-RU" dirty="0">
-                        <a:latin typeface="Bahnschrift" panose="020B0502040204020203" pitchFamily="34" charset="0"/>
-                      </a:endParaRPr>
-                    </a:p>
-                  </a:txBody>
-                  <a:tcPr anchor="ctr"/>
-                </a:tc>
-                <a:extLst>
-                  <a:ext uri="{0D108BD9-81ED-4DB2-BD59-A6C34878D82A}">
-                    <a16:rowId xmlns:a16="http://schemas.microsoft.com/office/drawing/2014/main" val="387069861"/>
-                  </a:ext>
-                </a:extLst>
-              </a:tr>
-              <a:tr h="370840">
-                <a:tc>
-                  <a:txBody>
-                    <a:bodyPr/>
-                    <a:lstStyle/>
-                    <a:p>
-                      <a:r>
-                        <a:rPr lang="ru-RU" sz="1800" kern="1200" dirty="0">
-                          <a:solidFill>
-                            <a:schemeClr val="tx1"/>
-                          </a:solidFill>
-                          <a:effectLst/>
-                          <a:latin typeface="Bahnschrift" panose="020B0502040204020203" pitchFamily="34" charset="0"/>
-                          <a:ea typeface="+mn-ea"/>
-                          <a:cs typeface="+mn-cs"/>
-                        </a:rPr>
-                        <a:t>Количество</a:t>
-                      </a:r>
-                      <a:br>
-                        <a:rPr lang="ru-RU" dirty="0">
-                          <a:latin typeface="Bahnschrift" panose="020B0502040204020203" pitchFamily="34" charset="0"/>
-                        </a:rPr>
-                      </a:br>
-                      <a:r>
-                        <a:rPr lang="ru-RU" sz="1800" kern="1200" dirty="0">
-                          <a:solidFill>
-                            <a:schemeClr val="tx1"/>
-                          </a:solidFill>
-                          <a:effectLst/>
-                          <a:latin typeface="Bahnschrift" panose="020B0502040204020203" pitchFamily="34" charset="0"/>
-                          <a:ea typeface="+mn-ea"/>
-                          <a:cs typeface="+mn-cs"/>
-                        </a:rPr>
-                        <a:t>транзакций в</a:t>
-                      </a:r>
-                      <a:br>
-                        <a:rPr lang="ru-RU" dirty="0">
-                          <a:latin typeface="Bahnschrift" panose="020B0502040204020203" pitchFamily="34" charset="0"/>
-                        </a:rPr>
-                      </a:br>
-                      <a:r>
-                        <a:rPr lang="ru-RU" sz="1800" kern="1200" dirty="0">
-                          <a:solidFill>
-                            <a:schemeClr val="tx1"/>
-                          </a:solidFill>
-                          <a:effectLst/>
-                          <a:latin typeface="Bahnschrift" panose="020B0502040204020203" pitchFamily="34" charset="0"/>
-                          <a:ea typeface="+mn-ea"/>
-                          <a:cs typeface="+mn-cs"/>
-                        </a:rPr>
-                        <a:t>секунду</a:t>
-                      </a:r>
-                      <a:endParaRPr lang="ru-RU" dirty="0">
-                        <a:latin typeface="Bahnschrift" panose="020B0502040204020203" pitchFamily="34" charset="0"/>
-                      </a:endParaRPr>
-                    </a:p>
-                  </a:txBody>
-                  <a:tcPr/>
-                </a:tc>
-                <a:tc>
-                  <a:txBody>
-                    <a:bodyPr/>
-                    <a:lstStyle/>
-                    <a:p>
-                      <a:pPr algn="ctr"/>
-                      <a:r>
-                        <a:rPr lang="ru-RU" sz="1800" kern="1200" dirty="0">
-                          <a:solidFill>
-                            <a:schemeClr val="tx1"/>
-                          </a:solidFill>
-                          <a:effectLst/>
-                          <a:latin typeface="Bahnschrift" panose="020B0502040204020203" pitchFamily="34" charset="0"/>
-                          <a:ea typeface="+mn-ea"/>
-                          <a:cs typeface="+mn-cs"/>
-                        </a:rPr>
-                        <a:t>7–500 </a:t>
-                      </a:r>
-                      <a:endParaRPr lang="ru-RU" dirty="0">
-                        <a:latin typeface="Bahnschrift" panose="020B0502040204020203" pitchFamily="34" charset="0"/>
-                      </a:endParaRPr>
-                    </a:p>
-                  </a:txBody>
-                  <a:tcPr anchor="ctr"/>
-                </a:tc>
-                <a:tc>
-                  <a:txBody>
-                    <a:bodyPr/>
-                    <a:lstStyle/>
-                    <a:p>
-                      <a:pPr algn="ctr"/>
-                      <a:r>
-                        <a:rPr lang="ru-RU" sz="1800" kern="1200" dirty="0">
-                          <a:solidFill>
-                            <a:schemeClr val="tx1"/>
-                          </a:solidFill>
-                          <a:effectLst/>
-                          <a:latin typeface="Bahnschrift" panose="020B0502040204020203" pitchFamily="34" charset="0"/>
-                          <a:ea typeface="+mn-ea"/>
-                          <a:cs typeface="+mn-cs"/>
-                        </a:rPr>
-                        <a:t>173–1000</a:t>
-                      </a:r>
-                      <a:endParaRPr lang="ru-RU" dirty="0">
-                        <a:latin typeface="Bahnschrift" panose="020B0502040204020203" pitchFamily="34" charset="0"/>
-                      </a:endParaRPr>
-                    </a:p>
-                  </a:txBody>
-                  <a:tcPr anchor="ctr"/>
-                </a:tc>
-                <a:tc>
-                  <a:txBody>
-                    <a:bodyPr/>
-                    <a:lstStyle/>
-                    <a:p>
-                      <a:pPr algn="ctr"/>
-                      <a:r>
-                        <a:rPr lang="ru-RU" sz="1800" kern="1200" dirty="0">
-                          <a:solidFill>
-                            <a:schemeClr val="tx1"/>
-                          </a:solidFill>
-                          <a:effectLst/>
-                          <a:latin typeface="Bahnschrift" panose="020B0502040204020203" pitchFamily="34" charset="0"/>
-                          <a:ea typeface="+mn-ea"/>
-                          <a:cs typeface="+mn-cs"/>
-                        </a:rPr>
-                        <a:t>14</a:t>
-                      </a:r>
-                      <a:endParaRPr lang="ru-RU" dirty="0">
-                        <a:latin typeface="Bahnschrift" panose="020B0502040204020203" pitchFamily="34" charset="0"/>
-                      </a:endParaRPr>
-                    </a:p>
-                  </a:txBody>
-                  <a:tcPr anchor="ctr"/>
-                </a:tc>
-                <a:tc>
-                  <a:txBody>
-                    <a:bodyPr/>
-                    <a:lstStyle/>
-                    <a:p>
-                      <a:pPr algn="ctr"/>
-                      <a:r>
-                        <a:rPr lang="ru-RU" sz="1800" kern="1200" dirty="0">
-                          <a:solidFill>
-                            <a:schemeClr val="tx1"/>
-                          </a:solidFill>
-                          <a:effectLst/>
-                          <a:latin typeface="Bahnschrift" panose="020B0502040204020203" pitchFamily="34" charset="0"/>
-                          <a:ea typeface="+mn-ea"/>
-                          <a:cs typeface="+mn-cs"/>
-                        </a:rPr>
-                        <a:t>80</a:t>
-                      </a:r>
-                      <a:endParaRPr lang="ru-RU" dirty="0">
-                        <a:latin typeface="Bahnschrift" panose="020B0502040204020203" pitchFamily="34" charset="0"/>
-                      </a:endParaRPr>
-                    </a:p>
-                  </a:txBody>
-                  <a:tcPr anchor="ctr"/>
-                </a:tc>
-                <a:tc>
-                  <a:txBody>
-                    <a:bodyPr/>
-                    <a:lstStyle/>
-                    <a:p>
-                      <a:pPr algn="ctr"/>
-                      <a:r>
-                        <a:rPr lang="ru-RU" sz="1800" kern="1200" dirty="0">
-                          <a:solidFill>
-                            <a:schemeClr val="tx1"/>
-                          </a:solidFill>
-                          <a:effectLst/>
-                          <a:latin typeface="Bahnschrift" panose="020B0502040204020203" pitchFamily="34" charset="0"/>
-                          <a:ea typeface="+mn-ea"/>
-                          <a:cs typeface="+mn-cs"/>
-                        </a:rPr>
-                        <a:t>4000</a:t>
-                      </a:r>
-                      <a:endParaRPr lang="ru-RU" dirty="0">
-                        <a:latin typeface="Bahnschrift" panose="020B0502040204020203" pitchFamily="34" charset="0"/>
-                      </a:endParaRPr>
-                    </a:p>
-                  </a:txBody>
-                  <a:tcPr anchor="ctr"/>
-                </a:tc>
-                <a:extLst>
-                  <a:ext uri="{0D108BD9-81ED-4DB2-BD59-A6C34878D82A}">
-                    <a16:rowId xmlns:a16="http://schemas.microsoft.com/office/drawing/2014/main" val="3186194222"/>
-                  </a:ext>
-                </a:extLst>
-              </a:tr>
-            </a:tbl>
-          </a:graphicData>
-        </a:graphic>
-      </p:graphicFrame>
-    </p:spTree>
-    <p:extLst>
-      <p:ext uri="{BB962C8B-B14F-4D97-AF65-F5344CB8AC3E}">
-        <p14:creationId xmlns:p14="http://schemas.microsoft.com/office/powerpoint/2010/main" val="4089976370"/>
-      </p:ext>
-    </p:extLst>
-  </p:cSld>
-  <p:clrMapOvr>
-    <a:masterClrMapping/>
-  </p:clrMapOvr>
-</p:sld>
-</file>
-
-<file path=ppt/slides/slide12.xml><?xml version="1.0" encoding="utf-8"?>
-<p:sld xmlns:a="http://schemas.openxmlformats.org/drawingml/2006/main" xmlns:r="http://schemas.openxmlformats.org/officeDocument/2006/relationships" xmlns:p="http://schemas.openxmlformats.org/presentationml/2006/main">
-  <p:cSld>
-    <p:spTree>
-      <p:nvGrpSpPr>
-        <p:cNvPr id="1" name=""/>
-        <p:cNvGrpSpPr/>
-        <p:nvPr/>
-      </p:nvGrpSpPr>
-      <p:grpSpPr>
-        <a:xfrm>
-          <a:off x="0" y="0"/>
-          <a:ext cx="0" cy="0"/>
-          <a:chOff x="0" y="0"/>
-          <a:chExt cx="0" cy="0"/>
-        </a:xfrm>
-      </p:grpSpPr>
-      <p:sp>
-        <p:nvSpPr>
-          <p:cNvPr id="2" name="Заголовок 1"/>
-          <p:cNvSpPr>
-            <a:spLocks noGrp="1"/>
-          </p:cNvSpPr>
-          <p:nvPr>
-            <p:ph type="title"/>
-          </p:nvPr>
-        </p:nvSpPr>
         <p:spPr>
           <a:xfrm>
-            <a:off x="628650" y="0"/>
-            <a:ext cx="7886700" cy="1658983"/>
+            <a:off x="0" y="0"/>
+            <a:ext cx="12192000" cy="1615736"/>
           </a:xfrm>
         </p:spPr>
         <p:txBody>
@@ -4333,6 +4071,7 @@
           </a:bodyPr>
           <a:lstStyle/>
           <a:p>
+            <a:pPr algn="ctr"/>
             <a:r>
               <a:rPr lang="ru-RU" dirty="0">
                 <a:latin typeface="Bahnschrift" panose="020B0502040204020203" pitchFamily="34" charset="0"/>
@@ -4354,8 +4093,8 @@
         </p:nvSpPr>
         <p:spPr>
           <a:xfrm>
-            <a:off x="628650" y="1658983"/>
-            <a:ext cx="7886700" cy="5025902"/>
+            <a:off x="337352" y="1473694"/>
+            <a:ext cx="11452194" cy="5308847"/>
           </a:xfrm>
         </p:spPr>
         <p:txBody>
@@ -4368,170 +4107,78 @@
               <a:buNone/>
             </a:pPr>
             <a:r>
-              <a:rPr lang="ru-RU" sz="2000" dirty="0">
+              <a:rPr lang="ru-RU" sz="2400" dirty="0">
                 <a:latin typeface="Bahnschrift" panose="020B0502040204020203" pitchFamily="34" charset="0"/>
               </a:rPr>
-              <a:t>В ходе выполнения научно-исследовательской работы была достигнута поставленная цель, а также решены все задачи</a:t>
-            </a:r>
-            <a:r>
-              <a:rPr lang="en-US" sz="2000" dirty="0">
+              <a:t>В ходе выполнения научно-исследовательской работы была достигнута поставленная цель: проведен обзор известных методов увеличения разрешения видеопотока и проведена классификация этих методов по сформулированным критериям.</a:t>
+            </a:r>
+            <a:endParaRPr lang="en-US" sz="2400" dirty="0">
+              <a:latin typeface="Bahnschrift" panose="020B0502040204020203" pitchFamily="34" charset="0"/>
+            </a:endParaRPr>
+          </a:p>
+          <a:p>
+            <a:pPr marL="0" indent="0">
+              <a:buNone/>
+            </a:pPr>
+            <a:r>
+              <a:rPr lang="ru-RU" sz="2400" dirty="0">
                 <a:latin typeface="Bahnschrift" panose="020B0502040204020203" pitchFamily="34" charset="0"/>
               </a:rPr>
-              <a:t>.</a:t>
-            </a:r>
-            <a:endParaRPr lang="ru-RU" sz="2000" dirty="0">
+              <a:t>Выполнены все задачи:</a:t>
+            </a:r>
+          </a:p>
+          <a:p>
+            <a:pPr marL="514350" indent="-514350">
+              <a:buFont typeface="+mj-lt"/>
+              <a:buAutoNum type="arabicParenR"/>
+            </a:pPr>
+            <a:r>
+              <a:rPr lang="ru-RU" sz="2400" dirty="0">
+                <a:latin typeface="Bahnschrift" panose="020B0502040204020203" pitchFamily="34" charset="0"/>
+              </a:rPr>
+              <a:t>исследована предметная область увеличения разрешения видеопотока;</a:t>
+            </a:r>
+          </a:p>
+          <a:p>
+            <a:pPr marL="514350" indent="-514350">
+              <a:buFont typeface="+mj-lt"/>
+              <a:buAutoNum type="arabicParenR"/>
+            </a:pPr>
+            <a:r>
+              <a:rPr lang="ru-RU" sz="2400" dirty="0">
+                <a:latin typeface="Bahnschrift" panose="020B0502040204020203" pitchFamily="34" charset="0"/>
+              </a:rPr>
+              <a:t>проанализированы известные методы увеличения разрешения видеопотока;</a:t>
+            </a:r>
+            <a:endParaRPr lang="en-US" sz="2400" dirty="0">
               <a:latin typeface="Bahnschrift" panose="020B0502040204020203" pitchFamily="34" charset="0"/>
             </a:endParaRPr>
           </a:p>
           <a:p>
-            <a:pPr marL="0" indent="0">
-              <a:buNone/>
+            <a:pPr marL="514350" indent="-514350">
+              <a:buFont typeface="+mj-lt"/>
+              <a:buAutoNum type="arabicParenR"/>
             </a:pPr>
-            <a:endParaRPr lang="ru-RU" sz="2000" dirty="0">
+            <a:r>
+              <a:rPr lang="ru-RU" sz="2400" dirty="0">
+                <a:latin typeface="Bahnschrift" panose="020B0502040204020203" pitchFamily="34" charset="0"/>
+              </a:rPr>
+              <a:t>сформулированы критерии для сравнения этих методов;</a:t>
+            </a:r>
+            <a:endParaRPr lang="en-US" sz="2400" dirty="0">
               <a:latin typeface="Bahnschrift" panose="020B0502040204020203" pitchFamily="34" charset="0"/>
             </a:endParaRPr>
           </a:p>
           <a:p>
-            <a:pPr marL="0" indent="0">
-              <a:buNone/>
+            <a:pPr marL="514350" indent="-514350">
+              <a:buFont typeface="+mj-lt"/>
+              <a:buAutoNum type="arabicParenR"/>
             </a:pPr>
             <a:r>
-              <a:rPr lang="ru-RU" sz="2000" dirty="0">
+              <a:rPr lang="ru-RU" sz="2400" dirty="0">
                 <a:latin typeface="Bahnschrift" panose="020B0502040204020203" pitchFamily="34" charset="0"/>
               </a:rPr>
-              <a:t>В результате проведения сравнения алгоритмов блокчейн-консенсуса по трем критериям получены следующие результаты.</a:t>
-            </a:r>
-            <a:endParaRPr lang="en-US" sz="2000" dirty="0">
-              <a:latin typeface="Bahnschrift" panose="020B0502040204020203" pitchFamily="34" charset="0"/>
-            </a:endParaRPr>
-          </a:p>
-          <a:p>
-            <a:pPr marL="457200" indent="-457200">
-              <a:buFont typeface="+mj-lt"/>
-              <a:buAutoNum type="arabicPeriod"/>
-            </a:pPr>
-            <a:r>
-              <a:rPr lang="ru-RU" sz="2000" dirty="0">
-                <a:latin typeface="Bahnschrift" panose="020B0502040204020203" pitchFamily="34" charset="0"/>
-              </a:rPr>
-              <a:t>Лучшее среднее время создания блока показывает алгоритм </a:t>
-            </a:r>
-            <a:r>
-              <a:rPr lang="ru-RU" sz="2000" dirty="0" err="1">
-                <a:latin typeface="Bahnschrift" panose="020B0502040204020203" pitchFamily="34" charset="0"/>
-              </a:rPr>
-              <a:t>Proof</a:t>
-            </a:r>
-            <a:r>
-              <a:rPr lang="ru-RU" sz="2000" dirty="0">
-                <a:latin typeface="Bahnschrift" panose="020B0502040204020203" pitchFamily="34" charset="0"/>
-              </a:rPr>
-              <a:t> </a:t>
-            </a:r>
-            <a:r>
-              <a:rPr lang="ru-RU" sz="2000" dirty="0" err="1">
-                <a:latin typeface="Bahnschrift" panose="020B0502040204020203" pitchFamily="34" charset="0"/>
-              </a:rPr>
-              <a:t>of</a:t>
-            </a:r>
-            <a:r>
-              <a:rPr lang="ru-RU" sz="2000" dirty="0">
-                <a:latin typeface="Bahnschrift" panose="020B0502040204020203" pitchFamily="34" charset="0"/>
-              </a:rPr>
-              <a:t> </a:t>
-            </a:r>
-            <a:r>
-              <a:rPr lang="ru-RU" sz="2000" dirty="0" err="1">
-                <a:latin typeface="Bahnschrift" panose="020B0502040204020203" pitchFamily="34" charset="0"/>
-              </a:rPr>
-              <a:t>Stake</a:t>
-            </a:r>
-            <a:r>
-              <a:rPr lang="ru-RU" sz="2000" dirty="0">
-                <a:latin typeface="Bahnschrift" panose="020B0502040204020203" pitchFamily="34" charset="0"/>
-              </a:rPr>
-              <a:t>.</a:t>
-            </a:r>
-          </a:p>
-          <a:p>
-            <a:pPr marL="457200" indent="-457200">
-              <a:buFont typeface="+mj-lt"/>
-              <a:buAutoNum type="arabicPeriod"/>
-            </a:pPr>
-            <a:r>
-              <a:rPr lang="ru-RU" sz="2000" dirty="0">
-                <a:latin typeface="Bahnschrift" panose="020B0502040204020203" pitchFamily="34" charset="0"/>
-              </a:rPr>
-              <a:t>Наиболее стойкими к двойному расходованию являются </a:t>
-            </a:r>
-            <a:r>
-              <a:rPr lang="en-US" sz="2000" dirty="0">
-                <a:latin typeface="Bahnschrift" panose="020B0502040204020203" pitchFamily="34" charset="0"/>
-              </a:rPr>
-              <a:t>Proof of Work, Hybrid Consensus </a:t>
-            </a:r>
-            <a:r>
-              <a:rPr lang="ru-RU" sz="2000" dirty="0">
-                <a:latin typeface="Bahnschrift" panose="020B0502040204020203" pitchFamily="34" charset="0"/>
-              </a:rPr>
-              <a:t>и </a:t>
-            </a:r>
-            <a:r>
-              <a:rPr lang="en-US" sz="2000" dirty="0">
-                <a:latin typeface="Bahnschrift" panose="020B0502040204020203" pitchFamily="34" charset="0"/>
-              </a:rPr>
-              <a:t>Proof of Importance.</a:t>
-            </a:r>
-            <a:endParaRPr lang="ru-RU" sz="2000" dirty="0">
-              <a:latin typeface="Bahnschrift" panose="020B0502040204020203" pitchFamily="34" charset="0"/>
-            </a:endParaRPr>
-          </a:p>
-          <a:p>
-            <a:pPr marL="457200" indent="-457200">
-              <a:buFont typeface="+mj-lt"/>
-              <a:buAutoNum type="arabicPeriod"/>
-            </a:pPr>
-            <a:r>
-              <a:rPr lang="ru-RU" sz="2000" dirty="0">
-                <a:latin typeface="Bahnschrift" panose="020B0502040204020203" pitchFamily="34" charset="0"/>
-              </a:rPr>
-              <a:t>Наибольшее количество транзакций в секунду обеспечивает алгоритм </a:t>
-            </a:r>
-            <a:r>
-              <a:rPr lang="ru-RU" sz="2000" dirty="0" err="1">
-                <a:latin typeface="Bahnschrift" panose="020B0502040204020203" pitchFamily="34" charset="0"/>
-              </a:rPr>
-              <a:t>Proof</a:t>
-            </a:r>
-            <a:r>
-              <a:rPr lang="ru-RU" sz="2000" dirty="0">
-                <a:latin typeface="Bahnschrift" panose="020B0502040204020203" pitchFamily="34" charset="0"/>
-              </a:rPr>
-              <a:t> </a:t>
-            </a:r>
-            <a:r>
-              <a:rPr lang="ru-RU" sz="2000" dirty="0" err="1">
-                <a:latin typeface="Bahnschrift" panose="020B0502040204020203" pitchFamily="34" charset="0"/>
-              </a:rPr>
-              <a:t>of</a:t>
-            </a:r>
-            <a:r>
-              <a:rPr lang="ru-RU" sz="2000" dirty="0">
-                <a:latin typeface="Bahnschrift" panose="020B0502040204020203" pitchFamily="34" charset="0"/>
-              </a:rPr>
-              <a:t> </a:t>
-            </a:r>
-            <a:r>
-              <a:rPr lang="ru-RU" sz="2000" dirty="0" err="1">
-                <a:latin typeface="Bahnschrift" panose="020B0502040204020203" pitchFamily="34" charset="0"/>
-              </a:rPr>
-              <a:t>Importance</a:t>
-            </a:r>
-            <a:r>
-              <a:rPr lang="ru-RU" sz="2000" dirty="0">
-                <a:latin typeface="Bahnschrift" panose="020B0502040204020203" pitchFamily="34" charset="0"/>
-              </a:rPr>
-              <a:t>.</a:t>
+              <a:t>проведено сравнение методов увеличения разрешения видеопотока по сформулированным критериям.</a:t>
             </a:r>
           </a:p>
         </p:txBody>
@@ -4539,7 +4186,7 @@
     </p:spTree>
     <p:extLst>
       <p:ext uri="{BB962C8B-B14F-4D97-AF65-F5344CB8AC3E}">
-        <p14:creationId xmlns:p14="http://schemas.microsoft.com/office/powerpoint/2010/main" val="3197420765"/>
+        <p14:creationId xmlns:p14="http://schemas.microsoft.com/office/powerpoint/2010/main" val="3192171224"/>
       </p:ext>
     </p:extLst>
   </p:cSld>
@@ -4578,8 +4225,8 @@
         </p:nvSpPr>
         <p:spPr>
           <a:xfrm>
-            <a:off x="628650" y="0"/>
-            <a:ext cx="7886700" cy="1615736"/>
+            <a:off x="0" y="0"/>
+            <a:ext cx="12192000" cy="1615736"/>
           </a:xfrm>
         </p:spPr>
         <p:txBody>
@@ -4588,6 +4235,7 @@
           </a:bodyPr>
           <a:lstStyle/>
           <a:p>
+            <a:pPr algn="ctr"/>
             <a:r>
               <a:rPr lang="ru-RU" dirty="0">
                 <a:latin typeface="Bahnschrift" panose="020B0502040204020203" pitchFamily="34" charset="0"/>
@@ -4609,8 +4257,8 @@
         </p:nvSpPr>
         <p:spPr>
           <a:xfrm>
-            <a:off x="628649" y="1473693"/>
-            <a:ext cx="8382185" cy="5308847"/>
+            <a:off x="337352" y="1473694"/>
+            <a:ext cx="11452194" cy="5308847"/>
           </a:xfrm>
         </p:spPr>
         <p:txBody>
@@ -4623,24 +4271,12 @@
               <a:buNone/>
             </a:pPr>
             <a:r>
-              <a:rPr lang="ru-RU" sz="2000" dirty="0">
+              <a:rPr lang="ru-RU" sz="2400" dirty="0">
                 <a:latin typeface="Bahnschrift" panose="020B0502040204020203" pitchFamily="34" charset="0"/>
               </a:rPr>
-              <a:t>Цель: провести обзор существующих алгоритмов консенсуса для </a:t>
-            </a:r>
-            <a:r>
-              <a:rPr lang="ru-RU" sz="2000" dirty="0" err="1">
-                <a:latin typeface="Bahnschrift" panose="020B0502040204020203" pitchFamily="34" charset="0"/>
-              </a:rPr>
-              <a:t>блокчейна</a:t>
-            </a:r>
-            <a:r>
-              <a:rPr lang="ru-RU" sz="2000" dirty="0">
-                <a:latin typeface="Bahnschrift" panose="020B0502040204020203" pitchFamily="34" charset="0"/>
-              </a:rPr>
-              <a:t> и сравнить их по сформулированным критериям.</a:t>
-            </a:r>
-            <a:endParaRPr lang="en-US" sz="2000" dirty="0">
+              <a:t>Цель: провести обзор известных методов увеличения разрешения видеопотока и классифицировать их по сформулированным критериям.</a:t>
+            </a:r>
+            <a:endParaRPr lang="en-US" sz="2400" dirty="0">
               <a:latin typeface="Bahnschrift" panose="020B0502040204020203" pitchFamily="34" charset="0"/>
             </a:endParaRPr>
           </a:p>
@@ -4649,7 +4285,7 @@
               <a:buNone/>
             </a:pPr>
             <a:r>
-              <a:rPr lang="ru-RU" sz="2000" dirty="0">
+              <a:rPr lang="ru-RU" sz="2400" dirty="0">
                 <a:latin typeface="Bahnschrift" panose="020B0502040204020203" pitchFamily="34" charset="0"/>
               </a:rPr>
               <a:t>Задачи:</a:t>
@@ -4661,22 +4297,10 @@
               <a:buAutoNum type="arabicParenR"/>
             </a:pPr>
             <a:r>
-              <a:rPr lang="ru-RU" sz="2000" dirty="0">
+              <a:rPr lang="ru-RU" sz="2400" dirty="0">
                 <a:latin typeface="Bahnschrift" panose="020B0502040204020203" pitchFamily="34" charset="0"/>
               </a:rPr>
-              <a:t>исследовать технологию </a:t>
-            </a:r>
-            <a:r>
-              <a:rPr lang="ru-RU" sz="2000" dirty="0" err="1">
-                <a:latin typeface="Bahnschrift" panose="020B0502040204020203" pitchFamily="34" charset="0"/>
-              </a:rPr>
-              <a:t>блокчейн</a:t>
-            </a:r>
-            <a:r>
-              <a:rPr lang="ru-RU" sz="2000" dirty="0">
-                <a:latin typeface="Bahnschrift" panose="020B0502040204020203" pitchFamily="34" charset="0"/>
-              </a:rPr>
-              <a:t>;</a:t>
+              <a:t>исследовать предметную область увеличения разрешения видеопотока;</a:t>
             </a:r>
           </a:p>
           <a:p>
@@ -4685,11 +4309,14 @@
               <a:buAutoNum type="arabicParenR"/>
             </a:pPr>
             <a:r>
-              <a:rPr lang="ru-RU" sz="2000" dirty="0">
+              <a:rPr lang="ru-RU" sz="2400" dirty="0">
                 <a:latin typeface="Bahnschrift" panose="020B0502040204020203" pitchFamily="34" charset="0"/>
               </a:rPr>
-              <a:t>исследовать основные механизмы, которые используются в рамках этой технологии;</a:t>
-            </a:r>
+              <a:t>проанализировать известные методы увеличения разрешения видеопотока;</a:t>
+            </a:r>
+            <a:endParaRPr lang="en-US" sz="2400" dirty="0">
+              <a:latin typeface="Bahnschrift" panose="020B0502040204020203" pitchFamily="34" charset="0"/>
+            </a:endParaRPr>
           </a:p>
           <a:p>
             <a:pPr marL="514350" indent="-514350">
@@ -4697,23 +4324,14 @@
               <a:buAutoNum type="arabicParenR"/>
             </a:pPr>
             <a:r>
-              <a:rPr lang="ru-RU" sz="2000" dirty="0">
+              <a:rPr lang="ru-RU" sz="2400" dirty="0">
                 <a:latin typeface="Bahnschrift" panose="020B0502040204020203" pitchFamily="34" charset="0"/>
               </a:rPr>
-              <a:t>проанализировать известные алгоритмы </a:t>
-            </a:r>
-            <a:r>
-              <a:rPr lang="ru-RU" sz="2000" dirty="0" err="1">
-                <a:latin typeface="Bahnschrift" panose="020B0502040204020203" pitchFamily="34" charset="0"/>
-              </a:rPr>
-              <a:t>блокчейн</a:t>
-            </a:r>
-            <a:r>
-              <a:rPr lang="ru-RU" sz="2000" dirty="0">
-                <a:latin typeface="Bahnschrift" panose="020B0502040204020203" pitchFamily="34" charset="0"/>
-              </a:rPr>
-              <a:t>-консенсуса;</a:t>
-            </a:r>
+              <a:t>сформулировать критерии для сравнения этих методов;</a:t>
+            </a:r>
+            <a:endParaRPr lang="en-US" sz="2400" dirty="0">
+              <a:latin typeface="Bahnschrift" panose="020B0502040204020203" pitchFamily="34" charset="0"/>
+            </a:endParaRPr>
           </a:p>
           <a:p>
             <a:pPr marL="514350" indent="-514350">
@@ -4721,56 +4339,11 @@
               <a:buAutoNum type="arabicParenR"/>
             </a:pPr>
             <a:r>
-              <a:rPr lang="ru-RU" sz="2000" dirty="0">
+              <a:rPr lang="ru-RU" sz="2400" dirty="0">
                 <a:latin typeface="Bahnschrift" panose="020B0502040204020203" pitchFamily="34" charset="0"/>
               </a:rPr>
-              <a:t>сформулировать критерии для сравнения алгоритмов </a:t>
-            </a:r>
-            <a:r>
-              <a:rPr lang="ru-RU" sz="2000" dirty="0" err="1">
-                <a:latin typeface="Bahnschrift" panose="020B0502040204020203" pitchFamily="34" charset="0"/>
-              </a:rPr>
-              <a:t>блокчейн</a:t>
-            </a:r>
-            <a:r>
-              <a:rPr lang="ru-RU" sz="2000" dirty="0">
-                <a:latin typeface="Bahnschrift" panose="020B0502040204020203" pitchFamily="34" charset="0"/>
-              </a:rPr>
-              <a:t>-консенсуса;</a:t>
-            </a:r>
-          </a:p>
-          <a:p>
-            <a:pPr marL="514350" indent="-514350">
-              <a:buFont typeface="+mj-lt"/>
-              <a:buAutoNum type="arabicParenR"/>
-            </a:pPr>
-            <a:r>
-              <a:rPr lang="ru-RU" sz="2000" dirty="0">
-                <a:latin typeface="Bahnschrift" panose="020B0502040204020203" pitchFamily="34" charset="0"/>
-              </a:rPr>
-              <a:t>сравнить алгоритмы </a:t>
-            </a:r>
-            <a:r>
-              <a:rPr lang="ru-RU" sz="2000" dirty="0" err="1">
-                <a:latin typeface="Bahnschrift" panose="020B0502040204020203" pitchFamily="34" charset="0"/>
-              </a:rPr>
-              <a:t>блокчейн</a:t>
-            </a:r>
-            <a:r>
-              <a:rPr lang="ru-RU" sz="2000" dirty="0">
-                <a:latin typeface="Bahnschrift" panose="020B0502040204020203" pitchFamily="34" charset="0"/>
-              </a:rPr>
-              <a:t>-консенсуса по сформулированным критериям.</a:t>
-            </a:r>
-          </a:p>
-          <a:p>
-            <a:pPr marL="514350" indent="-514350">
-              <a:buFont typeface="+mj-lt"/>
-              <a:buAutoNum type="arabicParenR"/>
-            </a:pPr>
-            <a:endParaRPr lang="ru-RU" sz="2000" dirty="0">
-              <a:latin typeface="Bahnschrift" panose="020B0502040204020203" pitchFamily="34" charset="0"/>
-            </a:endParaRPr>
+              <a:t>сравнить методы увеличения разрешения видеопотока по сформулированным критериям.</a:t>
+            </a:r>
           </a:p>
         </p:txBody>
       </p:sp>
@@ -4816,8 +4389,8 @@
         </p:nvSpPr>
         <p:spPr>
           <a:xfrm>
-            <a:off x="628650" y="0"/>
-            <a:ext cx="7886700" cy="1535837"/>
+            <a:off x="0" y="1"/>
+            <a:ext cx="12192000" cy="1535837"/>
           </a:xfrm>
         </p:spPr>
         <p:txBody>
@@ -4826,393 +4399,52 @@
           </a:bodyPr>
           <a:lstStyle/>
           <a:p>
+            <a:pPr algn="ctr"/>
+            <a:r>
+              <a:rPr lang="ru-RU" dirty="0" err="1">
+                <a:latin typeface="Bahnschrift" panose="020B0502040204020203" pitchFamily="34" charset="0"/>
+              </a:rPr>
+              <a:t>Суперразрешение</a:t>
+            </a:r>
             <a:r>
               <a:rPr lang="ru-RU" dirty="0">
                 <a:latin typeface="Bahnschrift" panose="020B0502040204020203" pitchFamily="34" charset="0"/>
               </a:rPr>
-              <a:t>Структура блока</a:t>
-            </a:r>
-          </a:p>
-        </p:txBody>
-      </p:sp>
-      <p:graphicFrame>
-        <p:nvGraphicFramePr>
-          <p:cNvPr id="5" name="Объект 3">
+              <a:t> видео</a:t>
+            </a:r>
+          </a:p>
+        </p:txBody>
+      </p:sp>
+      <p:pic>
+        <p:nvPicPr>
+          <p:cNvPr id="6" name="Рисунок 5">
             <a:extLst>
               <a:ext uri="{FF2B5EF4-FFF2-40B4-BE49-F238E27FC236}">
-                <a16:creationId xmlns:a16="http://schemas.microsoft.com/office/drawing/2014/main" id="{56ED325D-BE49-4416-9328-4F09A0BBA292}"/>
+                <a16:creationId xmlns:a16="http://schemas.microsoft.com/office/drawing/2014/main" id="{EDA739CD-0E67-47EA-B38F-6F57F8E8E806}"/>
               </a:ext>
             </a:extLst>
           </p:cNvPr>
-          <p:cNvGraphicFramePr>
-            <a:graphicFrameLocks noGrp="1"/>
-          </p:cNvGraphicFramePr>
-          <p:nvPr>
-            <p:ph idx="1"/>
-            <p:extLst>
-              <p:ext uri="{D42A27DB-BD31-4B8C-83A1-F6EECF244321}">
-                <p14:modId xmlns:p14="http://schemas.microsoft.com/office/powerpoint/2010/main" val="230425643"/>
-              </p:ext>
-            </p:extLst>
-          </p:nvPr>
-        </p:nvGraphicFramePr>
-        <p:xfrm>
-          <a:off x="628650" y="2274538"/>
-          <a:ext cx="7886700" cy="3200400"/>
-        </p:xfrm>
-        <a:graphic>
-          <a:graphicData uri="http://schemas.openxmlformats.org/drawingml/2006/table">
-            <a:tbl>
-              <a:tblPr firstRow="1" bandRow="1">
-                <a:tableStyleId>{5940675A-B579-460E-94D1-54222C63F5DA}</a:tableStyleId>
-              </a:tblPr>
-              <a:tblGrid>
-                <a:gridCol w="1855470">
-                  <a:extLst>
-                    <a:ext uri="{9D8B030D-6E8A-4147-A177-3AD203B41FA5}">
-                      <a16:colId xmlns:a16="http://schemas.microsoft.com/office/drawing/2014/main" val="1872183755"/>
-                    </a:ext>
-                  </a:extLst>
-                </a:gridCol>
-                <a:gridCol w="2773680">
-                  <a:extLst>
-                    <a:ext uri="{9D8B030D-6E8A-4147-A177-3AD203B41FA5}">
-                      <a16:colId xmlns:a16="http://schemas.microsoft.com/office/drawing/2014/main" val="750706632"/>
-                    </a:ext>
-                  </a:extLst>
-                </a:gridCol>
-                <a:gridCol w="3257550">
-                  <a:extLst>
-                    <a:ext uri="{9D8B030D-6E8A-4147-A177-3AD203B41FA5}">
-                      <a16:colId xmlns:a16="http://schemas.microsoft.com/office/drawing/2014/main" val="3129054460"/>
-                    </a:ext>
-                  </a:extLst>
-                </a:gridCol>
-              </a:tblGrid>
-              <a:tr h="370840">
-                <a:tc>
-                  <a:txBody>
-                    <a:bodyPr/>
-                    <a:lstStyle/>
-                    <a:p>
-                      <a:pPr algn="ctr"/>
-                      <a:r>
-                        <a:rPr lang="ru-RU" sz="2000" b="0" i="1" dirty="0">
-                          <a:latin typeface="Bahnschrift" panose="020B0502040204020203" pitchFamily="34" charset="0"/>
-                        </a:rPr>
-                        <a:t>Размер</a:t>
-                      </a:r>
-                    </a:p>
-                  </a:txBody>
-                  <a:tcPr anchor="ctr"/>
-                </a:tc>
-                <a:tc>
-                  <a:txBody>
-                    <a:bodyPr/>
-                    <a:lstStyle/>
-                    <a:p>
-                      <a:pPr algn="ctr"/>
-                      <a:r>
-                        <a:rPr lang="ru-RU" sz="2000" b="0" i="1" kern="1200" dirty="0">
-                          <a:solidFill>
-                            <a:schemeClr val="tx1"/>
-                          </a:solidFill>
-                          <a:effectLst/>
-                          <a:latin typeface="Bahnschrift" panose="020B0502040204020203" pitchFamily="34" charset="0"/>
-                          <a:ea typeface="+mn-ea"/>
-                          <a:cs typeface="+mn-cs"/>
-                        </a:rPr>
-                        <a:t>Поле</a:t>
-                      </a:r>
-                      <a:endParaRPr lang="ru-RU" sz="2000" b="0" i="1" dirty="0">
-                        <a:latin typeface="Bahnschrift" panose="020B0502040204020203" pitchFamily="34" charset="0"/>
-                      </a:endParaRPr>
-                    </a:p>
-                  </a:txBody>
-                  <a:tcPr anchor="ctr"/>
-                </a:tc>
-                <a:tc>
-                  <a:txBody>
-                    <a:bodyPr/>
-                    <a:lstStyle/>
-                    <a:p>
-                      <a:pPr algn="ctr"/>
-                      <a:r>
-                        <a:rPr lang="ru-RU" sz="2000" b="0" i="1" kern="1200" dirty="0">
-                          <a:solidFill>
-                            <a:schemeClr val="tx1"/>
-                          </a:solidFill>
-                          <a:effectLst/>
-                          <a:latin typeface="Bahnschrift" panose="020B0502040204020203" pitchFamily="34" charset="0"/>
-                          <a:ea typeface="+mn-ea"/>
-                          <a:cs typeface="+mn-cs"/>
-                        </a:rPr>
-                        <a:t>Описание</a:t>
-                      </a:r>
-                      <a:endParaRPr lang="ru-RU" sz="2000" b="0" i="1" dirty="0">
-                        <a:latin typeface="Bahnschrift" panose="020B0502040204020203" pitchFamily="34" charset="0"/>
-                      </a:endParaRPr>
-                    </a:p>
-                  </a:txBody>
-                  <a:tcPr anchor="ctr"/>
-                </a:tc>
-                <a:extLst>
-                  <a:ext uri="{0D108BD9-81ED-4DB2-BD59-A6C34878D82A}">
-                    <a16:rowId xmlns:a16="http://schemas.microsoft.com/office/drawing/2014/main" val="2147199927"/>
-                  </a:ext>
-                </a:extLst>
-              </a:tr>
-              <a:tr h="370840">
-                <a:tc>
-                  <a:txBody>
-                    <a:bodyPr/>
-                    <a:lstStyle/>
-                    <a:p>
-                      <a:pPr algn="ctr"/>
-                      <a:r>
-                        <a:rPr lang="ru-RU" sz="2000" kern="1200" dirty="0">
-                          <a:solidFill>
-                            <a:schemeClr val="tx1"/>
-                          </a:solidFill>
-                          <a:effectLst/>
-                          <a:latin typeface="Bahnschrift" panose="020B0502040204020203" pitchFamily="34" charset="0"/>
-                          <a:ea typeface="+mn-ea"/>
-                          <a:cs typeface="+mn-cs"/>
-                        </a:rPr>
-                        <a:t>4 байта</a:t>
-                      </a:r>
-                      <a:endParaRPr lang="ru-RU" sz="2000" dirty="0">
-                        <a:latin typeface="Bahnschrift" panose="020B0502040204020203" pitchFamily="34" charset="0"/>
-                      </a:endParaRPr>
-                    </a:p>
-                  </a:txBody>
-                  <a:tcPr anchor="ctr"/>
-                </a:tc>
-                <a:tc>
-                  <a:txBody>
-                    <a:bodyPr/>
-                    <a:lstStyle/>
-                    <a:p>
-                      <a:pPr algn="ctr"/>
-                      <a:r>
-                        <a:rPr lang="ru-RU" sz="2000" dirty="0">
-                          <a:latin typeface="Bahnschrift" panose="020B0502040204020203" pitchFamily="34" charset="0"/>
-                        </a:rPr>
-                        <a:t>Размер блока</a:t>
-                      </a:r>
-                    </a:p>
-                  </a:txBody>
-                  <a:tcPr anchor="ctr"/>
-                </a:tc>
-                <a:tc>
-                  <a:txBody>
-                    <a:bodyPr/>
-                    <a:lstStyle/>
-                    <a:p>
-                      <a:pPr algn="ctr"/>
-                      <a:r>
-                        <a:rPr lang="ru-RU" sz="2000" dirty="0">
-                          <a:latin typeface="Bahnschrift" panose="020B0502040204020203" pitchFamily="34" charset="0"/>
-                        </a:rPr>
-                        <a:t>Размер блока в байтах</a:t>
-                      </a:r>
-                    </a:p>
-                  </a:txBody>
-                  <a:tcPr anchor="ctr"/>
-                </a:tc>
-                <a:extLst>
-                  <a:ext uri="{0D108BD9-81ED-4DB2-BD59-A6C34878D82A}">
-                    <a16:rowId xmlns:a16="http://schemas.microsoft.com/office/drawing/2014/main" val="1432419596"/>
-                  </a:ext>
-                </a:extLst>
-              </a:tr>
-              <a:tr h="370840">
-                <a:tc>
-                  <a:txBody>
-                    <a:bodyPr/>
-                    <a:lstStyle/>
-                    <a:p>
-                      <a:pPr algn="ctr"/>
-                      <a:r>
-                        <a:rPr lang="ru-RU" sz="2000" kern="1200" dirty="0">
-                          <a:solidFill>
-                            <a:schemeClr val="tx1"/>
-                          </a:solidFill>
-                          <a:effectLst/>
-                          <a:latin typeface="Bahnschrift" panose="020B0502040204020203" pitchFamily="34" charset="0"/>
-                          <a:ea typeface="+mn-ea"/>
-                          <a:cs typeface="+mn-cs"/>
-                        </a:rPr>
-                        <a:t>80 байт</a:t>
-                      </a:r>
-                      <a:endParaRPr lang="ru-RU" sz="2000" dirty="0">
-                        <a:latin typeface="Bahnschrift" panose="020B0502040204020203" pitchFamily="34" charset="0"/>
-                      </a:endParaRPr>
-                    </a:p>
-                  </a:txBody>
-                  <a:tcPr anchor="ctr"/>
-                </a:tc>
-                <a:tc>
-                  <a:txBody>
-                    <a:bodyPr/>
-                    <a:lstStyle/>
-                    <a:p>
-                      <a:pPr algn="ctr"/>
-                      <a:r>
-                        <a:rPr lang="ru-RU" sz="2000" dirty="0">
-                          <a:latin typeface="Bahnschrift" panose="020B0502040204020203" pitchFamily="34" charset="0"/>
-                        </a:rPr>
-                        <a:t>Заголовок блока</a:t>
-                      </a:r>
-                    </a:p>
-                  </a:txBody>
-                  <a:tcPr anchor="ctr"/>
-                </a:tc>
-                <a:tc>
-                  <a:txBody>
-                    <a:bodyPr/>
-                    <a:lstStyle/>
-                    <a:p>
-                      <a:pPr algn="ctr"/>
-                      <a:r>
-                        <a:rPr lang="ru-RU" sz="2000" dirty="0">
-                          <a:latin typeface="Bahnschrift" panose="020B0502040204020203" pitchFamily="34" charset="0"/>
-                        </a:rPr>
-                        <a:t>Несколько полей, формирующих заголовок блока</a:t>
-                      </a:r>
-                    </a:p>
-                  </a:txBody>
-                  <a:tcPr anchor="ctr"/>
-                </a:tc>
-                <a:extLst>
-                  <a:ext uri="{0D108BD9-81ED-4DB2-BD59-A6C34878D82A}">
-                    <a16:rowId xmlns:a16="http://schemas.microsoft.com/office/drawing/2014/main" val="387069861"/>
-                  </a:ext>
-                </a:extLst>
-              </a:tr>
-              <a:tr h="370840">
-                <a:tc>
-                  <a:txBody>
-                    <a:bodyPr/>
-                    <a:lstStyle/>
-                    <a:p>
-                      <a:pPr algn="ctr"/>
-                      <a:r>
-                        <a:rPr lang="ru-RU" sz="2000" kern="1200" dirty="0">
-                          <a:solidFill>
-                            <a:schemeClr val="tx1"/>
-                          </a:solidFill>
-                          <a:effectLst/>
-                          <a:latin typeface="Bahnschrift" panose="020B0502040204020203" pitchFamily="34" charset="0"/>
-                          <a:ea typeface="+mn-ea"/>
-                          <a:cs typeface="+mn-cs"/>
-                        </a:rPr>
-                        <a:t>1—9 байт</a:t>
-                      </a:r>
-                      <a:endParaRPr lang="ru-RU" sz="2000" dirty="0">
-                        <a:latin typeface="Bahnschrift" panose="020B0502040204020203" pitchFamily="34" charset="0"/>
-                      </a:endParaRPr>
-                    </a:p>
-                  </a:txBody>
-                  <a:tcPr anchor="ctr"/>
-                </a:tc>
-                <a:tc>
-                  <a:txBody>
-                    <a:bodyPr/>
-                    <a:lstStyle/>
-                    <a:p>
-                      <a:pPr algn="ctr"/>
-                      <a:r>
-                        <a:rPr lang="ru-RU" sz="2000" dirty="0">
-                          <a:latin typeface="Bahnschrift" panose="020B0502040204020203" pitchFamily="34" charset="0"/>
-                        </a:rPr>
-                        <a:t>Счетчик транзакций</a:t>
-                      </a:r>
-                    </a:p>
-                  </a:txBody>
-                  <a:tcPr anchor="ctr"/>
-                </a:tc>
-                <a:tc>
-                  <a:txBody>
-                    <a:bodyPr/>
-                    <a:lstStyle/>
-                    <a:p>
-                      <a:pPr algn="ctr"/>
-                      <a:r>
-                        <a:rPr lang="ru-RU" sz="2000" dirty="0">
-                          <a:latin typeface="Bahnschrift" panose="020B0502040204020203" pitchFamily="34" charset="0"/>
-                        </a:rPr>
-                        <a:t>Количество проведенных транзакций</a:t>
-                      </a:r>
-                    </a:p>
-                  </a:txBody>
-                  <a:tcPr anchor="ctr"/>
-                </a:tc>
-                <a:extLst>
-                  <a:ext uri="{0D108BD9-81ED-4DB2-BD59-A6C34878D82A}">
-                    <a16:rowId xmlns:a16="http://schemas.microsoft.com/office/drawing/2014/main" val="3186194222"/>
-                  </a:ext>
-                </a:extLst>
-              </a:tr>
-              <a:tr h="370840">
-                <a:tc>
-                  <a:txBody>
-                    <a:bodyPr/>
-                    <a:lstStyle/>
-                    <a:p>
-                      <a:pPr algn="ctr"/>
-                      <a:r>
-                        <a:rPr lang="ru-RU" sz="2000" dirty="0">
-                          <a:latin typeface="Bahnschrift" panose="020B0502040204020203" pitchFamily="34" charset="0"/>
-                        </a:rPr>
-                        <a:t>Переменный</a:t>
-                      </a:r>
-                    </a:p>
-                  </a:txBody>
-                  <a:tcPr anchor="ctr"/>
-                </a:tc>
-                <a:tc>
-                  <a:txBody>
-                    <a:bodyPr/>
-                    <a:lstStyle/>
-                    <a:p>
-                      <a:pPr algn="ctr"/>
-                      <a:r>
-                        <a:rPr lang="ru-RU" sz="2000" dirty="0">
-                          <a:latin typeface="Bahnschrift" panose="020B0502040204020203" pitchFamily="34" charset="0"/>
-                        </a:rPr>
-                        <a:t>Транзакции</a:t>
-                      </a:r>
-                    </a:p>
-                  </a:txBody>
-                  <a:tcPr anchor="ctr"/>
-                </a:tc>
-                <a:tc>
-                  <a:txBody>
-                    <a:bodyPr/>
-                    <a:lstStyle/>
-                    <a:p>
-                      <a:pPr algn="ctr"/>
-                      <a:r>
-                        <a:rPr lang="ru-RU" sz="2000" dirty="0">
-                          <a:latin typeface="Bahnschrift" panose="020B0502040204020203" pitchFamily="34" charset="0"/>
-                        </a:rPr>
-                        <a:t>Транзакции, записанные в этом блоке</a:t>
-                      </a:r>
-                    </a:p>
-                  </a:txBody>
-                  <a:tcPr anchor="ctr"/>
-                </a:tc>
-                <a:extLst>
-                  <a:ext uri="{0D108BD9-81ED-4DB2-BD59-A6C34878D82A}">
-                    <a16:rowId xmlns:a16="http://schemas.microsoft.com/office/drawing/2014/main" val="1003364273"/>
-                  </a:ext>
-                </a:extLst>
-              </a:tr>
-            </a:tbl>
-          </a:graphicData>
-        </a:graphic>
-      </p:graphicFrame>
+          <p:cNvPicPr>
+            <a:picLocks noChangeAspect="1"/>
+          </p:cNvPicPr>
+          <p:nvPr/>
+        </p:nvPicPr>
+        <p:blipFill>
+          <a:blip r:embed="rId2"/>
+          <a:stretch>
+            <a:fillRect/>
+          </a:stretch>
+        </p:blipFill>
+        <p:spPr>
+          <a:xfrm>
+            <a:off x="1103789" y="2341587"/>
+            <a:ext cx="9984422" cy="2174826"/>
+          </a:xfrm>
+          <a:prstGeom prst="rect">
+            <a:avLst/>
+          </a:prstGeom>
+        </p:spPr>
+      </p:pic>
     </p:spTree>
     <p:extLst>
       <p:ext uri="{BB962C8B-B14F-4D97-AF65-F5344CB8AC3E}">
@@ -5255,8 +4487,8 @@
         </p:nvSpPr>
         <p:spPr>
           <a:xfrm>
-            <a:off x="628650" y="0"/>
-            <a:ext cx="7886700" cy="1535837"/>
+            <a:off x="0" y="1"/>
+            <a:ext cx="12192000" cy="1535837"/>
           </a:xfrm>
         </p:spPr>
         <p:txBody>
@@ -5265,627 +4497,50 @@
           </a:bodyPr>
           <a:lstStyle/>
           <a:p>
+            <a:pPr algn="ctr"/>
             <a:r>
               <a:rPr lang="ru-RU" dirty="0">
                 <a:latin typeface="Bahnschrift" panose="020B0502040204020203" pitchFamily="34" charset="0"/>
               </a:rPr>
-              <a:t>Структура</a:t>
-            </a:r>
-            <a:r>
-              <a:rPr lang="en-US" dirty="0">
-                <a:latin typeface="Bahnschrift" panose="020B0502040204020203" pitchFamily="34" charset="0"/>
-              </a:rPr>
-              <a:t> </a:t>
-            </a:r>
-            <a:r>
-              <a:rPr lang="ru-RU" dirty="0">
-                <a:latin typeface="Bahnschrift" panose="020B0502040204020203" pitchFamily="34" charset="0"/>
-              </a:rPr>
-              <a:t>заголовка блока</a:t>
-            </a:r>
-          </a:p>
-        </p:txBody>
-      </p:sp>
-      <p:graphicFrame>
-        <p:nvGraphicFramePr>
-          <p:cNvPr id="5" name="Объект 3">
+              <a:t>Понижение разрешения</a:t>
+            </a:r>
+          </a:p>
+        </p:txBody>
+      </p:sp>
+      <p:pic>
+        <p:nvPicPr>
+          <p:cNvPr id="3" name="Рисунок 2">
             <a:extLst>
               <a:ext uri="{FF2B5EF4-FFF2-40B4-BE49-F238E27FC236}">
-                <a16:creationId xmlns:a16="http://schemas.microsoft.com/office/drawing/2014/main" id="{56ED325D-BE49-4416-9328-4F09A0BBA292}"/>
+                <a16:creationId xmlns:a16="http://schemas.microsoft.com/office/drawing/2014/main" id="{0F3DA0CE-9E95-4C42-9569-C6915D0E358B}"/>
               </a:ext>
             </a:extLst>
           </p:cNvPr>
-          <p:cNvGraphicFramePr>
-            <a:graphicFrameLocks noGrp="1"/>
-          </p:cNvGraphicFramePr>
-          <p:nvPr>
-            <p:ph idx="1"/>
-            <p:extLst>
-              <p:ext uri="{D42A27DB-BD31-4B8C-83A1-F6EECF244321}">
-                <p14:modId xmlns:p14="http://schemas.microsoft.com/office/powerpoint/2010/main" val="1382837879"/>
-              </p:ext>
-            </p:extLst>
-          </p:nvPr>
-        </p:nvGraphicFramePr>
-        <p:xfrm>
-          <a:off x="628650" y="1588738"/>
-          <a:ext cx="7886700" cy="4759960"/>
-        </p:xfrm>
-        <a:graphic>
-          <a:graphicData uri="http://schemas.openxmlformats.org/drawingml/2006/table">
-            <a:tbl>
-              <a:tblPr firstRow="1" bandRow="1">
-                <a:tableStyleId>{5940675A-B579-460E-94D1-54222C63F5DA}</a:tableStyleId>
-              </a:tblPr>
-              <a:tblGrid>
-                <a:gridCol w="1855470">
-                  <a:extLst>
-                    <a:ext uri="{9D8B030D-6E8A-4147-A177-3AD203B41FA5}">
-                      <a16:colId xmlns:a16="http://schemas.microsoft.com/office/drawing/2014/main" val="1872183755"/>
-                    </a:ext>
-                  </a:extLst>
-                </a:gridCol>
-                <a:gridCol w="1897380">
-                  <a:extLst>
-                    <a:ext uri="{9D8B030D-6E8A-4147-A177-3AD203B41FA5}">
-                      <a16:colId xmlns:a16="http://schemas.microsoft.com/office/drawing/2014/main" val="750706632"/>
-                    </a:ext>
-                  </a:extLst>
-                </a:gridCol>
-                <a:gridCol w="4133850">
-                  <a:extLst>
-                    <a:ext uri="{9D8B030D-6E8A-4147-A177-3AD203B41FA5}">
-                      <a16:colId xmlns:a16="http://schemas.microsoft.com/office/drawing/2014/main" val="3129054460"/>
-                    </a:ext>
-                  </a:extLst>
-                </a:gridCol>
-              </a:tblGrid>
-              <a:tr h="370840">
-                <a:tc>
-                  <a:txBody>
-                    <a:bodyPr/>
-                    <a:lstStyle/>
-                    <a:p>
-                      <a:pPr algn="ctr"/>
-                      <a:r>
-                        <a:rPr lang="ru-RU" sz="1800" b="0" i="1" u="none" dirty="0">
-                          <a:latin typeface="Bahnschrift" panose="020B0502040204020203" pitchFamily="34" charset="0"/>
-                        </a:rPr>
-                        <a:t>Размер</a:t>
-                      </a:r>
-                    </a:p>
-                  </a:txBody>
-                  <a:tcPr anchor="ctr"/>
-                </a:tc>
-                <a:tc>
-                  <a:txBody>
-                    <a:bodyPr/>
-                    <a:lstStyle/>
-                    <a:p>
-                      <a:pPr algn="ctr"/>
-                      <a:r>
-                        <a:rPr lang="ru-RU" sz="1800" b="0" i="1" u="none" kern="1200" dirty="0">
-                          <a:solidFill>
-                            <a:schemeClr val="tx1"/>
-                          </a:solidFill>
-                          <a:effectLst/>
-                          <a:latin typeface="Bahnschrift" panose="020B0502040204020203" pitchFamily="34" charset="0"/>
-                          <a:ea typeface="+mn-ea"/>
-                          <a:cs typeface="+mn-cs"/>
-                        </a:rPr>
-                        <a:t>Поле</a:t>
-                      </a:r>
-                      <a:endParaRPr lang="ru-RU" sz="1800" b="0" i="1" u="none" dirty="0">
-                        <a:latin typeface="Bahnschrift" panose="020B0502040204020203" pitchFamily="34" charset="0"/>
-                      </a:endParaRPr>
-                    </a:p>
-                  </a:txBody>
-                  <a:tcPr anchor="ctr"/>
-                </a:tc>
-                <a:tc>
-                  <a:txBody>
-                    <a:bodyPr/>
-                    <a:lstStyle/>
-                    <a:p>
-                      <a:pPr algn="ctr"/>
-                      <a:r>
-                        <a:rPr lang="ru-RU" sz="1800" b="0" i="1" u="none" kern="1200" dirty="0">
-                          <a:solidFill>
-                            <a:schemeClr val="tx1"/>
-                          </a:solidFill>
-                          <a:effectLst/>
-                          <a:latin typeface="Bahnschrift" panose="020B0502040204020203" pitchFamily="34" charset="0"/>
-                          <a:ea typeface="+mn-ea"/>
-                          <a:cs typeface="+mn-cs"/>
-                        </a:rPr>
-                        <a:t>Описание</a:t>
-                      </a:r>
-                      <a:endParaRPr lang="ru-RU" sz="1800" b="0" i="1" u="none" dirty="0">
-                        <a:latin typeface="Bahnschrift" panose="020B0502040204020203" pitchFamily="34" charset="0"/>
-                      </a:endParaRPr>
-                    </a:p>
-                  </a:txBody>
-                  <a:tcPr anchor="ctr"/>
-                </a:tc>
-                <a:extLst>
-                  <a:ext uri="{0D108BD9-81ED-4DB2-BD59-A6C34878D82A}">
-                    <a16:rowId xmlns:a16="http://schemas.microsoft.com/office/drawing/2014/main" val="2147199927"/>
-                  </a:ext>
-                </a:extLst>
-              </a:tr>
-              <a:tr h="370840">
-                <a:tc>
-                  <a:txBody>
-                    <a:bodyPr/>
-                    <a:lstStyle/>
-                    <a:p>
-                      <a:pPr algn="ctr"/>
-                      <a:r>
-                        <a:rPr lang="ru-RU" sz="1800" kern="1200" dirty="0">
-                          <a:solidFill>
-                            <a:schemeClr val="tx1"/>
-                          </a:solidFill>
-                          <a:effectLst/>
-                          <a:latin typeface="Bahnschrift" panose="020B0502040204020203" pitchFamily="34" charset="0"/>
-                          <a:ea typeface="+mn-ea"/>
-                          <a:cs typeface="+mn-cs"/>
-                        </a:rPr>
-                        <a:t>4 байта</a:t>
-                      </a:r>
-                      <a:endParaRPr lang="ru-RU" sz="1800" dirty="0">
-                        <a:latin typeface="Bahnschrift" panose="020B0502040204020203" pitchFamily="34" charset="0"/>
-                      </a:endParaRPr>
-                    </a:p>
-                  </a:txBody>
-                  <a:tcPr anchor="ctr"/>
-                </a:tc>
-                <a:tc>
-                  <a:txBody>
-                    <a:bodyPr/>
-                    <a:lstStyle/>
-                    <a:p>
-                      <a:pPr algn="ctr"/>
-                      <a:r>
-                        <a:rPr lang="ru-RU" sz="1800" dirty="0">
-                          <a:latin typeface="Bahnschrift" panose="020B0502040204020203" pitchFamily="34" charset="0"/>
-                        </a:rPr>
-                        <a:t>Версия</a:t>
-                      </a:r>
-                    </a:p>
-                  </a:txBody>
-                  <a:tcPr anchor="ctr"/>
-                </a:tc>
-                <a:tc>
-                  <a:txBody>
-                    <a:bodyPr/>
-                    <a:lstStyle/>
-                    <a:p>
-                      <a:pPr algn="ctr"/>
-                      <a:r>
-                        <a:rPr lang="ru-RU" sz="1800" dirty="0">
-                          <a:latin typeface="Bahnschrift" panose="020B0502040204020203" pitchFamily="34" charset="0"/>
-                        </a:rPr>
-                        <a:t>Номер версии для отслеживания обновлений программного обеспечения/протокола</a:t>
-                      </a:r>
-                    </a:p>
-                  </a:txBody>
-                  <a:tcPr anchor="ctr"/>
-                </a:tc>
-                <a:extLst>
-                  <a:ext uri="{0D108BD9-81ED-4DB2-BD59-A6C34878D82A}">
-                    <a16:rowId xmlns:a16="http://schemas.microsoft.com/office/drawing/2014/main" val="1432419596"/>
-                  </a:ext>
-                </a:extLst>
-              </a:tr>
-              <a:tr h="370840">
-                <a:tc>
-                  <a:txBody>
-                    <a:bodyPr/>
-                    <a:lstStyle/>
-                    <a:p>
-                      <a:pPr algn="ctr"/>
-                      <a:r>
-                        <a:rPr lang="ru-RU" sz="1800" kern="1200" dirty="0">
-                          <a:solidFill>
-                            <a:schemeClr val="tx1"/>
-                          </a:solidFill>
-                          <a:effectLst/>
-                          <a:latin typeface="Bahnschrift" panose="020B0502040204020203" pitchFamily="34" charset="0"/>
-                          <a:ea typeface="+mn-ea"/>
-                          <a:cs typeface="+mn-cs"/>
-                        </a:rPr>
-                        <a:t>32 байта</a:t>
-                      </a:r>
-                      <a:endParaRPr lang="ru-RU" sz="1800" dirty="0">
-                        <a:latin typeface="Bahnschrift" panose="020B0502040204020203" pitchFamily="34" charset="0"/>
-                      </a:endParaRPr>
-                    </a:p>
-                  </a:txBody>
-                  <a:tcPr anchor="ctr"/>
-                </a:tc>
-                <a:tc>
-                  <a:txBody>
-                    <a:bodyPr/>
-                    <a:lstStyle/>
-                    <a:p>
-                      <a:pPr algn="ctr"/>
-                      <a:r>
-                        <a:rPr lang="ru-RU" sz="1800" dirty="0">
-                          <a:latin typeface="Bahnschrift" panose="020B0502040204020203" pitchFamily="34" charset="0"/>
-                        </a:rPr>
-                        <a:t>Хэш предыдущего блока</a:t>
-                      </a:r>
-                    </a:p>
-                  </a:txBody>
-                  <a:tcPr anchor="ctr"/>
-                </a:tc>
-                <a:tc>
-                  <a:txBody>
-                    <a:bodyPr/>
-                    <a:lstStyle/>
-                    <a:p>
-                      <a:pPr algn="ctr"/>
-                      <a:r>
-                        <a:rPr lang="ru-RU" sz="1800" dirty="0">
-                          <a:latin typeface="Bahnschrift" panose="020B0502040204020203" pitchFamily="34" charset="0"/>
-                        </a:rPr>
-                        <a:t>Ссылка на хэш предыдущего (родительского) блока в цепи</a:t>
-                      </a:r>
-                    </a:p>
-                  </a:txBody>
-                  <a:tcPr anchor="ctr"/>
-                </a:tc>
-                <a:extLst>
-                  <a:ext uri="{0D108BD9-81ED-4DB2-BD59-A6C34878D82A}">
-                    <a16:rowId xmlns:a16="http://schemas.microsoft.com/office/drawing/2014/main" val="387069861"/>
-                  </a:ext>
-                </a:extLst>
-              </a:tr>
-              <a:tr h="370840">
-                <a:tc>
-                  <a:txBody>
-                    <a:bodyPr/>
-                    <a:lstStyle/>
-                    <a:p>
-                      <a:pPr algn="ctr"/>
-                      <a:r>
-                        <a:rPr lang="ru-RU" sz="1800" kern="1200" dirty="0">
-                          <a:solidFill>
-                            <a:schemeClr val="tx1"/>
-                          </a:solidFill>
-                          <a:effectLst/>
-                          <a:latin typeface="Bahnschrift" panose="020B0502040204020203" pitchFamily="34" charset="0"/>
-                          <a:ea typeface="+mn-ea"/>
-                          <a:cs typeface="+mn-cs"/>
-                        </a:rPr>
-                        <a:t>32 байта</a:t>
-                      </a:r>
-                      <a:endParaRPr lang="ru-RU" sz="1800" dirty="0">
-                        <a:latin typeface="Bahnschrift" panose="020B0502040204020203" pitchFamily="34" charset="0"/>
-                      </a:endParaRPr>
-                    </a:p>
-                  </a:txBody>
-                  <a:tcPr anchor="ctr"/>
-                </a:tc>
-                <a:tc>
-                  <a:txBody>
-                    <a:bodyPr/>
-                    <a:lstStyle/>
-                    <a:p>
-                      <a:pPr algn="ctr"/>
-                      <a:r>
-                        <a:rPr lang="ru-RU" sz="1800" dirty="0">
-                          <a:latin typeface="Bahnschrift" panose="020B0502040204020203" pitchFamily="34" charset="0"/>
-                        </a:rPr>
-                        <a:t>Корень дерева Меркла</a:t>
-                      </a:r>
-                    </a:p>
-                  </a:txBody>
-                  <a:tcPr anchor="ctr"/>
-                </a:tc>
-                <a:tc>
-                  <a:txBody>
-                    <a:bodyPr/>
-                    <a:lstStyle/>
-                    <a:p>
-                      <a:pPr algn="ctr"/>
-                      <a:r>
-                        <a:rPr lang="ru-RU" sz="1800" dirty="0">
-                          <a:latin typeface="Bahnschrift" panose="020B0502040204020203" pitchFamily="34" charset="0"/>
-                        </a:rPr>
-                        <a:t>Хэш корня дерева Меркла транзакций этого блока</a:t>
-                      </a:r>
-                    </a:p>
-                  </a:txBody>
-                  <a:tcPr anchor="ctr"/>
-                </a:tc>
-                <a:extLst>
-                  <a:ext uri="{0D108BD9-81ED-4DB2-BD59-A6C34878D82A}">
-                    <a16:rowId xmlns:a16="http://schemas.microsoft.com/office/drawing/2014/main" val="3186194222"/>
-                  </a:ext>
-                </a:extLst>
-              </a:tr>
-              <a:tr h="370840">
-                <a:tc>
-                  <a:txBody>
-                    <a:bodyPr/>
-                    <a:lstStyle/>
-                    <a:p>
-                      <a:pPr algn="ctr"/>
-                      <a:r>
-                        <a:rPr lang="ru-RU" sz="1800" kern="1200" dirty="0">
-                          <a:solidFill>
-                            <a:schemeClr val="tx1"/>
-                          </a:solidFill>
-                          <a:effectLst/>
-                          <a:latin typeface="Bahnschrift" panose="020B0502040204020203" pitchFamily="34" charset="0"/>
-                          <a:ea typeface="+mn-ea"/>
-                          <a:cs typeface="+mn-cs"/>
-                        </a:rPr>
-                        <a:t>4 байта</a:t>
-                      </a:r>
-                      <a:endParaRPr lang="ru-RU" sz="1800" dirty="0">
-                        <a:latin typeface="Bahnschrift" panose="020B0502040204020203" pitchFamily="34" charset="0"/>
-                      </a:endParaRPr>
-                    </a:p>
-                  </a:txBody>
-                  <a:tcPr anchor="ctr"/>
-                </a:tc>
-                <a:tc>
-                  <a:txBody>
-                    <a:bodyPr/>
-                    <a:lstStyle/>
-                    <a:p>
-                      <a:pPr algn="ctr"/>
-                      <a:r>
-                        <a:rPr lang="ru-RU" sz="1800" dirty="0">
-                          <a:latin typeface="Bahnschrift" panose="020B0502040204020203" pitchFamily="34" charset="0"/>
-                        </a:rPr>
-                        <a:t>Отметка времени</a:t>
-                      </a:r>
-                    </a:p>
-                  </a:txBody>
-                  <a:tcPr anchor="ctr"/>
-                </a:tc>
-                <a:tc>
-                  <a:txBody>
-                    <a:bodyPr/>
-                    <a:lstStyle/>
-                    <a:p>
-                      <a:pPr algn="ctr"/>
-                      <a:r>
-                        <a:rPr lang="ru-RU" sz="1800" dirty="0">
-                          <a:latin typeface="Bahnschrift" panose="020B0502040204020203" pitchFamily="34" charset="0"/>
-                        </a:rPr>
-                        <a:t>Примерное время создания этого блока в секундах (</a:t>
-                      </a:r>
-                      <a:r>
-                        <a:rPr lang="ru-RU" sz="1800" dirty="0" err="1">
-                          <a:latin typeface="Bahnschrift" panose="020B0502040204020203" pitchFamily="34" charset="0"/>
-                        </a:rPr>
-                        <a:t>Unix</a:t>
-                      </a:r>
-                      <a:r>
-                        <a:rPr lang="ru-RU" sz="1800" dirty="0">
-                          <a:latin typeface="Bahnschrift" panose="020B0502040204020203" pitchFamily="34" charset="0"/>
-                        </a:rPr>
-                        <a:t>-время) </a:t>
-                      </a:r>
-                    </a:p>
-                  </a:txBody>
-                  <a:tcPr anchor="ctr"/>
-                </a:tc>
-                <a:extLst>
-                  <a:ext uri="{0D108BD9-81ED-4DB2-BD59-A6C34878D82A}">
-                    <a16:rowId xmlns:a16="http://schemas.microsoft.com/office/drawing/2014/main" val="1003364273"/>
-                  </a:ext>
-                </a:extLst>
-              </a:tr>
-              <a:tr h="370840">
-                <a:tc>
-                  <a:txBody>
-                    <a:bodyPr/>
-                    <a:lstStyle/>
-                    <a:p>
-                      <a:pPr algn="ctr"/>
-                      <a:r>
-                        <a:rPr lang="ru-RU" sz="1800" kern="1200" dirty="0">
-                          <a:solidFill>
-                            <a:schemeClr val="tx1"/>
-                          </a:solidFill>
-                          <a:effectLst/>
-                          <a:latin typeface="Bahnschrift" panose="020B0502040204020203" pitchFamily="34" charset="0"/>
-                          <a:ea typeface="+mn-ea"/>
-                          <a:cs typeface="+mn-cs"/>
-                        </a:rPr>
-                        <a:t>4 байта</a:t>
-                      </a:r>
-                      <a:endParaRPr lang="ru-RU" sz="1800" dirty="0">
-                        <a:latin typeface="Bahnschrift" panose="020B0502040204020203" pitchFamily="34" charset="0"/>
-                      </a:endParaRPr>
-                    </a:p>
-                  </a:txBody>
-                  <a:tcPr anchor="ctr"/>
-                </a:tc>
-                <a:tc>
-                  <a:txBody>
-                    <a:bodyPr/>
-                    <a:lstStyle/>
-                    <a:p>
-                      <a:pPr algn="ctr"/>
-                      <a:r>
-                        <a:rPr lang="ru-RU" sz="1800" dirty="0">
-                          <a:latin typeface="Bahnschrift" panose="020B0502040204020203" pitchFamily="34" charset="0"/>
-                        </a:rPr>
-                        <a:t>Сложность</a:t>
-                      </a:r>
-                    </a:p>
-                  </a:txBody>
-                  <a:tcPr anchor="ctr"/>
-                </a:tc>
-                <a:tc>
-                  <a:txBody>
-                    <a:bodyPr/>
-                    <a:lstStyle/>
-                    <a:p>
-                      <a:pPr algn="ctr"/>
-                      <a:r>
-                        <a:rPr lang="ru-RU" sz="1800" dirty="0">
-                          <a:latin typeface="Bahnschrift" panose="020B0502040204020203" pitchFamily="34" charset="0"/>
-                        </a:rPr>
-                        <a:t>Сложность алгоритма </a:t>
-                      </a:r>
-                      <a:r>
-                        <a:rPr lang="ru-RU" sz="1800" dirty="0" err="1">
-                          <a:latin typeface="Bahnschrift" panose="020B0502040204020203" pitchFamily="34" charset="0"/>
-                        </a:rPr>
-                        <a:t>Proof</a:t>
-                      </a:r>
-                      <a:r>
-                        <a:rPr lang="ru-RU" sz="1800" dirty="0">
-                          <a:latin typeface="Bahnschrift" panose="020B0502040204020203" pitchFamily="34" charset="0"/>
-                        </a:rPr>
-                        <a:t> </a:t>
-                      </a:r>
-                      <a:r>
-                        <a:rPr lang="ru-RU" sz="1800" dirty="0" err="1">
-                          <a:latin typeface="Bahnschrift" panose="020B0502040204020203" pitchFamily="34" charset="0"/>
-                        </a:rPr>
-                        <a:t>of</a:t>
-                      </a:r>
-                      <a:r>
-                        <a:rPr lang="ru-RU" sz="1800" dirty="0">
-                          <a:latin typeface="Bahnschrift" panose="020B0502040204020203" pitchFamily="34" charset="0"/>
-                        </a:rPr>
-                        <a:t> </a:t>
-                      </a:r>
-                      <a:r>
-                        <a:rPr lang="ru-RU" sz="1800" dirty="0" err="1">
-                          <a:latin typeface="Bahnschrift" panose="020B0502040204020203" pitchFamily="34" charset="0"/>
-                        </a:rPr>
-                        <a:t>Work</a:t>
-                      </a:r>
-                      <a:r>
-                        <a:rPr lang="ru-RU" sz="1800" dirty="0">
-                          <a:latin typeface="Bahnschrift" panose="020B0502040204020203" pitchFamily="34" charset="0"/>
-                        </a:rPr>
-                        <a:t> для этого блока</a:t>
-                      </a:r>
-                    </a:p>
-                  </a:txBody>
-                  <a:tcPr anchor="ctr"/>
-                </a:tc>
-                <a:extLst>
-                  <a:ext uri="{0D108BD9-81ED-4DB2-BD59-A6C34878D82A}">
-                    <a16:rowId xmlns:a16="http://schemas.microsoft.com/office/drawing/2014/main" val="1492130774"/>
-                  </a:ext>
-                </a:extLst>
-              </a:tr>
-              <a:tr h="370840">
-                <a:tc>
-                  <a:txBody>
-                    <a:bodyPr/>
-                    <a:lstStyle/>
-                    <a:p>
-                      <a:pPr algn="ctr"/>
-                      <a:r>
-                        <a:rPr lang="ru-RU" sz="1800" kern="1200" dirty="0">
-                          <a:solidFill>
-                            <a:schemeClr val="tx1"/>
-                          </a:solidFill>
-                          <a:effectLst/>
-                          <a:latin typeface="Bahnschrift" panose="020B0502040204020203" pitchFamily="34" charset="0"/>
-                          <a:ea typeface="+mn-ea"/>
-                          <a:cs typeface="+mn-cs"/>
-                        </a:rPr>
-                        <a:t>4 байта</a:t>
-                      </a:r>
-                      <a:endParaRPr lang="ru-RU" sz="1800" dirty="0">
-                        <a:latin typeface="Bahnschrift" panose="020B0502040204020203" pitchFamily="34" charset="0"/>
-                      </a:endParaRPr>
-                    </a:p>
-                  </a:txBody>
-                  <a:tcPr anchor="ctr"/>
-                </a:tc>
-                <a:tc>
-                  <a:txBody>
-                    <a:bodyPr/>
-                    <a:lstStyle/>
-                    <a:p>
-                      <a:pPr algn="ctr"/>
-                      <a:r>
-                        <a:rPr lang="ru-RU" sz="1800" dirty="0">
-                          <a:latin typeface="Bahnschrift" panose="020B0502040204020203" pitchFamily="34" charset="0"/>
-                        </a:rPr>
-                        <a:t>Одноразовый номер</a:t>
-                      </a:r>
-                    </a:p>
-                  </a:txBody>
-                  <a:tcPr anchor="ctr"/>
-                </a:tc>
-                <a:tc>
-                  <a:txBody>
-                    <a:bodyPr/>
-                    <a:lstStyle/>
-                    <a:p>
-                      <a:pPr algn="ctr"/>
-                      <a:r>
-                        <a:rPr lang="ru-RU" sz="1800" dirty="0">
-                          <a:latin typeface="Bahnschrift" panose="020B0502040204020203" pitchFamily="34" charset="0"/>
-                        </a:rPr>
-                        <a:t>Счетчик, используемый для алгоритма </a:t>
-                      </a:r>
-                      <a:r>
-                        <a:rPr lang="ru-RU" sz="1800" dirty="0" err="1">
-                          <a:latin typeface="Bahnschrift" panose="020B0502040204020203" pitchFamily="34" charset="0"/>
-                        </a:rPr>
-                        <a:t>Proof</a:t>
-                      </a:r>
-                      <a:r>
-                        <a:rPr lang="ru-RU" sz="1800" dirty="0">
-                          <a:latin typeface="Bahnschrift" panose="020B0502040204020203" pitchFamily="34" charset="0"/>
-                        </a:rPr>
-                        <a:t> </a:t>
-                      </a:r>
-                      <a:r>
-                        <a:rPr lang="ru-RU" sz="1800" dirty="0" err="1">
-                          <a:latin typeface="Bahnschrift" panose="020B0502040204020203" pitchFamily="34" charset="0"/>
-                        </a:rPr>
-                        <a:t>of</a:t>
-                      </a:r>
-                      <a:r>
-                        <a:rPr lang="ru-RU" sz="1800" dirty="0">
-                          <a:latin typeface="Bahnschrift" panose="020B0502040204020203" pitchFamily="34" charset="0"/>
-                        </a:rPr>
-                        <a:t> </a:t>
-                      </a:r>
-                      <a:r>
-                        <a:rPr lang="ru-RU" sz="1800" dirty="0" err="1">
-                          <a:latin typeface="Bahnschrift" panose="020B0502040204020203" pitchFamily="34" charset="0"/>
-                        </a:rPr>
-                        <a:t>Work</a:t>
-                      </a:r>
-                      <a:endParaRPr lang="ru-RU" sz="1800" dirty="0">
-                        <a:latin typeface="Bahnschrift" panose="020B0502040204020203" pitchFamily="34" charset="0"/>
-                      </a:endParaRPr>
-                    </a:p>
-                  </a:txBody>
-                  <a:tcPr anchor="ctr"/>
-                </a:tc>
-                <a:extLst>
-                  <a:ext uri="{0D108BD9-81ED-4DB2-BD59-A6C34878D82A}">
-                    <a16:rowId xmlns:a16="http://schemas.microsoft.com/office/drawing/2014/main" val="1658202046"/>
-                  </a:ext>
-                </a:extLst>
-              </a:tr>
-            </a:tbl>
-          </a:graphicData>
-        </a:graphic>
-      </p:graphicFrame>
+          <p:cNvPicPr>
+            <a:picLocks noChangeAspect="1"/>
+          </p:cNvPicPr>
+          <p:nvPr/>
+        </p:nvPicPr>
+        <p:blipFill>
+          <a:blip r:embed="rId2"/>
+          <a:stretch>
+            <a:fillRect/>
+          </a:stretch>
+        </p:blipFill>
+        <p:spPr>
+          <a:xfrm>
+            <a:off x="1370119" y="1877218"/>
+            <a:ext cx="9451762" cy="3103564"/>
+          </a:xfrm>
+          <a:prstGeom prst="rect">
+            <a:avLst/>
+          </a:prstGeom>
+        </p:spPr>
+      </p:pic>
     </p:spTree>
     <p:extLst>
       <p:ext uri="{BB962C8B-B14F-4D97-AF65-F5344CB8AC3E}">
-        <p14:creationId xmlns:p14="http://schemas.microsoft.com/office/powerpoint/2010/main" val="370303670"/>
+        <p14:creationId xmlns:p14="http://schemas.microsoft.com/office/powerpoint/2010/main" val="3569162542"/>
       </p:ext>
     </p:extLst>
   </p:cSld>
@@ -5924,8 +4579,8 @@
         </p:nvSpPr>
         <p:spPr>
           <a:xfrm>
-            <a:off x="628650" y="0"/>
-            <a:ext cx="7886700" cy="1535837"/>
+            <a:off x="0" y="1"/>
+            <a:ext cx="12192000" cy="1535837"/>
           </a:xfrm>
         </p:spPr>
         <p:txBody>
@@ -5934,21 +4589,13 @@
           </a:bodyPr>
           <a:lstStyle/>
           <a:p>
+            <a:pPr algn="ctr"/>
             <a:r>
               <a:rPr lang="ru-RU" dirty="0">
                 <a:latin typeface="Bahnschrift" panose="020B0502040204020203" pitchFamily="34" charset="0"/>
               </a:rPr>
-              <a:t>Общая структура </a:t>
-            </a:r>
-            <a:r>
-              <a:rPr lang="ru-RU" dirty="0" err="1">
-                <a:latin typeface="Bahnschrift" panose="020B0502040204020203" pitchFamily="34" charset="0"/>
-              </a:rPr>
-              <a:t>блокчейна</a:t>
-            </a:r>
-            <a:endParaRPr lang="ru-RU" dirty="0">
-              <a:latin typeface="Bahnschrift" panose="020B0502040204020203" pitchFamily="34" charset="0"/>
-            </a:endParaRPr>
+              <a:t>Подходы к увеличению разрешения видеопотока</a:t>
+            </a:r>
           </a:p>
         </p:txBody>
       </p:sp>
@@ -5957,7 +4604,7 @@
           <p:cNvPr id="4" name="Рисунок 3">
             <a:extLst>
               <a:ext uri="{FF2B5EF4-FFF2-40B4-BE49-F238E27FC236}">
-                <a16:creationId xmlns:a16="http://schemas.microsoft.com/office/drawing/2014/main" id="{42739D2D-1E89-43A0-A262-0E0BF317C758}"/>
+                <a16:creationId xmlns:a16="http://schemas.microsoft.com/office/drawing/2014/main" id="{8D08C2A5-5F8B-4C66-AD98-9E4174A375C0}"/>
               </a:ext>
             </a:extLst>
           </p:cNvPr>
@@ -5974,8 +4621,8 @@
         </p:blipFill>
         <p:spPr>
           <a:xfrm>
-            <a:off x="0" y="1590839"/>
-            <a:ext cx="9144000" cy="4635110"/>
+            <a:off x="4009906" y="1349406"/>
+            <a:ext cx="4172188" cy="5508593"/>
           </a:xfrm>
           <a:prstGeom prst="rect">
             <a:avLst/>
@@ -5985,7 +4632,7 @@
     </p:spTree>
     <p:extLst>
       <p:ext uri="{BB962C8B-B14F-4D97-AF65-F5344CB8AC3E}">
-        <p14:creationId xmlns:p14="http://schemas.microsoft.com/office/powerpoint/2010/main" val="942854097"/>
+        <p14:creationId xmlns:p14="http://schemas.microsoft.com/office/powerpoint/2010/main" val="2299553916"/>
       </p:ext>
     </p:extLst>
   </p:cSld>
@@ -6022,35 +4669,34 @@
             <p:ph type="title"/>
           </p:nvPr>
         </p:nvSpPr>
-        <p:spPr/>
-        <p:txBody>
-          <a:bodyPr/>
-          <a:lstStyle/>
-          <a:p>
+        <p:spPr>
+          <a:xfrm>
+            <a:off x="0" y="1"/>
+            <a:ext cx="12192000" cy="1535837"/>
+          </a:xfrm>
+        </p:spPr>
+        <p:txBody>
+          <a:bodyPr>
+            <a:noAutofit/>
+          </a:bodyPr>
+          <a:lstStyle/>
+          <a:p>
+            <a:pPr algn="ctr"/>
             <a:r>
               <a:rPr lang="ru-RU" dirty="0">
                 <a:latin typeface="Bahnschrift" panose="020B0502040204020203" pitchFamily="34" charset="0"/>
               </a:rPr>
-              <a:t>Алгоритм </a:t>
-            </a:r>
-            <a:r>
-              <a:rPr lang="en-US" dirty="0">
-                <a:latin typeface="Bahnschrift" panose="020B0502040204020203" pitchFamily="34" charset="0"/>
-              </a:rPr>
-              <a:t>Proof of Work</a:t>
-            </a:r>
-            <a:endParaRPr lang="ru-RU" dirty="0">
-              <a:latin typeface="Bahnschrift" panose="020B0502040204020203" pitchFamily="34" charset="0"/>
-            </a:endParaRPr>
+              <a:t>Бикубическая интерполяция</a:t>
+            </a:r>
           </a:p>
         </p:txBody>
       </p:sp>
       <p:pic>
         <p:nvPicPr>
-          <p:cNvPr id="7" name="Рисунок 6">
+          <p:cNvPr id="5" name="Рисунок 4">
             <a:extLst>
               <a:ext uri="{FF2B5EF4-FFF2-40B4-BE49-F238E27FC236}">
-                <a16:creationId xmlns:a16="http://schemas.microsoft.com/office/drawing/2014/main" id="{72C5446B-773D-4BD4-880A-9257BE2A85C4}"/>
+                <a16:creationId xmlns:a16="http://schemas.microsoft.com/office/drawing/2014/main" id="{936B06BA-7B76-4787-8EFE-2F7E3DF3FE9B}"/>
               </a:ext>
             </a:extLst>
           </p:cNvPr>
@@ -6060,15 +4706,21 @@
           <p:nvPr/>
         </p:nvPicPr>
         <p:blipFill>
-          <a:blip r:embed="rId2"/>
+          <a:blip r:embed="rId2">
+            <a:extLst>
+              <a:ext uri="{28A0092B-C50C-407E-A947-70E740481C1C}">
+                <a14:useLocalDpi xmlns:a14="http://schemas.microsoft.com/office/drawing/2010/main" val="0"/>
+              </a:ext>
+            </a:extLst>
+          </a:blip>
           <a:stretch>
             <a:fillRect/>
           </a:stretch>
         </p:blipFill>
         <p:spPr>
           <a:xfrm>
-            <a:off x="0" y="1519848"/>
-            <a:ext cx="9144000" cy="5338152"/>
+            <a:off x="1842116" y="1973149"/>
+            <a:ext cx="8507767" cy="3601138"/>
           </a:xfrm>
           <a:prstGeom prst="rect">
             <a:avLst/>
@@ -6078,7 +4730,7 @@
     </p:spTree>
     <p:extLst>
       <p:ext uri="{BB962C8B-B14F-4D97-AF65-F5344CB8AC3E}">
-        <p14:creationId xmlns:p14="http://schemas.microsoft.com/office/powerpoint/2010/main" val="1558645635"/>
+        <p14:creationId xmlns:p14="http://schemas.microsoft.com/office/powerpoint/2010/main" val="2802377056"/>
       </p:ext>
     </p:extLst>
   </p:cSld>
@@ -6115,136 +4767,68 @@
             <p:ph type="title"/>
           </p:nvPr>
         </p:nvSpPr>
-        <p:spPr/>
-        <p:txBody>
-          <a:bodyPr/>
-          <a:lstStyle/>
-          <a:p>
+        <p:spPr>
+          <a:xfrm>
+            <a:off x="0" y="1"/>
+            <a:ext cx="12192000" cy="1535837"/>
+          </a:xfrm>
+        </p:spPr>
+        <p:txBody>
+          <a:bodyPr>
+            <a:noAutofit/>
+          </a:bodyPr>
+          <a:lstStyle/>
+          <a:p>
+            <a:pPr algn="ctr"/>
             <a:r>
               <a:rPr lang="ru-RU" dirty="0">
                 <a:latin typeface="Bahnschrift" panose="020B0502040204020203" pitchFamily="34" charset="0"/>
               </a:rPr>
-              <a:t>Алгоритм </a:t>
-            </a:r>
-            <a:r>
-              <a:rPr lang="en-US" dirty="0">
-                <a:latin typeface="Bahnschrift" panose="020B0502040204020203" pitchFamily="34" charset="0"/>
-              </a:rPr>
-              <a:t>Proof of Stake</a:t>
-            </a:r>
-            <a:endParaRPr lang="ru-RU" dirty="0">
-              <a:latin typeface="Bahnschrift" panose="020B0502040204020203" pitchFamily="34" charset="0"/>
-            </a:endParaRPr>
-          </a:p>
-        </p:txBody>
-      </p:sp>
-      <p:sp>
-        <p:nvSpPr>
-          <p:cNvPr id="3" name="Объект 2"/>
-          <p:cNvSpPr>
-            <a:spLocks noGrp="1"/>
-          </p:cNvSpPr>
-          <p:nvPr>
-            <p:ph idx="1"/>
-          </p:nvPr>
-        </p:nvSpPr>
+              <a:t>Нелокальная регуляризация и надежная оценка движения</a:t>
+            </a:r>
+          </a:p>
+        </p:txBody>
+      </p:sp>
+      <p:pic>
+        <p:nvPicPr>
+          <p:cNvPr id="4" name="Рисунок 3">
+            <a:extLst>
+              <a:ext uri="{FF2B5EF4-FFF2-40B4-BE49-F238E27FC236}">
+                <a16:creationId xmlns:a16="http://schemas.microsoft.com/office/drawing/2014/main" id="{F061AAAC-FBE6-4683-B74D-E2975043B616}"/>
+              </a:ext>
+            </a:extLst>
+          </p:cNvPr>
+          <p:cNvPicPr>
+            <a:picLocks noChangeAspect="1"/>
+          </p:cNvPicPr>
+          <p:nvPr/>
+        </p:nvPicPr>
+        <p:blipFill>
+          <a:blip r:embed="rId2">
+            <a:extLst>
+              <a:ext uri="{28A0092B-C50C-407E-A947-70E740481C1C}">
+                <a14:useLocalDpi xmlns:a14="http://schemas.microsoft.com/office/drawing/2010/main" val="0"/>
+              </a:ext>
+            </a:extLst>
+          </a:blip>
+          <a:stretch>
+            <a:fillRect/>
+          </a:stretch>
+        </p:blipFill>
         <p:spPr>
           <a:xfrm>
-            <a:off x="628650" y="1825625"/>
-            <a:ext cx="7886700" cy="4868138"/>
+            <a:off x="834501" y="1601085"/>
+            <a:ext cx="10522998" cy="4872517"/>
           </a:xfrm>
+          <a:prstGeom prst="rect">
+            <a:avLst/>
+          </a:prstGeom>
         </p:spPr>
-        <p:txBody>
-          <a:bodyPr>
-            <a:noAutofit/>
-          </a:bodyPr>
-          <a:lstStyle/>
-          <a:p>
-            <a:pPr marL="457200" indent="-457200">
-              <a:buFont typeface="+mj-lt"/>
-              <a:buAutoNum type="arabicPeriod"/>
-            </a:pPr>
-            <a:r>
-              <a:rPr lang="ru-RU" sz="2000" dirty="0">
-                <a:latin typeface="Bahnschrift" panose="020B0502040204020203" pitchFamily="34" charset="0"/>
-              </a:rPr>
-              <a:t>Основан на процессе отбора, учитывающем долю </a:t>
-            </a:r>
-            <a:r>
-              <a:rPr lang="ru-RU" sz="2000" dirty="0" err="1">
-                <a:latin typeface="Bahnschrift" panose="020B0502040204020203" pitchFamily="34" charset="0"/>
-              </a:rPr>
-              <a:t>валидаторов</a:t>
-            </a:r>
-            <a:r>
-              <a:rPr lang="ru-RU" sz="2000" dirty="0">
-                <a:latin typeface="Bahnschrift" panose="020B0502040204020203" pitchFamily="34" charset="0"/>
-              </a:rPr>
-              <a:t> (одобренных аккаунтов).</a:t>
-            </a:r>
-          </a:p>
-          <a:p>
-            <a:pPr marL="457200" indent="-457200">
-              <a:buFont typeface="+mj-lt"/>
-              <a:buAutoNum type="arabicPeriod"/>
-            </a:pPr>
-            <a:r>
-              <a:rPr lang="ru-RU" sz="2000" dirty="0">
-                <a:latin typeface="Bahnschrift" panose="020B0502040204020203" pitchFamily="34" charset="0"/>
-              </a:rPr>
-              <a:t>Создателем следующего блока в цепи выбирается узел, который обладает большим балансом — количеством ресурсов (например, монет в </a:t>
-            </a:r>
-            <a:r>
-              <a:rPr lang="ru-RU" sz="2000" dirty="0" err="1">
-                <a:latin typeface="Bahnschrift" panose="020B0502040204020203" pitchFamily="34" charset="0"/>
-              </a:rPr>
-              <a:t>криптовалюте</a:t>
-            </a:r>
-            <a:r>
-              <a:rPr lang="ru-RU" sz="2000" dirty="0">
-                <a:latin typeface="Bahnschrift" panose="020B0502040204020203" pitchFamily="34" charset="0"/>
-              </a:rPr>
-              <a:t>).</a:t>
-            </a:r>
-          </a:p>
-          <a:p>
-            <a:pPr marL="457200" indent="-457200">
-              <a:buFont typeface="+mj-lt"/>
-              <a:buAutoNum type="arabicPeriod"/>
-            </a:pPr>
-            <a:r>
-              <a:rPr lang="ru-RU" sz="2000" dirty="0">
-                <a:latin typeface="Bahnschrift" panose="020B0502040204020203" pitchFamily="34" charset="0"/>
-              </a:rPr>
-              <a:t>За создание блока узел вознаграждение не получает.</a:t>
-            </a:r>
-          </a:p>
-          <a:p>
-            <a:pPr marL="457200" indent="-457200">
-              <a:buFont typeface="+mj-lt"/>
-              <a:buAutoNum type="arabicPeriod"/>
-            </a:pPr>
-            <a:r>
-              <a:rPr lang="ru-RU" sz="2000" dirty="0">
-                <a:latin typeface="Bahnschrift" panose="020B0502040204020203" pitchFamily="34" charset="0"/>
-              </a:rPr>
-              <a:t>Вознаграждение выплачивается за проведение транзакции.</a:t>
-            </a:r>
-            <a:endParaRPr lang="en-US" sz="2000" dirty="0">
-              <a:latin typeface="Bahnschrift" panose="020B0502040204020203" pitchFamily="34" charset="0"/>
-            </a:endParaRPr>
-          </a:p>
-          <a:p>
-            <a:endParaRPr lang="ru-RU" sz="2000" dirty="0">
-              <a:latin typeface="Bahnschrift" panose="020B0502040204020203" pitchFamily="34" charset="0"/>
-            </a:endParaRPr>
-          </a:p>
-        </p:txBody>
-      </p:sp>
+      </p:pic>
     </p:spTree>
     <p:extLst>
       <p:ext uri="{BB962C8B-B14F-4D97-AF65-F5344CB8AC3E}">
-        <p14:creationId xmlns:p14="http://schemas.microsoft.com/office/powerpoint/2010/main" val="583181511"/>
+        <p14:creationId xmlns:p14="http://schemas.microsoft.com/office/powerpoint/2010/main" val="2646997987"/>
       </p:ext>
     </p:extLst>
   </p:cSld>
@@ -6281,59 +4865,34 @@
             <p:ph type="title"/>
           </p:nvPr>
         </p:nvSpPr>
-        <p:spPr/>
-        <p:txBody>
-          <a:bodyPr/>
-          <a:lstStyle/>
-          <a:p>
+        <p:spPr>
+          <a:xfrm>
+            <a:off x="0" y="1"/>
+            <a:ext cx="12192000" cy="2064093"/>
+          </a:xfrm>
+        </p:spPr>
+        <p:txBody>
+          <a:bodyPr>
+            <a:noAutofit/>
+          </a:bodyPr>
+          <a:lstStyle/>
+          <a:p>
+            <a:pPr algn="ctr"/>
             <a:r>
               <a:rPr lang="ru-RU" dirty="0">
                 <a:latin typeface="Bahnschrift" panose="020B0502040204020203" pitchFamily="34" charset="0"/>
               </a:rPr>
-              <a:t>Алгоритм </a:t>
-            </a:r>
-            <a:r>
-              <a:rPr lang="en-US" dirty="0">
-                <a:latin typeface="Bahnschrift" panose="020B0502040204020203" pitchFamily="34" charset="0"/>
-              </a:rPr>
-              <a:t>Hybrid Consensus (</a:t>
-            </a:r>
-            <a:r>
-              <a:rPr lang="en-US" dirty="0" err="1">
-                <a:latin typeface="Bahnschrift" panose="020B0502040204020203" pitchFamily="34" charset="0"/>
-              </a:rPr>
-              <a:t>PoW</a:t>
-            </a:r>
-            <a:r>
-              <a:rPr lang="en-US" dirty="0">
-                <a:latin typeface="Bahnschrift" panose="020B0502040204020203" pitchFamily="34" charset="0"/>
-              </a:rPr>
-              <a:t>/</a:t>
-            </a:r>
-            <a:r>
-              <a:rPr lang="en-US" dirty="0" err="1">
-                <a:latin typeface="Bahnschrift" panose="020B0502040204020203" pitchFamily="34" charset="0"/>
-              </a:rPr>
-              <a:t>PoS</a:t>
-            </a:r>
-            <a:r>
-              <a:rPr lang="en-US" dirty="0">
-                <a:latin typeface="Bahnschrift" panose="020B0502040204020203" pitchFamily="34" charset="0"/>
-              </a:rPr>
-              <a:t>)</a:t>
-            </a:r>
-            <a:endParaRPr lang="ru-RU" dirty="0">
-              <a:latin typeface="Bahnschrift" panose="020B0502040204020203" pitchFamily="34" charset="0"/>
-            </a:endParaRPr>
+              <a:t>Динамические фильтры увеличения разрешения без явной компенсации движения</a:t>
+            </a:r>
           </a:p>
         </p:txBody>
       </p:sp>
       <p:pic>
         <p:nvPicPr>
-          <p:cNvPr id="4" name="Рисунок 3">
+          <p:cNvPr id="5" name="Рисунок 4">
             <a:extLst>
               <a:ext uri="{FF2B5EF4-FFF2-40B4-BE49-F238E27FC236}">
-                <a16:creationId xmlns:a16="http://schemas.microsoft.com/office/drawing/2014/main" id="{D83D3727-3C80-4E03-9CA9-21586F547CE4}"/>
+                <a16:creationId xmlns:a16="http://schemas.microsoft.com/office/drawing/2014/main" id="{24A23CFD-A62B-4FB8-A103-FDD5240E7D2E}"/>
               </a:ext>
             </a:extLst>
           </p:cNvPr>
@@ -6343,15 +4902,21 @@
           <p:nvPr/>
         </p:nvPicPr>
         <p:blipFill>
-          <a:blip r:embed="rId2"/>
+          <a:blip r:embed="rId2">
+            <a:extLst>
+              <a:ext uri="{28A0092B-C50C-407E-A947-70E740481C1C}">
+                <a14:useLocalDpi xmlns:a14="http://schemas.microsoft.com/office/drawing/2010/main" val="0"/>
+              </a:ext>
+            </a:extLst>
+          </a:blip>
           <a:stretch>
             <a:fillRect/>
           </a:stretch>
         </p:blipFill>
         <p:spPr>
           <a:xfrm>
-            <a:off x="1074420" y="1656584"/>
-            <a:ext cx="7185660" cy="5201416"/>
+            <a:off x="2738632" y="2064094"/>
+            <a:ext cx="6714735" cy="4613625"/>
           </a:xfrm>
           <a:prstGeom prst="rect">
             <a:avLst/>
@@ -6361,7 +4926,7 @@
     </p:spTree>
     <p:extLst>
       <p:ext uri="{BB962C8B-B14F-4D97-AF65-F5344CB8AC3E}">
-        <p14:creationId xmlns:p14="http://schemas.microsoft.com/office/powerpoint/2010/main" val="3447970475"/>
+        <p14:creationId xmlns:p14="http://schemas.microsoft.com/office/powerpoint/2010/main" val="2243547640"/>
       </p:ext>
     </p:extLst>
   </p:cSld>
@@ -6398,164 +4963,68 @@
             <p:ph type="title"/>
           </p:nvPr>
         </p:nvSpPr>
-        <p:spPr/>
-        <p:txBody>
-          <a:bodyPr/>
-          <a:lstStyle/>
-          <a:p>
+        <p:spPr>
+          <a:xfrm>
+            <a:off x="0" y="1"/>
+            <a:ext cx="12192000" cy="2064093"/>
+          </a:xfrm>
+        </p:spPr>
+        <p:txBody>
+          <a:bodyPr>
+            <a:noAutofit/>
+          </a:bodyPr>
+          <a:lstStyle/>
+          <a:p>
+            <a:pPr algn="ctr"/>
             <a:r>
               <a:rPr lang="ru-RU" dirty="0">
                 <a:latin typeface="Bahnschrift" panose="020B0502040204020203" pitchFamily="34" charset="0"/>
               </a:rPr>
-              <a:t>Алгоритм </a:t>
-            </a:r>
-            <a:r>
-              <a:rPr lang="en-US" dirty="0">
-                <a:latin typeface="Bahnschrift" panose="020B0502040204020203" pitchFamily="34" charset="0"/>
-              </a:rPr>
-              <a:t>Proof of Capacity</a:t>
-            </a:r>
-            <a:endParaRPr lang="ru-RU" dirty="0">
-              <a:latin typeface="Bahnschrift" panose="020B0502040204020203" pitchFamily="34" charset="0"/>
-            </a:endParaRPr>
-          </a:p>
-        </p:txBody>
-      </p:sp>
-      <p:sp>
-        <p:nvSpPr>
-          <p:cNvPr id="3" name="Объект 2"/>
-          <p:cNvSpPr>
-            <a:spLocks noGrp="1"/>
-          </p:cNvSpPr>
-          <p:nvPr>
-            <p:ph idx="1"/>
-          </p:nvPr>
-        </p:nvSpPr>
+              <a:t>Остаточная обратимая пространственно-временная нейронная сеть</a:t>
+            </a:r>
+          </a:p>
+        </p:txBody>
+      </p:sp>
+      <p:pic>
+        <p:nvPicPr>
+          <p:cNvPr id="4" name="Рисунок 3">
+            <a:extLst>
+              <a:ext uri="{FF2B5EF4-FFF2-40B4-BE49-F238E27FC236}">
+                <a16:creationId xmlns:a16="http://schemas.microsoft.com/office/drawing/2014/main" id="{7B2C2598-5728-46A9-8EA0-FE7563CB5B74}"/>
+              </a:ext>
+            </a:extLst>
+          </p:cNvPr>
+          <p:cNvPicPr>
+            <a:picLocks noChangeAspect="1"/>
+          </p:cNvPicPr>
+          <p:nvPr/>
+        </p:nvPicPr>
+        <p:blipFill>
+          <a:blip r:embed="rId2">
+            <a:extLst>
+              <a:ext uri="{28A0092B-C50C-407E-A947-70E740481C1C}">
+                <a14:useLocalDpi xmlns:a14="http://schemas.microsoft.com/office/drawing/2010/main" val="0"/>
+              </a:ext>
+            </a:extLst>
+          </a:blip>
+          <a:stretch>
+            <a:fillRect/>
+          </a:stretch>
+        </p:blipFill>
         <p:spPr>
           <a:xfrm>
-            <a:off x="628650" y="1825625"/>
-            <a:ext cx="7886700" cy="4868138"/>
+            <a:off x="164237" y="2309483"/>
+            <a:ext cx="11863526" cy="3544538"/>
           </a:xfrm>
+          <a:prstGeom prst="rect">
+            <a:avLst/>
+          </a:prstGeom>
         </p:spPr>
-        <p:txBody>
-          <a:bodyPr>
-            <a:noAutofit/>
-          </a:bodyPr>
-          <a:lstStyle/>
-          <a:p>
-            <a:pPr marL="457200" indent="-457200">
-              <a:buFont typeface="+mj-lt"/>
-              <a:buAutoNum type="arabicPeriod"/>
-            </a:pPr>
-            <a:r>
-              <a:rPr lang="ru-RU" sz="2000" dirty="0">
-                <a:latin typeface="Bahnschrift" panose="020B0502040204020203" pitchFamily="34" charset="0"/>
-              </a:rPr>
-              <a:t>Для </a:t>
-            </a:r>
-            <a:r>
-              <a:rPr lang="ru-RU" sz="2000" dirty="0" err="1">
-                <a:latin typeface="Bahnschrift" panose="020B0502040204020203" pitchFamily="34" charset="0"/>
-              </a:rPr>
-              <a:t>майнинга</a:t>
-            </a:r>
-            <a:r>
-              <a:rPr lang="ru-RU" sz="2000" dirty="0">
-                <a:latin typeface="Bahnschrift" panose="020B0502040204020203" pitchFamily="34" charset="0"/>
-              </a:rPr>
-              <a:t> выделяется определенный объем дискового пространства.</a:t>
-            </a:r>
-          </a:p>
-          <a:p>
-            <a:pPr marL="457200" indent="-457200">
-              <a:buFont typeface="+mj-lt"/>
-              <a:buAutoNum type="arabicPeriod"/>
-            </a:pPr>
-            <a:r>
-              <a:rPr lang="ru-RU" sz="2000" dirty="0">
-                <a:latin typeface="Bahnschrift" panose="020B0502040204020203" pitchFamily="34" charset="0"/>
-              </a:rPr>
-              <a:t>Вместо того, чтобы выполнять большую работу по проверке блоков, работа выполняется заранее с использованием процесса, называемого «построением графика».</a:t>
-            </a:r>
-          </a:p>
-          <a:p>
-            <a:pPr marL="457200" indent="-457200">
-              <a:buFont typeface="+mj-lt"/>
-              <a:buAutoNum type="arabicPeriod"/>
-            </a:pPr>
-            <a:r>
-              <a:rPr lang="ru-RU" sz="2000" dirty="0">
-                <a:latin typeface="Bahnschrift" panose="020B0502040204020203" pitchFamily="34" charset="0"/>
-              </a:rPr>
-              <a:t>В ходе этого процесса </a:t>
-            </a:r>
-            <a:r>
-              <a:rPr lang="ru-RU" sz="2000" dirty="0" err="1">
-                <a:latin typeface="Bahnschrift" panose="020B0502040204020203" pitchFamily="34" charset="0"/>
-              </a:rPr>
-              <a:t>майнер</a:t>
-            </a:r>
-            <a:r>
-              <a:rPr lang="ru-RU" sz="2000" dirty="0">
-                <a:latin typeface="Bahnschrift" panose="020B0502040204020203" pitchFamily="34" charset="0"/>
-              </a:rPr>
-              <a:t> генерирует файлы, в которых хранится большое количество </a:t>
-            </a:r>
-            <a:r>
-              <a:rPr lang="ru-RU" sz="2000" dirty="0" err="1">
-                <a:latin typeface="Bahnschrift" panose="020B0502040204020203" pitchFamily="34" charset="0"/>
-              </a:rPr>
-              <a:t>хэшей</a:t>
-            </a:r>
-            <a:r>
-              <a:rPr lang="ru-RU" sz="2000" dirty="0">
-                <a:latin typeface="Bahnschrift" panose="020B0502040204020203" pitchFamily="34" charset="0"/>
-              </a:rPr>
-              <a:t>, вычисленных заранее с использованием различных одноразовых номеров.</a:t>
-            </a:r>
-          </a:p>
-          <a:p>
-            <a:pPr marL="457200" indent="-457200">
-              <a:buFont typeface="+mj-lt"/>
-              <a:buAutoNum type="arabicPeriod"/>
-            </a:pPr>
-            <a:r>
-              <a:rPr lang="ru-RU" sz="2000" dirty="0">
-                <a:latin typeface="Bahnschrift" panose="020B0502040204020203" pitchFamily="34" charset="0"/>
-              </a:rPr>
-              <a:t>Эти </a:t>
-            </a:r>
-            <a:r>
-              <a:rPr lang="ru-RU" sz="2000" dirty="0" err="1">
-                <a:latin typeface="Bahnschrift" panose="020B0502040204020203" pitchFamily="34" charset="0"/>
-              </a:rPr>
-              <a:t>хэши</a:t>
-            </a:r>
-            <a:r>
-              <a:rPr lang="ru-RU" sz="2000" dirty="0">
-                <a:latin typeface="Bahnschrift" panose="020B0502040204020203" pitchFamily="34" charset="0"/>
-              </a:rPr>
-              <a:t> могут быть повторно использованы в процессе </a:t>
-            </a:r>
-            <a:r>
-              <a:rPr lang="ru-RU" sz="2000" dirty="0" err="1">
-                <a:latin typeface="Bahnschrift" panose="020B0502040204020203" pitchFamily="34" charset="0"/>
-              </a:rPr>
-              <a:t>майнинга</a:t>
-            </a:r>
-            <a:r>
-              <a:rPr lang="ru-RU" sz="2000" dirty="0">
-                <a:latin typeface="Bahnschrift" panose="020B0502040204020203" pitchFamily="34" charset="0"/>
-              </a:rPr>
-              <a:t> следующих блоков.</a:t>
-            </a:r>
-          </a:p>
-        </p:txBody>
-      </p:sp>
+      </p:pic>
     </p:spTree>
     <p:extLst>
       <p:ext uri="{BB962C8B-B14F-4D97-AF65-F5344CB8AC3E}">
-        <p14:creationId xmlns:p14="http://schemas.microsoft.com/office/powerpoint/2010/main" val="3777156206"/>
+        <p14:creationId xmlns:p14="http://schemas.microsoft.com/office/powerpoint/2010/main" val="734535741"/>
       </p:ext>
     </p:extLst>
   </p:cSld>
@@ -6582,7 +5051,7 @@
         <a:srgbClr val="E7E6E6"/>
       </a:lt2>
       <a:accent1>
-        <a:srgbClr val="5B9BD5"/>
+        <a:srgbClr val="4472C4"/>
       </a:accent1>
       <a:accent2>
         <a:srgbClr val="ED7D31"/>
@@ -6594,7 +5063,7 @@
         <a:srgbClr val="FFC000"/>
       </a:accent4>
       <a:accent5>
-        <a:srgbClr val="4472C4"/>
+        <a:srgbClr val="5B9BD5"/>
       </a:accent5>
       <a:accent6>
         <a:srgbClr val="70AD47"/>
